--- a/PPT FINAL PROJECT DEMODAY DSFSOD10.pptx
+++ b/PPT FINAL PROJECT DEMODAY DSFSOD10.pptx
@@ -5,38 +5,39 @@
     <p:sldMasterId id="2147483659" r:id="rId1"/>
   </p:sldMasterIdLst>
   <p:notesMasterIdLst>
-    <p:notesMasterId r:id="rId14"/>
+    <p:notesMasterId r:id="rId15"/>
   </p:notesMasterIdLst>
   <p:sldIdLst>
     <p:sldId id="256" r:id="rId2"/>
     <p:sldId id="257" r:id="rId3"/>
     <p:sldId id="258" r:id="rId4"/>
-    <p:sldId id="261" r:id="rId5"/>
+    <p:sldId id="273" r:id="rId5"/>
     <p:sldId id="271" r:id="rId6"/>
     <p:sldId id="259" r:id="rId7"/>
     <p:sldId id="265" r:id="rId8"/>
     <p:sldId id="269" r:id="rId9"/>
     <p:sldId id="268" r:id="rId10"/>
     <p:sldId id="266" r:id="rId11"/>
-    <p:sldId id="262" r:id="rId12"/>
-    <p:sldId id="264" r:id="rId13"/>
+    <p:sldId id="272" r:id="rId12"/>
+    <p:sldId id="262" r:id="rId13"/>
+    <p:sldId id="264" r:id="rId14"/>
   </p:sldIdLst>
   <p:sldSz cx="9144000" cy="5143500" type="screen16x9"/>
   <p:notesSz cx="6858000" cy="9144000"/>
   <p:embeddedFontLst>
     <p:embeddedFont>
       <p:font typeface="Inter" panose="020B0604020202020204" charset="0"/>
-      <p:regular r:id="rId15"/>
-      <p:bold r:id="rId16"/>
-      <p:italic r:id="rId17"/>
-      <p:boldItalic r:id="rId18"/>
+      <p:regular r:id="rId16"/>
+      <p:bold r:id="rId17"/>
+      <p:italic r:id="rId18"/>
+      <p:boldItalic r:id="rId19"/>
     </p:embeddedFont>
     <p:embeddedFont>
       <p:font typeface="Inter SemiBold" panose="020B0604020202020204" charset="0"/>
-      <p:regular r:id="rId19"/>
-      <p:bold r:id="rId20"/>
-      <p:italic r:id="rId21"/>
-      <p:boldItalic r:id="rId22"/>
+      <p:regular r:id="rId20"/>
+      <p:bold r:id="rId21"/>
+      <p:italic r:id="rId22"/>
+      <p:boldItalic r:id="rId23"/>
     </p:embeddedFont>
   </p:embeddedFontLst>
   <p:defaultTextStyle>
@@ -279,7 +280,7 @@
 <file path=ppt/revisionInfo.xml><?xml version="1.0" encoding="utf-8"?>
 <p1510:revInfo xmlns:a="http://schemas.openxmlformats.org/drawingml/2006/main" xmlns:r="http://schemas.openxmlformats.org/officeDocument/2006/relationships" xmlns:p1510="http://schemas.microsoft.com/office/powerpoint/2015/10/main">
   <p1510:revLst>
-    <p1510:client id="{5CFC8F51-0D44-4078-A9CA-C2A6EEBBD6D9}" v="567" dt="2025-05-26T17:48:15.731"/>
+    <p1510:client id="{5CFC8F51-0D44-4078-A9CA-C2A6EEBBD6D9}" v="1241" dt="2025-05-27T14:42:04.651"/>
   </p1510:revLst>
 </p1510:revInfo>
 </file>
@@ -288,13 +289,13 @@
 <pc:chgInfo xmlns:a="http://schemas.openxmlformats.org/drawingml/2006/main" xmlns:r="http://schemas.openxmlformats.org/officeDocument/2006/relationships" xmlns:ac="http://schemas.microsoft.com/office/drawing/2013/main/command" xmlns:pc="http://schemas.microsoft.com/office/powerpoint/2013/main/command">
   <pc:docChgLst>
     <pc:chgData name="BECHERAS Laura" userId="3ea809b8-59e4-42a5-9c7a-452b45b79bb8" providerId="ADAL" clId="{5CFC8F51-0D44-4078-A9CA-C2A6EEBBD6D9}"/>
-    <pc:docChg chg="undo redo custSel addSld delSld modSld">
-      <pc:chgData name="BECHERAS Laura" userId="3ea809b8-59e4-42a5-9c7a-452b45b79bb8" providerId="ADAL" clId="{5CFC8F51-0D44-4078-A9CA-C2A6EEBBD6D9}" dt="2025-05-26T17:48:15.731" v="4943"/>
+    <pc:docChg chg="undo redo custSel addSld delSld modSld sldOrd">
+      <pc:chgData name="BECHERAS Laura" userId="3ea809b8-59e4-42a5-9c7a-452b45b79bb8" providerId="ADAL" clId="{5CFC8F51-0D44-4078-A9CA-C2A6EEBBD6D9}" dt="2025-05-27T14:53:52.169" v="6026" actId="20577"/>
       <pc:docMkLst>
         <pc:docMk/>
       </pc:docMkLst>
-      <pc:sldChg chg="modSp mod">
-        <pc:chgData name="BECHERAS Laura" userId="3ea809b8-59e4-42a5-9c7a-452b45b79bb8" providerId="ADAL" clId="{5CFC8F51-0D44-4078-A9CA-C2A6EEBBD6D9}" dt="2025-05-25T08:19:30.529" v="913" actId="14100"/>
+      <pc:sldChg chg="modSp mod modNotesTx">
+        <pc:chgData name="BECHERAS Laura" userId="3ea809b8-59e4-42a5-9c7a-452b45b79bb8" providerId="ADAL" clId="{5CFC8F51-0D44-4078-A9CA-C2A6EEBBD6D9}" dt="2025-05-27T13:02:51.060" v="5689" actId="20577"/>
         <pc:sldMkLst>
           <pc:docMk/>
           <pc:sldMk cId="0" sldId="256"/>
@@ -308,8 +309,8 @@
           </ac:spMkLst>
         </pc:spChg>
       </pc:sldChg>
-      <pc:sldChg chg="modSp mod">
-        <pc:chgData name="BECHERAS Laura" userId="3ea809b8-59e4-42a5-9c7a-452b45b79bb8" providerId="ADAL" clId="{5CFC8F51-0D44-4078-A9CA-C2A6EEBBD6D9}" dt="2025-05-26T17:28:13.701" v="4600" actId="14100"/>
+      <pc:sldChg chg="modSp mod modNotesTx">
+        <pc:chgData name="BECHERAS Laura" userId="3ea809b8-59e4-42a5-9c7a-452b45b79bb8" providerId="ADAL" clId="{5CFC8F51-0D44-4078-A9CA-C2A6EEBBD6D9}" dt="2025-05-27T13:02:56.371" v="5690"/>
         <pc:sldMkLst>
           <pc:docMk/>
           <pc:sldMk cId="0" sldId="257"/>
@@ -409,78 +410,118 @@
           </ac:picMkLst>
         </pc:picChg>
       </pc:sldChg>
-      <pc:sldChg chg="addSp delSp modSp mod modAnim modNotesTx">
-        <pc:chgData name="BECHERAS Laura" userId="3ea809b8-59e4-42a5-9c7a-452b45b79bb8" providerId="ADAL" clId="{5CFC8F51-0D44-4078-A9CA-C2A6EEBBD6D9}" dt="2025-05-26T17:48:15.731" v="4943"/>
+      <pc:sldChg chg="addSp delSp modSp del mod delAnim modAnim modNotesTx">
+        <pc:chgData name="BECHERAS Laura" userId="3ea809b8-59e4-42a5-9c7a-452b45b79bb8" providerId="ADAL" clId="{5CFC8F51-0D44-4078-A9CA-C2A6EEBBD6D9}" dt="2025-05-27T14:41:18.400" v="5950" actId="47"/>
         <pc:sldMkLst>
           <pc:docMk/>
           <pc:sldMk cId="0" sldId="261"/>
         </pc:sldMkLst>
-        <pc:spChg chg="del mod">
-          <ac:chgData name="BECHERAS Laura" userId="3ea809b8-59e4-42a5-9c7a-452b45b79bb8" providerId="ADAL" clId="{5CFC8F51-0D44-4078-A9CA-C2A6EEBBD6D9}" dt="2025-05-25T09:06:02.423" v="1307" actId="478"/>
-          <ac:spMkLst>
-            <pc:docMk/>
-            <pc:sldMk cId="0" sldId="261"/>
-            <ac:spMk id="2" creationId="{8B19A608-3F63-C532-7705-03D7F6B0E153}"/>
-          </ac:spMkLst>
-        </pc:spChg>
         <pc:spChg chg="add del mod">
-          <ac:chgData name="BECHERAS Laura" userId="3ea809b8-59e4-42a5-9c7a-452b45b79bb8" providerId="ADAL" clId="{5CFC8F51-0D44-4078-A9CA-C2A6EEBBD6D9}" dt="2025-05-25T09:06:04.959" v="1308" actId="478"/>
-          <ac:spMkLst>
-            <pc:docMk/>
-            <pc:sldMk cId="0" sldId="261"/>
-            <ac:spMk id="8" creationId="{D7C988D8-05D8-43E1-8D50-1AC448A416C2}"/>
-          </ac:spMkLst>
-        </pc:spChg>
-        <pc:spChg chg="add mod">
-          <ac:chgData name="BECHERAS Laura" userId="3ea809b8-59e4-42a5-9c7a-452b45b79bb8" providerId="ADAL" clId="{5CFC8F51-0D44-4078-A9CA-C2A6EEBBD6D9}" dt="2025-05-25T09:09:47.307" v="1393" actId="1076"/>
+          <ac:chgData name="BECHERAS Laura" userId="3ea809b8-59e4-42a5-9c7a-452b45b79bb8" providerId="ADAL" clId="{5CFC8F51-0D44-4078-A9CA-C2A6EEBBD6D9}" dt="2025-05-27T14:17:25.906" v="5864" actId="21"/>
           <ac:spMkLst>
             <pc:docMk/>
             <pc:sldMk cId="0" sldId="261"/>
             <ac:spMk id="13" creationId="{5AA804A8-7728-10B8-38D8-B3894B3C4837}"/>
           </ac:spMkLst>
         </pc:spChg>
-        <pc:spChg chg="add del mod ord">
-          <ac:chgData name="BECHERAS Laura" userId="3ea809b8-59e4-42a5-9c7a-452b45b79bb8" providerId="ADAL" clId="{5CFC8F51-0D44-4078-A9CA-C2A6EEBBD6D9}" dt="2025-05-25T09:06:48.640" v="1323" actId="1076"/>
+        <pc:spChg chg="add del mod">
+          <ac:chgData name="BECHERAS Laura" userId="3ea809b8-59e4-42a5-9c7a-452b45b79bb8" providerId="ADAL" clId="{5CFC8F51-0D44-4078-A9CA-C2A6EEBBD6D9}" dt="2025-05-27T14:41:17.038" v="5949" actId="21"/>
           <ac:spMkLst>
             <pc:docMk/>
             <pc:sldMk cId="0" sldId="261"/>
-            <ac:spMk id="89" creationId="{00000000-0000-0000-0000-000000000000}"/>
+            <ac:spMk id="16" creationId="{5AA804A8-7728-10B8-38D8-B3894B3C4837}"/>
           </ac:spMkLst>
         </pc:spChg>
-        <pc:picChg chg="add mod ord">
-          <ac:chgData name="BECHERAS Laura" userId="3ea809b8-59e4-42a5-9c7a-452b45b79bb8" providerId="ADAL" clId="{5CFC8F51-0D44-4078-A9CA-C2A6EEBBD6D9}" dt="2025-05-25T09:08:18.352" v="1379" actId="170"/>
+        <pc:spChg chg="add del mod">
+          <ac:chgData name="BECHERAS Laura" userId="3ea809b8-59e4-42a5-9c7a-452b45b79bb8" providerId="ADAL" clId="{5CFC8F51-0D44-4078-A9CA-C2A6EEBBD6D9}" dt="2025-05-27T14:40:18.308" v="5924" actId="478"/>
+          <ac:spMkLst>
+            <pc:docMk/>
+            <pc:sldMk cId="0" sldId="261"/>
+            <ac:spMk id="18" creationId="{18B6F209-CE47-F90B-98E3-92F21928870D}"/>
+          </ac:spMkLst>
+        </pc:spChg>
+        <pc:spChg chg="add del mod">
+          <ac:chgData name="BECHERAS Laura" userId="3ea809b8-59e4-42a5-9c7a-452b45b79bb8" providerId="ADAL" clId="{5CFC8F51-0D44-4078-A9CA-C2A6EEBBD6D9}" dt="2025-05-27T14:40:42.945" v="5940" actId="21"/>
+          <ac:spMkLst>
+            <pc:docMk/>
+            <pc:sldMk cId="0" sldId="261"/>
+            <ac:spMk id="19" creationId="{5FB83FCE-D759-2F8D-A730-AB0DE3860942}"/>
+          </ac:spMkLst>
+        </pc:spChg>
+        <pc:picChg chg="add del mod ord modCrop">
+          <ac:chgData name="BECHERAS Laura" userId="3ea809b8-59e4-42a5-9c7a-452b45b79bb8" providerId="ADAL" clId="{5CFC8F51-0D44-4078-A9CA-C2A6EEBBD6D9}" dt="2025-05-27T14:17:39" v="5869" actId="478"/>
+          <ac:picMkLst>
+            <pc:docMk/>
+            <pc:sldMk cId="0" sldId="261"/>
+            <ac:picMk id="3" creationId="{6B65D984-420D-C6C3-C375-D9DF7FF5B607}"/>
+          </ac:picMkLst>
+        </pc:picChg>
+        <pc:picChg chg="add del mod ord">
+          <ac:chgData name="BECHERAS Laura" userId="3ea809b8-59e4-42a5-9c7a-452b45b79bb8" providerId="ADAL" clId="{5CFC8F51-0D44-4078-A9CA-C2A6EEBBD6D9}" dt="2025-05-27T14:12:51.667" v="5791" actId="478"/>
           <ac:picMkLst>
             <pc:docMk/>
             <pc:sldMk cId="0" sldId="261"/>
             <ac:picMk id="4" creationId="{39BB2444-2ECC-88F2-272A-DEEB8922731D}"/>
           </ac:picMkLst>
         </pc:picChg>
-        <pc:picChg chg="add mod ord">
-          <ac:chgData name="BECHERAS Laura" userId="3ea809b8-59e4-42a5-9c7a-452b45b79bb8" providerId="ADAL" clId="{5CFC8F51-0D44-4078-A9CA-C2A6EEBBD6D9}" dt="2025-05-25T09:08:12.214" v="1378" actId="170"/>
+        <pc:picChg chg="add del mod ord">
+          <ac:chgData name="BECHERAS Laura" userId="3ea809b8-59e4-42a5-9c7a-452b45b79bb8" providerId="ADAL" clId="{5CFC8F51-0D44-4078-A9CA-C2A6EEBBD6D9}" dt="2025-05-27T14:13:42.957" v="5808" actId="478"/>
           <ac:picMkLst>
             <pc:docMk/>
             <pc:sldMk cId="0" sldId="261"/>
             <ac:picMk id="6" creationId="{D0D8F91F-9253-245B-7984-E2F4461E4CFC}"/>
           </ac:picMkLst>
         </pc:picChg>
-        <pc:picChg chg="add mod">
-          <ac:chgData name="BECHERAS Laura" userId="3ea809b8-59e4-42a5-9c7a-452b45b79bb8" providerId="ADAL" clId="{5CFC8F51-0D44-4078-A9CA-C2A6EEBBD6D9}" dt="2025-05-25T09:08:00.243" v="1376" actId="1038"/>
+        <pc:picChg chg="add del mod modCrop">
+          <ac:chgData name="BECHERAS Laura" userId="3ea809b8-59e4-42a5-9c7a-452b45b79bb8" providerId="ADAL" clId="{5CFC8F51-0D44-4078-A9CA-C2A6EEBBD6D9}" dt="2025-05-27T14:17:41.532" v="5871" actId="478"/>
+          <ac:picMkLst>
+            <pc:docMk/>
+            <pc:sldMk cId="0" sldId="261"/>
+            <ac:picMk id="7" creationId="{8FC5006C-8E90-51A3-9103-B27F1828DDB4}"/>
+          </ac:picMkLst>
+        </pc:picChg>
+        <pc:picChg chg="add del mod">
+          <ac:chgData name="BECHERAS Laura" userId="3ea809b8-59e4-42a5-9c7a-452b45b79bb8" providerId="ADAL" clId="{5CFC8F51-0D44-4078-A9CA-C2A6EEBBD6D9}" dt="2025-05-27T14:17:42.030" v="5872" actId="478"/>
+          <ac:picMkLst>
+            <pc:docMk/>
+            <pc:sldMk cId="0" sldId="261"/>
+            <ac:picMk id="9" creationId="{C76FC812-31E2-5381-BB76-FB2AC4C0A2E5}"/>
+          </ac:picMkLst>
+        </pc:picChg>
+        <pc:picChg chg="add del mod">
+          <ac:chgData name="BECHERAS Laura" userId="3ea809b8-59e4-42a5-9c7a-452b45b79bb8" providerId="ADAL" clId="{5CFC8F51-0D44-4078-A9CA-C2A6EEBBD6D9}" dt="2025-05-27T14:14:40.621" v="5817" actId="478"/>
           <ac:picMkLst>
             <pc:docMk/>
             <pc:sldMk cId="0" sldId="261"/>
             <ac:picMk id="10" creationId="{243794D0-A11B-3DF0-594C-E56703443180}"/>
           </ac:picMkLst>
         </pc:picChg>
-        <pc:picChg chg="add mod modCrop">
-          <ac:chgData name="BECHERAS Laura" userId="3ea809b8-59e4-42a5-9c7a-452b45b79bb8" providerId="ADAL" clId="{5CFC8F51-0D44-4078-A9CA-C2A6EEBBD6D9}" dt="2025-05-26T16:06:29.948" v="1589" actId="1076"/>
+        <pc:picChg chg="add del mod modCrop">
+          <ac:chgData name="BECHERAS Laura" userId="3ea809b8-59e4-42a5-9c7a-452b45b79bb8" providerId="ADAL" clId="{5CFC8F51-0D44-4078-A9CA-C2A6EEBBD6D9}" dt="2025-05-27T14:15:04.164" v="5825" actId="478"/>
           <ac:picMkLst>
             <pc:docMk/>
             <pc:sldMk cId="0" sldId="261"/>
             <ac:picMk id="12" creationId="{DA08B49D-558F-CAE8-B75D-108CD8ECD490}"/>
           </ac:picMkLst>
         </pc:picChg>
+        <pc:picChg chg="add del mod">
+          <ac:chgData name="BECHERAS Laura" userId="3ea809b8-59e4-42a5-9c7a-452b45b79bb8" providerId="ADAL" clId="{5CFC8F51-0D44-4078-A9CA-C2A6EEBBD6D9}" dt="2025-05-27T14:17:42.574" v="5873" actId="478"/>
+          <ac:picMkLst>
+            <pc:docMk/>
+            <pc:sldMk cId="0" sldId="261"/>
+            <ac:picMk id="14" creationId="{10518AAD-9EDB-5C1B-D376-EF4B7709325E}"/>
+          </ac:picMkLst>
+        </pc:picChg>
+        <pc:picChg chg="add del mod modCrop">
+          <ac:chgData name="BECHERAS Laura" userId="3ea809b8-59e4-42a5-9c7a-452b45b79bb8" providerId="ADAL" clId="{5CFC8F51-0D44-4078-A9CA-C2A6EEBBD6D9}" dt="2025-05-27T14:17:40.386" v="5870" actId="478"/>
+          <ac:picMkLst>
+            <pc:docMk/>
+            <pc:sldMk cId="0" sldId="261"/>
+            <ac:picMk id="15" creationId="{2A9DCC46-5B6B-3067-09E9-A64C3265E792}"/>
+          </ac:picMkLst>
+        </pc:picChg>
         <pc:picChg chg="mod ord">
-          <ac:chgData name="BECHERAS Laura" userId="3ea809b8-59e4-42a5-9c7a-452b45b79bb8" providerId="ADAL" clId="{5CFC8F51-0D44-4078-A9CA-C2A6EEBBD6D9}" dt="2025-05-25T09:06:29" v="1318" actId="166"/>
+          <ac:chgData name="BECHERAS Laura" userId="3ea809b8-59e4-42a5-9c7a-452b45b79bb8" providerId="ADAL" clId="{5CFC8F51-0D44-4078-A9CA-C2A6EEBBD6D9}" dt="2025-05-27T14:13:30.040" v="5804" actId="1076"/>
           <ac:picMkLst>
             <pc:docMk/>
             <pc:sldMk cId="0" sldId="261"/>
@@ -489,7 +530,7 @@
         </pc:picChg>
       </pc:sldChg>
       <pc:sldChg chg="addSp modSp mod modAnim modNotesTx">
-        <pc:chgData name="BECHERAS Laura" userId="3ea809b8-59e4-42a5-9c7a-452b45b79bb8" providerId="ADAL" clId="{5CFC8F51-0D44-4078-A9CA-C2A6EEBBD6D9}" dt="2025-05-26T17:45:53.698" v="4903"/>
+        <pc:chgData name="BECHERAS Laura" userId="3ea809b8-59e4-42a5-9c7a-452b45b79bb8" providerId="ADAL" clId="{5CFC8F51-0D44-4078-A9CA-C2A6EEBBD6D9}" dt="2025-05-27T13:09:17.581" v="5790" actId="2711"/>
         <pc:sldMkLst>
           <pc:docMk/>
           <pc:sldMk cId="0" sldId="262"/>
@@ -510,8 +551,8 @@
             <ac:spMk id="3" creationId="{78E24D45-A443-7511-6B78-48C5E2CBA3EC}"/>
           </ac:spMkLst>
         </pc:spChg>
-        <pc:graphicFrameChg chg="mod">
-          <ac:chgData name="BECHERAS Laura" userId="3ea809b8-59e4-42a5-9c7a-452b45b79bb8" providerId="ADAL" clId="{5CFC8F51-0D44-4078-A9CA-C2A6EEBBD6D9}" dt="2025-05-26T17:45:43.051" v="4901" actId="1036"/>
+        <pc:graphicFrameChg chg="mod modGraphic">
+          <ac:chgData name="BECHERAS Laura" userId="3ea809b8-59e4-42a5-9c7a-452b45b79bb8" providerId="ADAL" clId="{5CFC8F51-0D44-4078-A9CA-C2A6EEBBD6D9}" dt="2025-05-27T13:09:17.581" v="5790" actId="2711"/>
           <ac:graphicFrameMkLst>
             <pc:docMk/>
             <pc:sldMk cId="0" sldId="262"/>
@@ -535,7 +576,7 @@
         </pc:spChg>
       </pc:sldChg>
       <pc:sldChg chg="addSp delSp modSp mod modAnim modNotesTx">
-        <pc:chgData name="BECHERAS Laura" userId="3ea809b8-59e4-42a5-9c7a-452b45b79bb8" providerId="ADAL" clId="{5CFC8F51-0D44-4078-A9CA-C2A6EEBBD6D9}" dt="2025-05-26T17:30:08.060" v="4609"/>
+        <pc:chgData name="BECHERAS Laura" userId="3ea809b8-59e4-42a5-9c7a-452b45b79bb8" providerId="ADAL" clId="{5CFC8F51-0D44-4078-A9CA-C2A6EEBBD6D9}" dt="2025-05-27T13:06:58.207" v="5697" actId="14100"/>
         <pc:sldMkLst>
           <pc:docMk/>
           <pc:sldMk cId="2438454695" sldId="265"/>
@@ -548,14 +589,6 @@
             <ac:spMk id="2" creationId="{BD5B83FE-1CCC-443E-095F-9776BA207D12}"/>
           </ac:spMkLst>
         </pc:spChg>
-        <pc:spChg chg="del">
-          <ac:chgData name="BECHERAS Laura" userId="3ea809b8-59e4-42a5-9c7a-452b45b79bb8" providerId="ADAL" clId="{5CFC8F51-0D44-4078-A9CA-C2A6EEBBD6D9}" dt="2025-05-25T07:52:06.106" v="6" actId="478"/>
-          <ac:spMkLst>
-            <pc:docMk/>
-            <pc:sldMk cId="2438454695" sldId="265"/>
-            <ac:spMk id="3" creationId="{9C7DF079-4E8C-3D5F-D14F-B8B354FCEB0D}"/>
-          </ac:spMkLst>
-        </pc:spChg>
         <pc:spChg chg="add mod">
           <ac:chgData name="BECHERAS Laura" userId="3ea809b8-59e4-42a5-9c7a-452b45b79bb8" providerId="ADAL" clId="{5CFC8F51-0D44-4078-A9CA-C2A6EEBBD6D9}" dt="2025-05-26T17:29:38.524" v="4607" actId="113"/>
           <ac:spMkLst>
@@ -564,16 +597,8 @@
             <ac:spMk id="3" creationId="{B91E7D9B-2ECD-D29D-B942-EA9EFF5EB143}"/>
           </ac:spMkLst>
         </pc:spChg>
-        <pc:picChg chg="add del mod">
-          <ac:chgData name="BECHERAS Laura" userId="3ea809b8-59e4-42a5-9c7a-452b45b79bb8" providerId="ADAL" clId="{5CFC8F51-0D44-4078-A9CA-C2A6EEBBD6D9}" dt="2025-05-25T07:52:03.165" v="5" actId="478"/>
-          <ac:picMkLst>
-            <pc:docMk/>
-            <pc:sldMk cId="2438454695" sldId="265"/>
-            <ac:picMk id="5" creationId="{6E98DE5D-0E7D-CD4B-8986-E5560EFC9371}"/>
-          </ac:picMkLst>
-        </pc:picChg>
         <pc:picChg chg="mod modCrop">
-          <ac:chgData name="BECHERAS Laura" userId="3ea809b8-59e4-42a5-9c7a-452b45b79bb8" providerId="ADAL" clId="{5CFC8F51-0D44-4078-A9CA-C2A6EEBBD6D9}" dt="2025-05-26T16:55:30.241" v="2638" actId="14100"/>
+          <ac:chgData name="BECHERAS Laura" userId="3ea809b8-59e4-42a5-9c7a-452b45b79bb8" providerId="ADAL" clId="{5CFC8F51-0D44-4078-A9CA-C2A6EEBBD6D9}" dt="2025-05-27T13:06:58.207" v="5697" actId="14100"/>
           <ac:picMkLst>
             <pc:docMk/>
             <pc:sldMk cId="2438454695" sldId="265"/>
@@ -588,27 +613,27 @@
             <ac:picMk id="13" creationId="{7C821C9A-636D-E3CE-C4D4-61D48B7C5188}"/>
           </ac:picMkLst>
         </pc:picChg>
-        <pc:picChg chg="del">
-          <ac:chgData name="BECHERAS Laura" userId="3ea809b8-59e4-42a5-9c7a-452b45b79bb8" providerId="ADAL" clId="{5CFC8F51-0D44-4078-A9CA-C2A6EEBBD6D9}" dt="2025-05-25T06:49:18.509" v="0" actId="478"/>
-          <ac:picMkLst>
-            <pc:docMk/>
-            <pc:sldMk cId="2438454695" sldId="265"/>
-            <ac:picMk id="14" creationId="{56C3B0CF-745E-295B-5F02-7C4221760A15}"/>
-          </ac:picMkLst>
-        </pc:picChg>
       </pc:sldChg>
       <pc:sldChg chg="addSp delSp modSp mod modNotesTx">
-        <pc:chgData name="BECHERAS Laura" userId="3ea809b8-59e4-42a5-9c7a-452b45b79bb8" providerId="ADAL" clId="{5CFC8F51-0D44-4078-A9CA-C2A6EEBBD6D9}" dt="2025-05-26T17:15:01.761" v="4128" actId="20577"/>
+        <pc:chgData name="BECHERAS Laura" userId="3ea809b8-59e4-42a5-9c7a-452b45b79bb8" providerId="ADAL" clId="{5CFC8F51-0D44-4078-A9CA-C2A6EEBBD6D9}" dt="2025-05-27T13:09:00.236" v="5789" actId="478"/>
         <pc:sldMkLst>
           <pc:docMk/>
           <pc:sldMk cId="435328615" sldId="266"/>
         </pc:sldMkLst>
-        <pc:spChg chg="mod">
-          <ac:chgData name="BECHERAS Laura" userId="3ea809b8-59e4-42a5-9c7a-452b45b79bb8" providerId="ADAL" clId="{5CFC8F51-0D44-4078-A9CA-C2A6EEBBD6D9}" dt="2025-05-26T16:25:58.467" v="2350" actId="1076"/>
+        <pc:spChg chg="del mod">
+          <ac:chgData name="BECHERAS Laura" userId="3ea809b8-59e4-42a5-9c7a-452b45b79bb8" providerId="ADAL" clId="{5CFC8F51-0D44-4078-A9CA-C2A6EEBBD6D9}" dt="2025-05-27T12:51:00.039" v="5003" actId="478"/>
           <ac:spMkLst>
             <pc:docMk/>
             <pc:sldMk cId="435328615" sldId="266"/>
             <ac:spMk id="2" creationId="{1617F490-D3A9-6FBB-5D64-6F638AD3FB65}"/>
+          </ac:spMkLst>
+        </pc:spChg>
+        <pc:spChg chg="add del mod">
+          <ac:chgData name="BECHERAS Laura" userId="3ea809b8-59e4-42a5-9c7a-452b45b79bb8" providerId="ADAL" clId="{5CFC8F51-0D44-4078-A9CA-C2A6EEBBD6D9}" dt="2025-05-27T13:09:00.236" v="5789" actId="478"/>
+          <ac:spMkLst>
+            <pc:docMk/>
+            <pc:sldMk cId="435328615" sldId="266"/>
+            <ac:spMk id="6" creationId="{0B1C9811-D3BB-5A47-9321-7085A8322978}"/>
           </ac:spMkLst>
         </pc:spChg>
         <pc:spChg chg="mod">
@@ -643,14 +668,6 @@
             <ac:spMk id="89" creationId="{AEF16D53-D519-C7C0-04AE-1ADF59D8C05D}"/>
           </ac:spMkLst>
         </pc:spChg>
-        <pc:picChg chg="del">
-          <ac:chgData name="BECHERAS Laura" userId="3ea809b8-59e4-42a5-9c7a-452b45b79bb8" providerId="ADAL" clId="{5CFC8F51-0D44-4078-A9CA-C2A6EEBBD6D9}" dt="2025-05-25T08:38:45.517" v="956" actId="478"/>
-          <ac:picMkLst>
-            <pc:docMk/>
-            <pc:sldMk cId="435328615" sldId="266"/>
-            <ac:picMk id="4" creationId="{6CA08E7E-ABF4-B90D-D867-44C83EDB7DAF}"/>
-          </ac:picMkLst>
-        </pc:picChg>
         <pc:picChg chg="add mod">
           <ac:chgData name="BECHERAS Laura" userId="3ea809b8-59e4-42a5-9c7a-452b45b79bb8" providerId="ADAL" clId="{5CFC8F51-0D44-4078-A9CA-C2A6EEBBD6D9}" dt="2025-05-26T15:57:04.739" v="1518" actId="1036"/>
           <ac:picMkLst>
@@ -741,7 +758,7 @@
         </pc:picChg>
       </pc:sldChg>
       <pc:sldChg chg="addSp delSp modSp mod modAnim modNotesTx">
-        <pc:chgData name="BECHERAS Laura" userId="3ea809b8-59e4-42a5-9c7a-452b45b79bb8" providerId="ADAL" clId="{5CFC8F51-0D44-4078-A9CA-C2A6EEBBD6D9}" dt="2025-05-26T17:44:30.527" v="4802"/>
+        <pc:chgData name="BECHERAS Laura" userId="3ea809b8-59e4-42a5-9c7a-452b45b79bb8" providerId="ADAL" clId="{5CFC8F51-0D44-4078-A9CA-C2A6EEBBD6D9}" dt="2025-05-27T14:53:52.169" v="6026" actId="20577"/>
         <pc:sldMkLst>
           <pc:docMk/>
           <pc:sldMk cId="3343906413" sldId="268"/>
@@ -763,7 +780,7 @@
           </ac:graphicFrameMkLst>
         </pc:graphicFrameChg>
         <pc:graphicFrameChg chg="add mod modGraphic">
-          <ac:chgData name="BECHERAS Laura" userId="3ea809b8-59e4-42a5-9c7a-452b45b79bb8" providerId="ADAL" clId="{5CFC8F51-0D44-4078-A9CA-C2A6EEBBD6D9}" dt="2025-05-26T17:44:00.313" v="4788" actId="1036"/>
+          <ac:chgData name="BECHERAS Laura" userId="3ea809b8-59e4-42a5-9c7a-452b45b79bb8" providerId="ADAL" clId="{5CFC8F51-0D44-4078-A9CA-C2A6EEBBD6D9}" dt="2025-05-27T14:53:52.169" v="6026" actId="20577"/>
           <ac:graphicFrameMkLst>
             <pc:docMk/>
             <pc:sldMk cId="3343906413" sldId="268"/>
@@ -804,7 +821,7 @@
         </pc:graphicFrameChg>
       </pc:sldChg>
       <pc:sldChg chg="addSp delSp modSp add mod modAnim modNotesTx">
-        <pc:chgData name="BECHERAS Laura" userId="3ea809b8-59e4-42a5-9c7a-452b45b79bb8" providerId="ADAL" clId="{5CFC8F51-0D44-4078-A9CA-C2A6EEBBD6D9}" dt="2025-05-26T17:37:39.634" v="4610"/>
+        <pc:chgData name="BECHERAS Laura" userId="3ea809b8-59e4-42a5-9c7a-452b45b79bb8" providerId="ADAL" clId="{5CFC8F51-0D44-4078-A9CA-C2A6EEBBD6D9}" dt="2025-05-27T13:08:32.985" v="5787" actId="20577"/>
         <pc:sldMkLst>
           <pc:docMk/>
           <pc:sldMk cId="4176060899" sldId="269"/>
@@ -817,12 +834,12 @@
             <ac:spMk id="2" creationId="{BA5491A9-E5F9-0942-8AAD-D79E9BE700BB}"/>
           </ac:spMkLst>
         </pc:spChg>
-        <pc:spChg chg="del">
-          <ac:chgData name="BECHERAS Laura" userId="3ea809b8-59e4-42a5-9c7a-452b45b79bb8" providerId="ADAL" clId="{5CFC8F51-0D44-4078-A9CA-C2A6EEBBD6D9}" dt="2025-05-25T07:53:25.980" v="32" actId="478"/>
+        <pc:spChg chg="add del mod">
+          <ac:chgData name="BECHERAS Laura" userId="3ea809b8-59e4-42a5-9c7a-452b45b79bb8" providerId="ADAL" clId="{5CFC8F51-0D44-4078-A9CA-C2A6EEBBD6D9}" dt="2025-05-27T12:56:57.923" v="5073" actId="478"/>
           <ac:spMkLst>
             <pc:docMk/>
             <pc:sldMk cId="4176060899" sldId="269"/>
-            <ac:spMk id="2" creationId="{D04FC605-B6CA-0299-34DE-7CCC6F2FC876}"/>
+            <ac:spMk id="3" creationId="{536D9D84-EFB0-353F-CCEB-8360F949AFD4}"/>
           </ac:spMkLst>
         </pc:spChg>
         <pc:spChg chg="del mod">
@@ -833,28 +850,12 @@
             <ac:spMk id="3" creationId="{9E47BB0D-2D1F-85E1-AC86-082C7F3A7085}"/>
           </ac:spMkLst>
         </pc:spChg>
-        <pc:spChg chg="add mod">
-          <ac:chgData name="BECHERAS Laura" userId="3ea809b8-59e4-42a5-9c7a-452b45b79bb8" providerId="ADAL" clId="{5CFC8F51-0D44-4078-A9CA-C2A6EEBBD6D9}" dt="2025-05-26T17:04:10.391" v="3036" actId="14100"/>
+        <pc:spChg chg="add del mod">
+          <ac:chgData name="BECHERAS Laura" userId="3ea809b8-59e4-42a5-9c7a-452b45b79bb8" providerId="ADAL" clId="{5CFC8F51-0D44-4078-A9CA-C2A6EEBBD6D9}" dt="2025-05-27T12:56:56.036" v="5072" actId="478"/>
           <ac:spMkLst>
             <pc:docMk/>
             <pc:sldMk cId="4176060899" sldId="269"/>
             <ac:spMk id="5" creationId="{B5FE65CE-944A-62F3-9E6F-515966C976F2}"/>
-          </ac:spMkLst>
-        </pc:spChg>
-        <pc:spChg chg="add del mod">
-          <ac:chgData name="BECHERAS Laura" userId="3ea809b8-59e4-42a5-9c7a-452b45b79bb8" providerId="ADAL" clId="{5CFC8F51-0D44-4078-A9CA-C2A6EEBBD6D9}" dt="2025-05-25T07:53:29.013" v="33" actId="478"/>
-          <ac:spMkLst>
-            <pc:docMk/>
-            <pc:sldMk cId="4176060899" sldId="269"/>
-            <ac:spMk id="6" creationId="{485C0388-10D9-1BE4-130D-BCB1CE118490}"/>
-          </ac:spMkLst>
-        </pc:spChg>
-        <pc:spChg chg="add del mod">
-          <ac:chgData name="BECHERAS Laura" userId="3ea809b8-59e4-42a5-9c7a-452b45b79bb8" providerId="ADAL" clId="{5CFC8F51-0D44-4078-A9CA-C2A6EEBBD6D9}" dt="2025-05-25T08:12:02.713" v="645" actId="11529"/>
-          <ac:spMkLst>
-            <pc:docMk/>
-            <pc:sldMk cId="4176060899" sldId="269"/>
-            <ac:spMk id="19" creationId="{F039B54E-267C-DC7B-7F65-5AD1F77B566D}"/>
           </ac:spMkLst>
         </pc:spChg>
         <pc:spChg chg="mod">
@@ -866,7 +867,7 @@
           </ac:spMkLst>
         </pc:spChg>
         <pc:graphicFrameChg chg="add mod modGraphic">
-          <ac:chgData name="BECHERAS Laura" userId="3ea809b8-59e4-42a5-9c7a-452b45b79bb8" providerId="ADAL" clId="{5CFC8F51-0D44-4078-A9CA-C2A6EEBBD6D9}" dt="2025-05-26T17:23:29.183" v="4575" actId="12100"/>
+          <ac:chgData name="BECHERAS Laura" userId="3ea809b8-59e4-42a5-9c7a-452b45b79bb8" providerId="ADAL" clId="{5CFC8F51-0D44-4078-A9CA-C2A6EEBBD6D9}" dt="2025-05-27T13:02:17.385" v="5679"/>
           <ac:graphicFrameMkLst>
             <pc:docMk/>
             <pc:sldMk cId="4176060899" sldId="269"/>
@@ -879,22 +880,6 @@
             <pc:docMk/>
             <pc:sldMk cId="4176060899" sldId="269"/>
             <ac:graphicFrameMk id="12" creationId="{572A8275-0062-A2A2-1134-285DE14D364C}"/>
-          </ac:graphicFrameMkLst>
-        </pc:graphicFrameChg>
-        <pc:graphicFrameChg chg="add del mod">
-          <ac:chgData name="BECHERAS Laura" userId="3ea809b8-59e4-42a5-9c7a-452b45b79bb8" providerId="ADAL" clId="{5CFC8F51-0D44-4078-A9CA-C2A6EEBBD6D9}" dt="2025-05-25T08:06:02.808" v="384" actId="478"/>
-          <ac:graphicFrameMkLst>
-            <pc:docMk/>
-            <pc:sldMk cId="4176060899" sldId="269"/>
-            <ac:graphicFrameMk id="15" creationId="{64831AEC-1C6F-F96D-B6B1-E03127ED00B1}"/>
-          </ac:graphicFrameMkLst>
-        </pc:graphicFrameChg>
-        <pc:graphicFrameChg chg="add del mod">
-          <ac:chgData name="BECHERAS Laura" userId="3ea809b8-59e4-42a5-9c7a-452b45b79bb8" providerId="ADAL" clId="{5CFC8F51-0D44-4078-A9CA-C2A6EEBBD6D9}" dt="2025-05-25T08:06:05.580" v="385" actId="478"/>
-          <ac:graphicFrameMkLst>
-            <pc:docMk/>
-            <pc:sldMk cId="4176060899" sldId="269"/>
-            <ac:graphicFrameMk id="16" creationId="{D97592B5-5580-86D0-9D06-0D2BC1C85738}"/>
           </ac:graphicFrameMkLst>
         </pc:graphicFrameChg>
         <pc:graphicFrameChg chg="add del mod modGraphic">
@@ -913,70 +898,6 @@
             <ac:graphicFrameMk id="18" creationId="{ED1A8F11-3B49-D3C8-8F08-864016C39409}"/>
           </ac:graphicFrameMkLst>
         </pc:graphicFrameChg>
-        <pc:picChg chg="add del mod modCrop">
-          <ac:chgData name="BECHERAS Laura" userId="3ea809b8-59e4-42a5-9c7a-452b45b79bb8" providerId="ADAL" clId="{5CFC8F51-0D44-4078-A9CA-C2A6EEBBD6D9}" dt="2025-05-25T08:08:43.712" v="566" actId="478"/>
-          <ac:picMkLst>
-            <pc:docMk/>
-            <pc:sldMk cId="4176060899" sldId="269"/>
-            <ac:picMk id="5" creationId="{0C85DF48-6989-298F-B30D-429456CB52C3}"/>
-          </ac:picMkLst>
-        </pc:picChg>
-        <pc:picChg chg="add del mod">
-          <ac:chgData name="BECHERAS Laura" userId="3ea809b8-59e4-42a5-9c7a-452b45b79bb8" providerId="ADAL" clId="{5CFC8F51-0D44-4078-A9CA-C2A6EEBBD6D9}" dt="2025-05-25T08:05:53.602" v="381" actId="478"/>
-          <ac:picMkLst>
-            <pc:docMk/>
-            <pc:sldMk cId="4176060899" sldId="269"/>
-            <ac:picMk id="8" creationId="{FB9A5E2B-608A-5C8F-1716-BA9AE0FDFAFB}"/>
-          </ac:picMkLst>
-        </pc:picChg>
-        <pc:picChg chg="add del mod modCrop">
-          <ac:chgData name="BECHERAS Laura" userId="3ea809b8-59e4-42a5-9c7a-452b45b79bb8" providerId="ADAL" clId="{5CFC8F51-0D44-4078-A9CA-C2A6EEBBD6D9}" dt="2025-05-25T08:06:54.295" v="496" actId="478"/>
-          <ac:picMkLst>
-            <pc:docMk/>
-            <pc:sldMk cId="4176060899" sldId="269"/>
-            <ac:picMk id="9" creationId="{BC4BD83F-F5CE-1702-2206-A64B3B8338C0}"/>
-          </ac:picMkLst>
-        </pc:picChg>
-        <pc:picChg chg="add del mod">
-          <ac:chgData name="BECHERAS Laura" userId="3ea809b8-59e4-42a5-9c7a-452b45b79bb8" providerId="ADAL" clId="{5CFC8F51-0D44-4078-A9CA-C2A6EEBBD6D9}" dt="2025-05-25T08:03:30.987" v="191" actId="478"/>
-          <ac:picMkLst>
-            <pc:docMk/>
-            <pc:sldMk cId="4176060899" sldId="269"/>
-            <ac:picMk id="10" creationId="{05822E1A-FCEB-86E2-60D9-8F978CE52D78}"/>
-          </ac:picMkLst>
-        </pc:picChg>
-        <pc:picChg chg="del">
-          <ac:chgData name="BECHERAS Laura" userId="3ea809b8-59e4-42a5-9c7a-452b45b79bb8" providerId="ADAL" clId="{5CFC8F51-0D44-4078-A9CA-C2A6EEBBD6D9}" dt="2025-05-25T07:53:23.662" v="31" actId="478"/>
-          <ac:picMkLst>
-            <pc:docMk/>
-            <pc:sldMk cId="4176060899" sldId="269"/>
-            <ac:picMk id="11" creationId="{4F623604-4391-A5DB-73E5-FB3A8CA61552}"/>
-          </ac:picMkLst>
-        </pc:picChg>
-        <pc:picChg chg="del">
-          <ac:chgData name="BECHERAS Laura" userId="3ea809b8-59e4-42a5-9c7a-452b45b79bb8" providerId="ADAL" clId="{5CFC8F51-0D44-4078-A9CA-C2A6EEBBD6D9}" dt="2025-05-25T07:53:22.203" v="30" actId="478"/>
-          <ac:picMkLst>
-            <pc:docMk/>
-            <pc:sldMk cId="4176060899" sldId="269"/>
-            <ac:picMk id="13" creationId="{8413D1F2-2435-2631-7CA8-F7E60F069986}"/>
-          </ac:picMkLst>
-        </pc:picChg>
-        <pc:picChg chg="add del mod">
-          <ac:chgData name="BECHERAS Laura" userId="3ea809b8-59e4-42a5-9c7a-452b45b79bb8" providerId="ADAL" clId="{5CFC8F51-0D44-4078-A9CA-C2A6EEBBD6D9}" dt="2025-05-25T08:03:47.221" v="196" actId="478"/>
-          <ac:picMkLst>
-            <pc:docMk/>
-            <pc:sldMk cId="4176060899" sldId="269"/>
-            <ac:picMk id="14" creationId="{7BF3F95E-A228-3C5E-AE20-21A38083BC6F}"/>
-          </ac:picMkLst>
-        </pc:picChg>
-        <pc:picChg chg="add del mod modCrop">
-          <ac:chgData name="BECHERAS Laura" userId="3ea809b8-59e4-42a5-9c7a-452b45b79bb8" providerId="ADAL" clId="{5CFC8F51-0D44-4078-A9CA-C2A6EEBBD6D9}" dt="2025-05-25T08:14:57.154" v="691" actId="478"/>
-          <ac:picMkLst>
-            <pc:docMk/>
-            <pc:sldMk cId="4176060899" sldId="269"/>
-            <ac:picMk id="21" creationId="{2E4D896F-597E-740B-8C05-6E6EF2247822}"/>
-          </ac:picMkLst>
-        </pc:picChg>
         <pc:picChg chg="add del mod modCrop">
           <ac:chgData name="BECHERAS Laura" userId="3ea809b8-59e4-42a5-9c7a-452b45b79bb8" providerId="ADAL" clId="{5CFC8F51-0D44-4078-A9CA-C2A6EEBBD6D9}" dt="2025-05-26T16:19:42.412" v="1995" actId="478"/>
           <ac:picMkLst>
@@ -1008,14 +929,38 @@
           <pc:sldMk cId="2819027167" sldId="271"/>
         </pc:sldMkLst>
       </pc:sldChg>
-      <pc:sldChg chg="addSp delSp modSp add mod modAnim">
-        <pc:chgData name="BECHERAS Laura" userId="3ea809b8-59e4-42a5-9c7a-452b45b79bb8" providerId="ADAL" clId="{5CFC8F51-0D44-4078-A9CA-C2A6EEBBD6D9}" dt="2025-05-26T17:29:03.348" v="4603"/>
+      <pc:sldChg chg="addSp delSp modSp add mod delAnim modAnim modNotesTx">
+        <pc:chgData name="BECHERAS Laura" userId="3ea809b8-59e4-42a5-9c7a-452b45b79bb8" providerId="ADAL" clId="{5CFC8F51-0D44-4078-A9CA-C2A6EEBBD6D9}" dt="2025-05-27T14:42:17.852" v="6002"/>
         <pc:sldMkLst>
           <pc:docMk/>
           <pc:sldMk cId="3950940793" sldId="271"/>
         </pc:sldMkLst>
-        <pc:picChg chg="add mod">
-          <ac:chgData name="BECHERAS Laura" userId="3ea809b8-59e4-42a5-9c7a-452b45b79bb8" providerId="ADAL" clId="{5CFC8F51-0D44-4078-A9CA-C2A6EEBBD6D9}" dt="2025-05-25T09:08:49.076" v="1388" actId="1076"/>
+        <pc:spChg chg="add mod">
+          <ac:chgData name="BECHERAS Laura" userId="3ea809b8-59e4-42a5-9c7a-452b45b79bb8" providerId="ADAL" clId="{5CFC8F51-0D44-4078-A9CA-C2A6EEBBD6D9}" dt="2025-05-27T14:42:16.964" v="6000" actId="14100"/>
+          <ac:spMkLst>
+            <pc:docMk/>
+            <pc:sldMk cId="3950940793" sldId="271"/>
+            <ac:spMk id="6" creationId="{E6772FF6-1493-1755-0182-C9D4A4AFBF0D}"/>
+          </ac:spMkLst>
+        </pc:spChg>
+        <pc:spChg chg="add del mod">
+          <ac:chgData name="BECHERAS Laura" userId="3ea809b8-59e4-42a5-9c7a-452b45b79bb8" providerId="ADAL" clId="{5CFC8F51-0D44-4078-A9CA-C2A6EEBBD6D9}" dt="2025-05-27T14:17:50.445" v="5874" actId="21"/>
+          <ac:spMkLst>
+            <pc:docMk/>
+            <pc:sldMk cId="3950940793" sldId="271"/>
+            <ac:spMk id="13" creationId="{5AA804A8-7728-10B8-38D8-B3894B3C4837}"/>
+          </ac:spMkLst>
+        </pc:spChg>
+        <pc:spChg chg="add del mod">
+          <ac:chgData name="BECHERAS Laura" userId="3ea809b8-59e4-42a5-9c7a-452b45b79bb8" providerId="ADAL" clId="{5CFC8F51-0D44-4078-A9CA-C2A6EEBBD6D9}" dt="2025-05-27T14:42:17.852" v="6002"/>
+          <ac:spMkLst>
+            <pc:docMk/>
+            <pc:sldMk cId="3950940793" sldId="271"/>
+            <ac:spMk id="16" creationId="{5AA804A8-7728-10B8-38D8-B3894B3C4837}"/>
+          </ac:spMkLst>
+        </pc:spChg>
+        <pc:picChg chg="add del mod">
+          <ac:chgData name="BECHERAS Laura" userId="3ea809b8-59e4-42a5-9c7a-452b45b79bb8" providerId="ADAL" clId="{5CFC8F51-0D44-4078-A9CA-C2A6EEBBD6D9}" dt="2025-05-27T14:16:35.137" v="5858" actId="478"/>
           <ac:picMkLst>
             <pc:docMk/>
             <pc:sldMk cId="3950940793" sldId="271"/>
@@ -1023,29 +968,107 @@
           </ac:picMkLst>
         </pc:picChg>
         <pc:picChg chg="del">
-          <ac:chgData name="BECHERAS Laura" userId="3ea809b8-59e4-42a5-9c7a-452b45b79bb8" providerId="ADAL" clId="{5CFC8F51-0D44-4078-A9CA-C2A6EEBBD6D9}" dt="2025-05-25T09:08:41.385" v="1383" actId="478"/>
+          <ac:chgData name="BECHERAS Laura" userId="3ea809b8-59e4-42a5-9c7a-452b45b79bb8" providerId="ADAL" clId="{5CFC8F51-0D44-4078-A9CA-C2A6EEBBD6D9}" dt="2025-05-27T14:16:33.068" v="5857" actId="478"/>
           <ac:picMkLst>
             <pc:docMk/>
             <pc:sldMk cId="3950940793" sldId="271"/>
-            <ac:picMk id="6" creationId="{6E630F97-2298-15CE-3BD7-FE6D731C6671}"/>
+            <ac:picMk id="4" creationId="{3B5BE6BF-9449-55D7-92E8-3CEE8E5494C2}"/>
           </ac:picMkLst>
         </pc:picChg>
-        <pc:picChg chg="del">
-          <ac:chgData name="BECHERAS Laura" userId="3ea809b8-59e4-42a5-9c7a-452b45b79bb8" providerId="ADAL" clId="{5CFC8F51-0D44-4078-A9CA-C2A6EEBBD6D9}" dt="2025-05-25T09:08:42.450" v="1384" actId="478"/>
+        <pc:picChg chg="add mod">
+          <ac:chgData name="BECHERAS Laura" userId="3ea809b8-59e4-42a5-9c7a-452b45b79bb8" providerId="ADAL" clId="{5CFC8F51-0D44-4078-A9CA-C2A6EEBBD6D9}" dt="2025-05-27T14:17:15.254" v="5863" actId="1440"/>
           <ac:picMkLst>
             <pc:docMk/>
             <pc:sldMk cId="3950940793" sldId="271"/>
-            <ac:picMk id="10" creationId="{BBD9D634-4FAC-4637-8664-21A81CFAF898}"/>
+            <ac:picMk id="5" creationId="{A069A888-399C-A7D9-B5DE-4300C2960986}"/>
           </ac:picMkLst>
         </pc:picChg>
-        <pc:picChg chg="del">
-          <ac:chgData name="BECHERAS Laura" userId="3ea809b8-59e4-42a5-9c7a-452b45b79bb8" providerId="ADAL" clId="{5CFC8F51-0D44-4078-A9CA-C2A6EEBBD6D9}" dt="2025-05-25T09:08:43.638" v="1385" actId="478"/>
+      </pc:sldChg>
+      <pc:sldChg chg="addSp delSp modSp new mod modNotesTx">
+        <pc:chgData name="BECHERAS Laura" userId="3ea809b8-59e4-42a5-9c7a-452b45b79bb8" providerId="ADAL" clId="{5CFC8F51-0D44-4078-A9CA-C2A6EEBBD6D9}" dt="2025-05-27T14:52:23.549" v="6015" actId="208"/>
+        <pc:sldMkLst>
+          <pc:docMk/>
+          <pc:sldMk cId="1963629177" sldId="272"/>
+        </pc:sldMkLst>
+        <pc:spChg chg="del mod">
+          <ac:chgData name="BECHERAS Laura" userId="3ea809b8-59e4-42a5-9c7a-452b45b79bb8" providerId="ADAL" clId="{5CFC8F51-0D44-4078-A9CA-C2A6EEBBD6D9}" dt="2025-05-27T12:50:06.806" v="4975" actId="478"/>
+          <ac:spMkLst>
+            <pc:docMk/>
+            <pc:sldMk cId="1963629177" sldId="272"/>
+            <ac:spMk id="2" creationId="{3E52D97F-DAF4-0E8D-D72F-B47B528CDA4A}"/>
+          </ac:spMkLst>
+        </pc:spChg>
+        <pc:spChg chg="del">
+          <ac:chgData name="BECHERAS Laura" userId="3ea809b8-59e4-42a5-9c7a-452b45b79bb8" providerId="ADAL" clId="{5CFC8F51-0D44-4078-A9CA-C2A6EEBBD6D9}" dt="2025-05-27T14:51:25.108" v="6007" actId="478"/>
+          <ac:spMkLst>
+            <pc:docMk/>
+            <pc:sldMk cId="1963629177" sldId="272"/>
+            <ac:spMk id="3" creationId="{0FD5837C-172E-B7A5-45BE-078596630074}"/>
+          </ac:spMkLst>
+        </pc:spChg>
+        <pc:spChg chg="add mod">
+          <ac:chgData name="BECHERAS Laura" userId="3ea809b8-59e4-42a5-9c7a-452b45b79bb8" providerId="ADAL" clId="{5CFC8F51-0D44-4078-A9CA-C2A6EEBBD6D9}" dt="2025-05-27T12:50:18.008" v="4991" actId="1076"/>
+          <ac:spMkLst>
+            <pc:docMk/>
+            <pc:sldMk cId="1963629177" sldId="272"/>
+            <ac:spMk id="6" creationId="{09ADB504-5A51-5380-8176-BEE50D49A2C6}"/>
+          </ac:spMkLst>
+        </pc:spChg>
+        <pc:spChg chg="add del mod">
+          <ac:chgData name="BECHERAS Laura" userId="3ea809b8-59e4-42a5-9c7a-452b45b79bb8" providerId="ADAL" clId="{5CFC8F51-0D44-4078-A9CA-C2A6EEBBD6D9}" dt="2025-05-27T12:50:08.714" v="4976" actId="478"/>
+          <ac:spMkLst>
+            <pc:docMk/>
+            <pc:sldMk cId="1963629177" sldId="272"/>
+            <ac:spMk id="9" creationId="{225A58B8-E190-1027-5046-048F0EDEC00C}"/>
+          </ac:spMkLst>
+        </pc:spChg>
+        <pc:spChg chg="add mod">
+          <ac:chgData name="BECHERAS Laura" userId="3ea809b8-59e4-42a5-9c7a-452b45b79bb8" providerId="ADAL" clId="{5CFC8F51-0D44-4078-A9CA-C2A6EEBBD6D9}" dt="2025-05-27T12:50:34.106" v="4993"/>
+          <ac:spMkLst>
+            <pc:docMk/>
+            <pc:sldMk cId="1963629177" sldId="272"/>
+            <ac:spMk id="10" creationId="{1F8E47F4-DBAE-08D7-293D-5F0293928848}"/>
+          </ac:spMkLst>
+        </pc:spChg>
+        <pc:picChg chg="add del mod">
+          <ac:chgData name="BECHERAS Laura" userId="3ea809b8-59e4-42a5-9c7a-452b45b79bb8" providerId="ADAL" clId="{5CFC8F51-0D44-4078-A9CA-C2A6EEBBD6D9}" dt="2025-05-27T14:51:20.801" v="6005" actId="478"/>
           <ac:picMkLst>
             <pc:docMk/>
-            <pc:sldMk cId="3950940793" sldId="271"/>
-            <ac:picMk id="12" creationId="{44386982-0386-FFF4-B88D-C8CE3B833A59}"/>
+            <pc:sldMk cId="1963629177" sldId="272"/>
+            <ac:picMk id="5" creationId="{A88FFADD-5D89-C3A0-F285-C70F1AE7E2CD}"/>
           </ac:picMkLst>
         </pc:picChg>
+        <pc:picChg chg="add mod">
+          <ac:chgData name="BECHERAS Laura" userId="3ea809b8-59e4-42a5-9c7a-452b45b79bb8" providerId="ADAL" clId="{5CFC8F51-0D44-4078-A9CA-C2A6EEBBD6D9}" dt="2025-05-27T12:50:12.838" v="4983" actId="1038"/>
+          <ac:picMkLst>
+            <pc:docMk/>
+            <pc:sldMk cId="1963629177" sldId="272"/>
+            <ac:picMk id="7" creationId="{2FAA1ADD-2B9B-2ECD-9E85-07958ADCA509}"/>
+          </ac:picMkLst>
+        </pc:picChg>
+        <pc:picChg chg="add mod">
+          <ac:chgData name="BECHERAS Laura" userId="3ea809b8-59e4-42a5-9c7a-452b45b79bb8" providerId="ADAL" clId="{5CFC8F51-0D44-4078-A9CA-C2A6EEBBD6D9}" dt="2025-05-27T14:52:23.549" v="6015" actId="208"/>
+          <ac:picMkLst>
+            <pc:docMk/>
+            <pc:sldMk cId="1963629177" sldId="272"/>
+            <ac:picMk id="12" creationId="{3ED3629C-51AA-7E3C-BA3C-5B2B3C301CAA}"/>
+          </ac:picMkLst>
+        </pc:picChg>
+      </pc:sldChg>
+      <pc:sldChg chg="addSp modSp add mod ord">
+        <pc:chgData name="BECHERAS Laura" userId="3ea809b8-59e4-42a5-9c7a-452b45b79bb8" providerId="ADAL" clId="{5CFC8F51-0D44-4078-A9CA-C2A6EEBBD6D9}" dt="2025-05-27T14:41:10.080" v="5948"/>
+        <pc:sldMkLst>
+          <pc:docMk/>
+          <pc:sldMk cId="336669053" sldId="273"/>
+        </pc:sldMkLst>
+        <pc:spChg chg="add mod">
+          <ac:chgData name="BECHERAS Laura" userId="3ea809b8-59e4-42a5-9c7a-452b45b79bb8" providerId="ADAL" clId="{5CFC8F51-0D44-4078-A9CA-C2A6EEBBD6D9}" dt="2025-05-27T14:41:10.080" v="5948"/>
+          <ac:spMkLst>
+            <pc:docMk/>
+            <pc:sldMk cId="336669053" sldId="273"/>
+            <ac:spMk id="19" creationId="{5FB83FCE-D759-2F8D-A730-AB0DE3860942}"/>
+          </ac:spMkLst>
+        </pc:spChg>
       </pc:sldChg>
     </pc:docChg>
   </pc:docChgLst>
@@ -1053,15 +1076,28 @@
 </file>
 
 <file path=ppt/diagrams/colors1.xml><?xml version="1.0" encoding="utf-8"?>
-<dgm:colorsDef xmlns:dgm="http://schemas.openxmlformats.org/drawingml/2006/diagram" xmlns:a="http://schemas.openxmlformats.org/drawingml/2006/main" uniqueId="urn:microsoft.com/office/officeart/2005/8/colors/accent1_2">
+<dgm:colorsDef xmlns:dgm="http://schemas.openxmlformats.org/drawingml/2006/diagram" xmlns:a="http://schemas.openxmlformats.org/drawingml/2006/main" uniqueId="urn:microsoft.com/office/officeart/2005/8/colors/colorful4">
   <dgm:title val=""/>
   <dgm:desc val=""/>
   <dgm:catLst>
-    <dgm:cat type="accent1" pri="11200"/>
+    <dgm:cat type="colorful" pri="10400"/>
   </dgm:catLst>
   <dgm:styleLbl name="node0">
     <dgm:fillClrLst meth="repeat">
-      <a:schemeClr val="accent1"/>
+      <a:schemeClr val="accent3"/>
+    </dgm:fillClrLst>
+    <dgm:linClrLst meth="repeat">
+      <a:schemeClr val="lt1"/>
+    </dgm:linClrLst>
+    <dgm:effectClrLst/>
+    <dgm:txLinClrLst/>
+    <dgm:txFillClrLst/>
+    <dgm:txEffectClrLst/>
+  </dgm:styleLbl>
+  <dgm:styleLbl name="node1">
+    <dgm:fillClrLst>
+      <a:schemeClr val="accent4"/>
+      <a:schemeClr val="accent5"/>
     </dgm:fillClrLst>
     <dgm:linClrLst meth="repeat">
       <a:schemeClr val="lt1"/>
@@ -1072,23 +1108,13 @@
     <dgm:txEffectClrLst/>
   </dgm:styleLbl>
   <dgm:styleLbl name="alignNode1">
-    <dgm:fillClrLst meth="repeat">
-      <a:schemeClr val="accent1"/>
+    <dgm:fillClrLst>
+      <a:schemeClr val="accent4"/>
+      <a:schemeClr val="accent5"/>
     </dgm:fillClrLst>
-    <dgm:linClrLst meth="repeat">
-      <a:schemeClr val="accent1"/>
-    </dgm:linClrLst>
-    <dgm:effectClrLst/>
-    <dgm:txLinClrLst/>
-    <dgm:txFillClrLst/>
-    <dgm:txEffectClrLst/>
-  </dgm:styleLbl>
-  <dgm:styleLbl name="node1">
-    <dgm:fillClrLst meth="repeat">
-      <a:schemeClr val="accent1"/>
-    </dgm:fillClrLst>
-    <dgm:linClrLst meth="repeat">
-      <a:schemeClr val="lt1"/>
+    <dgm:linClrLst>
+      <a:schemeClr val="accent4"/>
+      <a:schemeClr val="accent5"/>
     </dgm:linClrLst>
     <dgm:effectClrLst/>
     <dgm:txLinClrLst/>
@@ -1096,8 +1122,9 @@
     <dgm:txEffectClrLst/>
   </dgm:styleLbl>
   <dgm:styleLbl name="lnNode1">
-    <dgm:fillClrLst meth="repeat">
-      <a:schemeClr val="accent1"/>
+    <dgm:fillClrLst>
+      <a:schemeClr val="accent4"/>
+      <a:schemeClr val="accent5"/>
     </dgm:fillClrLst>
     <dgm:linClrLst meth="repeat">
       <a:schemeClr val="lt1"/>
@@ -1108,8 +1135,11 @@
     <dgm:txEffectClrLst/>
   </dgm:styleLbl>
   <dgm:styleLbl name="vennNode1">
-    <dgm:fillClrLst meth="repeat">
-      <a:schemeClr val="accent1">
+    <dgm:fillClrLst>
+      <a:schemeClr val="accent4">
+        <a:alpha val="50000"/>
+      </a:schemeClr>
+      <a:schemeClr val="accent5">
         <a:alpha val="50000"/>
       </a:schemeClr>
     </dgm:fillClrLst>
@@ -1122,8 +1152,8 @@
     <dgm:txEffectClrLst/>
   </dgm:styleLbl>
   <dgm:styleLbl name="node2">
-    <dgm:fillClrLst meth="repeat">
-      <a:schemeClr val="accent1"/>
+    <dgm:fillClrLst>
+      <a:schemeClr val="accent5"/>
     </dgm:fillClrLst>
     <dgm:linClrLst meth="repeat">
       <a:schemeClr val="lt1"/>
@@ -1134,8 +1164,8 @@
     <dgm:txEffectClrLst/>
   </dgm:styleLbl>
   <dgm:styleLbl name="node3">
-    <dgm:fillClrLst meth="repeat">
-      <a:schemeClr val="accent1"/>
+    <dgm:fillClrLst>
+      <a:schemeClr val="accent6"/>
     </dgm:fillClrLst>
     <dgm:linClrLst meth="repeat">
       <a:schemeClr val="lt1"/>
@@ -1146,7 +1176,7 @@
     <dgm:txEffectClrLst/>
   </dgm:styleLbl>
   <dgm:styleLbl name="node4">
-    <dgm:fillClrLst meth="repeat">
+    <dgm:fillClrLst>
       <a:schemeClr val="accent1"/>
     </dgm:fillClrLst>
     <dgm:linClrLst meth="repeat">
@@ -1158,8 +1188,11 @@
     <dgm:txEffectClrLst/>
   </dgm:styleLbl>
   <dgm:styleLbl name="fgImgPlace1">
-    <dgm:fillClrLst meth="repeat">
-      <a:schemeClr val="accent1">
+    <dgm:fillClrLst>
+      <a:schemeClr val="accent4">
+        <a:tint val="50000"/>
+      </a:schemeClr>
+      <a:schemeClr val="accent5">
         <a:tint val="50000"/>
       </a:schemeClr>
     </dgm:fillClrLst>
@@ -1174,9 +1207,12 @@
     <dgm:txEffectClrLst/>
   </dgm:styleLbl>
   <dgm:styleLbl name="alignImgPlace1">
-    <dgm:fillClrLst meth="repeat">
-      <a:schemeClr val="accent1">
+    <dgm:fillClrLst>
+      <a:schemeClr val="accent4">
         <a:tint val="50000"/>
+      </a:schemeClr>
+      <a:schemeClr val="accent5">
+        <a:tint val="20000"/>
       </a:schemeClr>
     </dgm:fillClrLst>
     <dgm:linClrLst meth="repeat">
@@ -1190,9 +1226,12 @@
     <dgm:txEffectClrLst/>
   </dgm:styleLbl>
   <dgm:styleLbl name="bgImgPlace1">
-    <dgm:fillClrLst meth="repeat">
-      <a:schemeClr val="accent1">
+    <dgm:fillClrLst>
+      <a:schemeClr val="accent4">
         <a:tint val="50000"/>
+      </a:schemeClr>
+      <a:schemeClr val="accent5">
+        <a:tint val="20000"/>
       </a:schemeClr>
     </dgm:fillClrLst>
     <dgm:linClrLst meth="repeat">
@@ -1206,15 +1245,12 @@
     <dgm:txEffectClrLst/>
   </dgm:styleLbl>
   <dgm:styleLbl name="sibTrans2D1">
-    <dgm:fillClrLst meth="repeat">
-      <a:schemeClr val="accent1">
-        <a:tint val="60000"/>
-      </a:schemeClr>
+    <dgm:fillClrLst>
+      <a:schemeClr val="accent4"/>
+      <a:schemeClr val="accent5"/>
     </dgm:fillClrLst>
     <dgm:linClrLst meth="repeat">
-      <a:schemeClr val="accent1">
-        <a:tint val="60000"/>
-      </a:schemeClr>
+      <a:schemeClr val="lt1"/>
     </dgm:linClrLst>
     <dgm:effectClrLst/>
     <dgm:txLinClrLst/>
@@ -1222,43 +1258,40 @@
     <dgm:txEffectClrLst/>
   </dgm:styleLbl>
   <dgm:styleLbl name="fgSibTrans2D1">
-    <dgm:fillClrLst meth="repeat">
-      <a:schemeClr val="accent1">
-        <a:tint val="60000"/>
-      </a:schemeClr>
+    <dgm:fillClrLst>
+      <a:schemeClr val="accent4"/>
+      <a:schemeClr val="accent5"/>
     </dgm:fillClrLst>
     <dgm:linClrLst meth="repeat">
-      <a:schemeClr val="accent1">
-        <a:tint val="60000"/>
-      </a:schemeClr>
+      <a:schemeClr val="lt1"/>
     </dgm:linClrLst>
     <dgm:effectClrLst/>
     <dgm:txLinClrLst/>
-    <dgm:txFillClrLst/>
+    <dgm:txFillClrLst meth="repeat">
+      <a:schemeClr val="lt1"/>
+    </dgm:txFillClrLst>
     <dgm:txEffectClrLst/>
   </dgm:styleLbl>
   <dgm:styleLbl name="bgSibTrans2D1">
-    <dgm:fillClrLst meth="repeat">
-      <a:schemeClr val="accent1">
-        <a:tint val="60000"/>
-      </a:schemeClr>
+    <dgm:fillClrLst>
+      <a:schemeClr val="accent4"/>
+      <a:schemeClr val="accent5"/>
     </dgm:fillClrLst>
     <dgm:linClrLst meth="repeat">
-      <a:schemeClr val="accent1">
-        <a:tint val="60000"/>
-      </a:schemeClr>
+      <a:schemeClr val="lt1"/>
     </dgm:linClrLst>
     <dgm:effectClrLst/>
     <dgm:txLinClrLst/>
-    <dgm:txFillClrLst/>
+    <dgm:txFillClrLst meth="repeat">
+      <a:schemeClr val="lt1"/>
+    </dgm:txFillClrLst>
     <dgm:txEffectClrLst/>
   </dgm:styleLbl>
   <dgm:styleLbl name="sibTrans1D1">
-    <dgm:fillClrLst meth="repeat">
-      <a:schemeClr val="accent1"/>
-    </dgm:fillClrLst>
-    <dgm:linClrLst meth="repeat">
-      <a:schemeClr val="accent1"/>
+    <dgm:fillClrLst/>
+    <dgm:linClrLst>
+      <a:schemeClr val="accent4"/>
+      <a:schemeClr val="accent5"/>
     </dgm:linClrLst>
     <dgm:effectClrLst/>
     <dgm:txLinClrLst/>
@@ -1269,10 +1302,10 @@
   </dgm:styleLbl>
   <dgm:styleLbl name="callout">
     <dgm:fillClrLst meth="repeat">
-      <a:schemeClr val="accent1"/>
+      <a:schemeClr val="accent4"/>
     </dgm:fillClrLst>
     <dgm:linClrLst meth="repeat">
-      <a:schemeClr val="accent1">
+      <a:schemeClr val="accent4">
         <a:tint val="50000"/>
       </a:schemeClr>
     </dgm:linClrLst>
@@ -1285,10 +1318,12 @@
   </dgm:styleLbl>
   <dgm:styleLbl name="asst0">
     <dgm:fillClrLst meth="repeat">
-      <a:schemeClr val="accent1"/>
+      <a:schemeClr val="accent4"/>
     </dgm:fillClrLst>
     <dgm:linClrLst meth="repeat">
-      <a:schemeClr val="lt1"/>
+      <a:schemeClr val="lt1">
+        <a:shade val="80000"/>
+      </a:schemeClr>
     </dgm:linClrLst>
     <dgm:effectClrLst/>
     <dgm:txLinClrLst/>
@@ -1297,10 +1332,12 @@
   </dgm:styleLbl>
   <dgm:styleLbl name="asst1">
     <dgm:fillClrLst meth="repeat">
-      <a:schemeClr val="accent1"/>
+      <a:schemeClr val="accent5"/>
     </dgm:fillClrLst>
     <dgm:linClrLst meth="repeat">
-      <a:schemeClr val="lt1"/>
+      <a:schemeClr val="lt1">
+        <a:shade val="80000"/>
+      </a:schemeClr>
     </dgm:linClrLst>
     <dgm:effectClrLst/>
     <dgm:txLinClrLst/>
@@ -1308,8 +1345,8 @@
     <dgm:txEffectClrLst/>
   </dgm:styleLbl>
   <dgm:styleLbl name="asst2">
-    <dgm:fillClrLst meth="repeat">
-      <a:schemeClr val="accent1"/>
+    <dgm:fillClrLst>
+      <a:schemeClr val="accent6"/>
     </dgm:fillClrLst>
     <dgm:linClrLst meth="repeat">
       <a:schemeClr val="lt1"/>
@@ -1320,7 +1357,7 @@
     <dgm:txEffectClrLst/>
   </dgm:styleLbl>
   <dgm:styleLbl name="asst3">
-    <dgm:fillClrLst meth="repeat">
+    <dgm:fillClrLst>
       <a:schemeClr val="accent1"/>
     </dgm:fillClrLst>
     <dgm:linClrLst meth="repeat">
@@ -1332,8 +1369,8 @@
     <dgm:txEffectClrLst/>
   </dgm:styleLbl>
   <dgm:styleLbl name="asst4">
-    <dgm:fillClrLst meth="repeat">
-      <a:schemeClr val="accent1"/>
+    <dgm:fillClrLst>
+      <a:schemeClr val="accent2"/>
     </dgm:fillClrLst>
     <dgm:linClrLst meth="repeat">
       <a:schemeClr val="lt1"/>
@@ -1345,14 +1382,10 @@
   </dgm:styleLbl>
   <dgm:styleLbl name="parChTrans2D1">
     <dgm:fillClrLst meth="repeat">
-      <a:schemeClr val="accent1">
-        <a:tint val="60000"/>
-      </a:schemeClr>
+      <a:schemeClr val="accent4"/>
     </dgm:fillClrLst>
     <dgm:linClrLst meth="repeat">
-      <a:schemeClr val="accent1">
-        <a:tint val="60000"/>
-      </a:schemeClr>
+      <a:schemeClr val="lt1"/>
     </dgm:linClrLst>
     <dgm:effectClrLst/>
     <dgm:txLinClrLst/>
@@ -1363,38 +1396,34 @@
   </dgm:styleLbl>
   <dgm:styleLbl name="parChTrans2D2">
     <dgm:fillClrLst meth="repeat">
-      <a:schemeClr val="accent1"/>
+      <a:schemeClr val="accent5"/>
     </dgm:fillClrLst>
     <dgm:linClrLst meth="repeat">
-      <a:schemeClr val="accent1"/>
+      <a:schemeClr val="lt1"/>
     </dgm:linClrLst>
     <dgm:effectClrLst/>
     <dgm:txLinClrLst/>
-    <dgm:txFillClrLst meth="repeat">
-      <a:schemeClr val="lt1"/>
-    </dgm:txFillClrLst>
+    <dgm:txFillClrLst/>
     <dgm:txEffectClrLst/>
   </dgm:styleLbl>
   <dgm:styleLbl name="parChTrans2D3">
     <dgm:fillClrLst meth="repeat">
-      <a:schemeClr val="accent1"/>
+      <a:schemeClr val="accent5"/>
     </dgm:fillClrLst>
     <dgm:linClrLst meth="repeat">
-      <a:schemeClr val="accent1"/>
+      <a:schemeClr val="lt1"/>
     </dgm:linClrLst>
     <dgm:effectClrLst/>
     <dgm:txLinClrLst/>
-    <dgm:txFillClrLst meth="repeat">
-      <a:schemeClr val="lt1"/>
-    </dgm:txFillClrLst>
+    <dgm:txFillClrLst/>
     <dgm:txEffectClrLst/>
   </dgm:styleLbl>
   <dgm:styleLbl name="parChTrans2D4">
     <dgm:fillClrLst meth="repeat">
-      <a:schemeClr val="accent1"/>
+      <a:schemeClr val="accent6"/>
     </dgm:fillClrLst>
     <dgm:linClrLst meth="repeat">
-      <a:schemeClr val="accent1"/>
+      <a:schemeClr val="lt1"/>
     </dgm:linClrLst>
     <dgm:effectClrLst/>
     <dgm:txLinClrLst/>
@@ -1405,12 +1434,10 @@
   </dgm:styleLbl>
   <dgm:styleLbl name="parChTrans1D1">
     <dgm:fillClrLst meth="repeat">
-      <a:schemeClr val="accent1"/>
+      <a:schemeClr val="accent4"/>
     </dgm:fillClrLst>
     <dgm:linClrLst meth="repeat">
-      <a:schemeClr val="accent1">
-        <a:shade val="60000"/>
-      </a:schemeClr>
+      <a:schemeClr val="accent4"/>
     </dgm:linClrLst>
     <dgm:effectClrLst/>
     <dgm:txLinClrLst/>
@@ -1421,12 +1448,12 @@
   </dgm:styleLbl>
   <dgm:styleLbl name="parChTrans1D2">
     <dgm:fillClrLst meth="repeat">
-      <a:schemeClr val="accent1"/>
+      <a:schemeClr val="accent4">
+        <a:tint val="90000"/>
+      </a:schemeClr>
     </dgm:fillClrLst>
     <dgm:linClrLst meth="repeat">
-      <a:schemeClr val="accent1">
-        <a:shade val="60000"/>
-      </a:schemeClr>
+      <a:schemeClr val="accent5"/>
     </dgm:linClrLst>
     <dgm:effectClrLst/>
     <dgm:txLinClrLst/>
@@ -1437,12 +1464,12 @@
   </dgm:styleLbl>
   <dgm:styleLbl name="parChTrans1D3">
     <dgm:fillClrLst meth="repeat">
-      <a:schemeClr val="accent1"/>
+      <a:schemeClr val="accent4">
+        <a:tint val="70000"/>
+      </a:schemeClr>
     </dgm:fillClrLst>
     <dgm:linClrLst meth="repeat">
-      <a:schemeClr val="accent1">
-        <a:shade val="80000"/>
-      </a:schemeClr>
+      <a:schemeClr val="accent6"/>
     </dgm:linClrLst>
     <dgm:effectClrLst/>
     <dgm:txLinClrLst/>
@@ -1453,12 +1480,12 @@
   </dgm:styleLbl>
   <dgm:styleLbl name="parChTrans1D4">
     <dgm:fillClrLst meth="repeat">
-      <a:schemeClr val="accent1"/>
+      <a:schemeClr val="accent4">
+        <a:tint val="50000"/>
+      </a:schemeClr>
     </dgm:fillClrLst>
     <dgm:linClrLst meth="repeat">
-      <a:schemeClr val="accent1">
-        <a:shade val="80000"/>
-      </a:schemeClr>
+      <a:schemeClr val="accent1"/>
     </dgm:linClrLst>
     <dgm:effectClrLst/>
     <dgm:txLinClrLst/>
@@ -1473,8 +1500,9 @@
         <a:alpha val="90000"/>
       </a:schemeClr>
     </dgm:fillClrLst>
-    <dgm:linClrLst meth="repeat">
-      <a:schemeClr val="accent1"/>
+    <dgm:linClrLst>
+      <a:schemeClr val="accent4"/>
+      <a:schemeClr val="accent5"/>
     </dgm:linClrLst>
     <dgm:effectClrLst/>
     <dgm:txLinClrLst/>
@@ -1489,8 +1517,9 @@
         <a:alpha val="90000"/>
       </a:schemeClr>
     </dgm:fillClrLst>
-    <dgm:linClrLst meth="repeat">
-      <a:schemeClr val="accent1"/>
+    <dgm:linClrLst>
+      <a:schemeClr val="accent4"/>
+      <a:schemeClr val="accent5"/>
     </dgm:linClrLst>
     <dgm:effectClrLst/>
     <dgm:txLinClrLst/>
@@ -1505,8 +1534,9 @@
         <a:alpha val="90000"/>
       </a:schemeClr>
     </dgm:fillClrLst>
-    <dgm:linClrLst meth="repeat">
-      <a:schemeClr val="accent1"/>
+    <dgm:linClrLst>
+      <a:schemeClr val="accent4"/>
+      <a:schemeClr val="accent5"/>
     </dgm:linClrLst>
     <dgm:effectClrLst/>
     <dgm:txLinClrLst/>
@@ -1522,7 +1552,7 @@
       </a:schemeClr>
     </dgm:fillClrLst>
     <dgm:linClrLst meth="repeat">
-      <a:schemeClr val="accent1"/>
+      <a:schemeClr val="accent4"/>
     </dgm:linClrLst>
     <dgm:effectClrLst/>
     <dgm:txLinClrLst/>
@@ -1537,8 +1567,9 @@
         <a:alpha val="90000"/>
       </a:schemeClr>
     </dgm:fillClrLst>
-    <dgm:linClrLst meth="repeat">
-      <a:schemeClr val="accent1"/>
+    <dgm:linClrLst>
+      <a:schemeClr val="accent4"/>
+      <a:schemeClr val="accent5"/>
     </dgm:linClrLst>
     <dgm:effectClrLst/>
     <dgm:txLinClrLst/>
@@ -1551,8 +1582,9 @@
     <dgm:fillClrLst meth="repeat">
       <a:schemeClr val="lt1"/>
     </dgm:fillClrLst>
-    <dgm:linClrLst meth="repeat">
-      <a:schemeClr val="accent1"/>
+    <dgm:linClrLst>
+      <a:schemeClr val="accent4"/>
+      <a:schemeClr val="accent5"/>
     </dgm:linClrLst>
     <dgm:effectClrLst/>
     <dgm:txLinClrLst/>
@@ -1565,8 +1597,9 @@
     <dgm:fillClrLst meth="repeat">
       <a:schemeClr val="lt1"/>
     </dgm:fillClrLst>
-    <dgm:linClrLst meth="repeat">
-      <a:schemeClr val="accent1"/>
+    <dgm:linClrLst>
+      <a:schemeClr val="accent4"/>
+      <a:schemeClr val="accent5"/>
     </dgm:linClrLst>
     <dgm:effectClrLst/>
     <dgm:txLinClrLst/>
@@ -1579,8 +1612,9 @@
     <dgm:fillClrLst meth="repeat">
       <a:schemeClr val="lt1"/>
     </dgm:fillClrLst>
-    <dgm:linClrLst meth="repeat">
-      <a:schemeClr val="accent1"/>
+    <dgm:linClrLst>
+      <a:schemeClr val="accent4"/>
+      <a:schemeClr val="accent5"/>
     </dgm:linClrLst>
     <dgm:effectClrLst/>
     <dgm:txLinClrLst/>
@@ -1590,16 +1624,24 @@
     <dgm:txEffectClrLst/>
   </dgm:styleLbl>
   <dgm:styleLbl name="fgAccFollowNode1">
-    <dgm:fillClrLst meth="repeat">
-      <a:schemeClr val="accent1">
+    <dgm:fillClrLst>
+      <a:schemeClr val="accent4">
+        <a:tint val="40000"/>
         <a:alpha val="90000"/>
+      </a:schemeClr>
+      <a:schemeClr val="accent5">
         <a:tint val="40000"/>
+        <a:alpha val="90000"/>
       </a:schemeClr>
     </dgm:fillClrLst>
-    <dgm:linClrLst meth="repeat">
-      <a:schemeClr val="accent1">
+    <dgm:linClrLst>
+      <a:schemeClr val="accent4">
+        <a:tint val="40000"/>
         <a:alpha val="90000"/>
+      </a:schemeClr>
+      <a:schemeClr val="accent5">
         <a:tint val="40000"/>
+        <a:alpha val="90000"/>
       </a:schemeClr>
     </dgm:linClrLst>
     <dgm:effectClrLst/>
@@ -1610,16 +1652,24 @@
     <dgm:txEffectClrLst/>
   </dgm:styleLbl>
   <dgm:styleLbl name="alignAccFollowNode1">
-    <dgm:fillClrLst meth="repeat">
-      <a:schemeClr val="accent1">
+    <dgm:fillClrLst>
+      <a:schemeClr val="accent4">
+        <a:tint val="40000"/>
         <a:alpha val="90000"/>
+      </a:schemeClr>
+      <a:schemeClr val="accent5">
         <a:tint val="40000"/>
+        <a:alpha val="90000"/>
       </a:schemeClr>
     </dgm:fillClrLst>
-    <dgm:linClrLst meth="repeat">
-      <a:schemeClr val="accent1">
+    <dgm:linClrLst>
+      <a:schemeClr val="accent4">
+        <a:tint val="40000"/>
         <a:alpha val="90000"/>
+      </a:schemeClr>
+      <a:schemeClr val="accent5">
         <a:tint val="40000"/>
+        <a:alpha val="90000"/>
       </a:schemeClr>
     </dgm:linClrLst>
     <dgm:effectClrLst/>
@@ -1630,16 +1680,24 @@
     <dgm:txEffectClrLst/>
   </dgm:styleLbl>
   <dgm:styleLbl name="bgAccFollowNode1">
-    <dgm:fillClrLst meth="repeat">
-      <a:schemeClr val="accent1">
+    <dgm:fillClrLst>
+      <a:schemeClr val="accent4">
+        <a:tint val="40000"/>
         <a:alpha val="90000"/>
+      </a:schemeClr>
+      <a:schemeClr val="accent5">
         <a:tint val="40000"/>
+        <a:alpha val="90000"/>
       </a:schemeClr>
     </dgm:fillClrLst>
-    <dgm:linClrLst meth="repeat">
-      <a:schemeClr val="accent1">
+    <dgm:linClrLst>
+      <a:schemeClr val="accent4">
+        <a:tint val="40000"/>
         <a:alpha val="90000"/>
+      </a:schemeClr>
+      <a:schemeClr val="accent5">
         <a:tint val="40000"/>
+        <a:alpha val="90000"/>
       </a:schemeClr>
     </dgm:linClrLst>
     <dgm:effectClrLst/>
@@ -1655,8 +1713,8 @@
         <a:alpha val="90000"/>
       </a:schemeClr>
     </dgm:fillClrLst>
-    <dgm:linClrLst meth="repeat">
-      <a:schemeClr val="accent1"/>
+    <dgm:linClrLst>
+      <a:schemeClr val="accent3"/>
     </dgm:linClrLst>
     <dgm:effectClrLst/>
     <dgm:txLinClrLst/>
@@ -1671,8 +1729,8 @@
         <a:alpha val="90000"/>
       </a:schemeClr>
     </dgm:fillClrLst>
-    <dgm:linClrLst meth="repeat">
-      <a:schemeClr val="accent1"/>
+    <dgm:linClrLst>
+      <a:schemeClr val="accent5"/>
     </dgm:linClrLst>
     <dgm:effectClrLst/>
     <dgm:txLinClrLst/>
@@ -1687,8 +1745,8 @@
         <a:alpha val="90000"/>
       </a:schemeClr>
     </dgm:fillClrLst>
-    <dgm:linClrLst meth="repeat">
-      <a:schemeClr val="accent1"/>
+    <dgm:linClrLst>
+      <a:schemeClr val="accent6"/>
     </dgm:linClrLst>
     <dgm:effectClrLst/>
     <dgm:txLinClrLst/>
@@ -1703,7 +1761,7 @@
         <a:alpha val="90000"/>
       </a:schemeClr>
     </dgm:fillClrLst>
-    <dgm:linClrLst meth="repeat">
+    <dgm:linClrLst>
       <a:schemeClr val="accent1"/>
     </dgm:linClrLst>
     <dgm:effectClrLst/>
@@ -1715,12 +1773,12 @@
   </dgm:styleLbl>
   <dgm:styleLbl name="bgShp">
     <dgm:fillClrLst meth="repeat">
-      <a:schemeClr val="accent1">
+      <a:schemeClr val="accent4">
         <a:tint val="40000"/>
       </a:schemeClr>
     </dgm:fillClrLst>
     <dgm:linClrLst meth="repeat">
-      <a:schemeClr val="accent1"/>
+      <a:schemeClr val="dk1"/>
     </dgm:linClrLst>
     <dgm:effectClrLst/>
     <dgm:txLinClrLst/>
@@ -1731,12 +1789,12 @@
   </dgm:styleLbl>
   <dgm:styleLbl name="dkBgShp">
     <dgm:fillClrLst meth="repeat">
-      <a:schemeClr val="accent1">
-        <a:shade val="80000"/>
+      <a:schemeClr val="accent4">
+        <a:shade val="90000"/>
       </a:schemeClr>
     </dgm:fillClrLst>
     <dgm:linClrLst meth="repeat">
-      <a:schemeClr val="accent1"/>
+      <a:schemeClr val="dk1"/>
     </dgm:linClrLst>
     <dgm:effectClrLst/>
     <dgm:txLinClrLst/>
@@ -1747,13 +1805,13 @@
   </dgm:styleLbl>
   <dgm:styleLbl name="trBgShp">
     <dgm:fillClrLst meth="repeat">
-      <a:schemeClr val="accent1">
+      <a:schemeClr val="accent4">
         <a:tint val="50000"/>
         <a:alpha val="40000"/>
       </a:schemeClr>
     </dgm:fillClrLst>
     <dgm:linClrLst meth="repeat">
-      <a:schemeClr val="accent1"/>
+      <a:schemeClr val="accent4"/>
     </dgm:linClrLst>
     <dgm:effectClrLst/>
     <dgm:txLinClrLst/>
@@ -1764,8 +1822,8 @@
   </dgm:styleLbl>
   <dgm:styleLbl name="fgShp">
     <dgm:fillClrLst meth="repeat">
-      <a:schemeClr val="accent1">
-        <a:tint val="60000"/>
+      <a:schemeClr val="accent4">
+        <a:tint val="40000"/>
       </a:schemeClr>
     </dgm:fillClrLst>
     <dgm:linClrLst meth="repeat">
@@ -1803,7 +1861,7 @@
 <dgm:dataModel xmlns:dgm="http://schemas.openxmlformats.org/drawingml/2006/diagram" xmlns:a="http://schemas.openxmlformats.org/drawingml/2006/main">
   <dgm:ptLst>
     <dgm:pt modelId="{95688153-12E5-4B53-9534-465A3E2A3D80}" type="doc">
-      <dgm:prSet loTypeId="urn:microsoft.com/office/officeart/2005/8/layout/process1" loCatId="process" qsTypeId="urn:microsoft.com/office/officeart/2005/8/quickstyle/simple1" qsCatId="simple" csTypeId="urn:microsoft.com/office/officeart/2005/8/colors/accent1_2" csCatId="accent1" phldr="1"/>
+      <dgm:prSet loTypeId="urn:microsoft.com/office/officeart/2005/8/layout/StepDownProcess" loCatId="process" qsTypeId="urn:microsoft.com/office/officeart/2005/8/quickstyle/simple1" qsCatId="simple" csTypeId="urn:microsoft.com/office/officeart/2005/8/colors/colorful4" csCatId="colorful" phldr="1"/>
       <dgm:spPr/>
     </dgm:pt>
     <dgm:pt modelId="{BE15B4D9-4D9F-4B6C-BB25-2E4D5A0763FC}">
@@ -1819,12 +1877,29 @@
               <a:latin typeface="Inter" panose="020B0604020202020204" charset="0"/>
               <a:ea typeface="Inter" panose="020B0604020202020204" charset="0"/>
             </a:rPr>
-            <a:t>Etape 1</a:t>
+            <a:t>Etape 1 </a:t>
           </a:r>
-          <a:endParaRPr lang="fr-FR" b="1" dirty="0">
-            <a:latin typeface="Inter" panose="020B0604020202020204" charset="0"/>
-            <a:ea typeface="Inter" panose="020B0604020202020204" charset="0"/>
-          </a:endParaRPr>
+          <a:r>
+            <a:rPr lang="fr-FR" b="0" i="0" dirty="0">
+              <a:latin typeface="Inter" panose="020B0604020202020204" charset="0"/>
+              <a:ea typeface="Inter" panose="020B0604020202020204" charset="0"/>
+            </a:rPr>
+            <a:t>Nettoyage des textes bruts avec </a:t>
+          </a:r>
+          <a:r>
+            <a:rPr lang="fr-FR" b="0" dirty="0" err="1">
+              <a:latin typeface="Inter" panose="020B0604020202020204" charset="0"/>
+              <a:ea typeface="Inter" panose="020B0604020202020204" charset="0"/>
+            </a:rPr>
+            <a:t>regular</a:t>
+          </a:r>
+          <a:r>
+            <a:rPr lang="fr-FR" b="0" dirty="0">
+              <a:latin typeface="Inter" panose="020B0604020202020204" charset="0"/>
+              <a:ea typeface="Inter" panose="020B0604020202020204" charset="0"/>
+            </a:rPr>
+            <a:t> expression </a:t>
+          </a:r>
         </a:p>
       </dgm:t>
     </dgm:pt>
@@ -1859,12 +1934,37 @@
         <a:p>
           <a:pPr algn="ctr"/>
           <a:r>
-            <a:rPr lang="fr-FR" dirty="0">
+            <a:rPr lang="fr-FR" b="1" dirty="0">
               <a:latin typeface="Inter" panose="020B0604020202020204" charset="0"/>
               <a:ea typeface="Inter" panose="020B0604020202020204" charset="0"/>
             </a:rPr>
             <a:t>Etape 2 </a:t>
           </a:r>
+          <a:r>
+            <a:rPr lang="fr-FR" b="0" i="0" dirty="0">
+              <a:latin typeface="Inter" panose="020B0604020202020204" charset="0"/>
+              <a:ea typeface="Inter" panose="020B0604020202020204" charset="0"/>
+            </a:rPr>
+            <a:t>Traitement linguistique avec </a:t>
+          </a:r>
+          <a:r>
+            <a:rPr lang="fr-FR" b="0" i="0" dirty="0" err="1">
+              <a:latin typeface="Inter" panose="020B0604020202020204" charset="0"/>
+              <a:ea typeface="Inter" panose="020B0604020202020204" charset="0"/>
+            </a:rPr>
+            <a:t>SpaCy</a:t>
+          </a:r>
+          <a:r>
+            <a:rPr lang="fr-FR" b="0" i="0" dirty="0">
+              <a:latin typeface="Inter" panose="020B0604020202020204" charset="0"/>
+              <a:ea typeface="Inter" panose="020B0604020202020204" charset="0"/>
+            </a:rPr>
+            <a:t> :</a:t>
+          </a:r>
+          <a:endParaRPr lang="fr-FR" dirty="0">
+            <a:latin typeface="Inter" panose="020B0604020202020204" charset="0"/>
+            <a:ea typeface="Inter" panose="020B0604020202020204" charset="0"/>
+          </a:endParaRPr>
         </a:p>
       </dgm:t>
     </dgm:pt>
@@ -1890,39 +1990,28 @@
         </a:p>
       </dgm:t>
     </dgm:pt>
-    <dgm:pt modelId="{8266E8FE-FB4C-49E9-A934-077D0524F822}">
-      <dgm:prSet phldrT="[Texte]"/>
+    <dgm:pt modelId="{4363289E-5493-40CE-941B-E2388F922507}">
+      <dgm:prSet custT="1"/>
       <dgm:spPr/>
       <dgm:t>
         <a:bodyPr/>
         <a:lstStyle/>
         <a:p>
-          <a:pPr algn="ctr"/>
+          <a:pPr>
+            <a:buFont typeface="Arial" panose="020B0604020202020204" pitchFamily="34" charset="0"/>
+            <a:buChar char="•"/>
+          </a:pPr>
           <a:r>
-            <a:rPr lang="fr-FR" dirty="0">
+            <a:rPr lang="fr-FR" sz="1200" b="0" i="0" dirty="0">
               <a:latin typeface="Inter" panose="020B0604020202020204" charset="0"/>
               <a:ea typeface="Inter" panose="020B0604020202020204" charset="0"/>
             </a:rPr>
-            <a:t>Préparation des textes avec </a:t>
-          </a:r>
-          <a:r>
-            <a:rPr lang="fr-FR" dirty="0" err="1">
-              <a:latin typeface="Inter" panose="020B0604020202020204" charset="0"/>
-              <a:ea typeface="Inter" panose="020B0604020202020204" charset="0"/>
-            </a:rPr>
-            <a:t>regular</a:t>
-          </a:r>
-          <a:r>
-            <a:rPr lang="fr-FR" dirty="0">
-              <a:latin typeface="Inter" panose="020B0604020202020204" charset="0"/>
-              <a:ea typeface="Inter" panose="020B0604020202020204" charset="0"/>
-            </a:rPr>
-            <a:t> expression </a:t>
+            <a:t>Mise en minuscules,</a:t>
           </a:r>
         </a:p>
       </dgm:t>
     </dgm:pt>
-    <dgm:pt modelId="{982F2C44-2774-4D5C-949B-FF47BAAB873C}" type="parTrans" cxnId="{768736A1-01C1-4C9A-B068-7122AE5EDD27}">
+    <dgm:pt modelId="{C9C6987B-726E-43BA-9D51-CF36AECFDCA0}" type="parTrans" cxnId="{F8BD7D96-B74A-4D03-B699-D348B6E19EE0}">
       <dgm:prSet/>
       <dgm:spPr/>
       <dgm:t>
@@ -1933,7 +2022,7 @@
         </a:p>
       </dgm:t>
     </dgm:pt>
-    <dgm:pt modelId="{0C552520-CCAF-43A0-91B5-C749143B69E0}" type="sibTrans" cxnId="{768736A1-01C1-4C9A-B068-7122AE5EDD27}">
+    <dgm:pt modelId="{ABFEE239-A3D8-47B3-A7AE-7CD168E840EA}" type="sibTrans" cxnId="{F8BD7D96-B74A-4D03-B699-D348B6E19EE0}">
       <dgm:prSet/>
       <dgm:spPr/>
       <dgm:t>
@@ -1944,25 +2033,28 @@
         </a:p>
       </dgm:t>
     </dgm:pt>
-    <dgm:pt modelId="{91AA3F8D-51C3-426A-98B5-C130BC1FEB40}">
-      <dgm:prSet phldrT="[Texte]"/>
+    <dgm:pt modelId="{3D05F445-3CB8-4EB3-80D6-2BAAD89648B3}">
+      <dgm:prSet custT="1"/>
       <dgm:spPr/>
       <dgm:t>
         <a:bodyPr/>
         <a:lstStyle/>
         <a:p>
-          <a:pPr algn="ctr"/>
+          <a:pPr>
+            <a:buFont typeface="Arial" panose="020B0604020202020204" pitchFamily="34" charset="0"/>
+            <a:buChar char="•"/>
+          </a:pPr>
           <a:r>
-            <a:rPr lang="fr-FR" dirty="0">
+            <a:rPr lang="fr-FR" sz="1200" b="0" i="0" dirty="0">
               <a:latin typeface="Inter" panose="020B0604020202020204" charset="0"/>
               <a:ea typeface="Inter" panose="020B0604020202020204" charset="0"/>
             </a:rPr>
-            <a:t>Retrait des ponctuations, conservation uniquement des caractères alphabétiques, mise en minuscules</a:t>
+            <a:t>Suppression des chiffres, ponctuation et espaces multiples</a:t>
           </a:r>
         </a:p>
       </dgm:t>
     </dgm:pt>
-    <dgm:pt modelId="{A837E3E8-4452-4623-A91A-5A4AA6AC81AE}" type="parTrans" cxnId="{88D9B281-16F3-49CB-9E57-B3ACBC27D89E}">
+    <dgm:pt modelId="{675AC25C-4480-4EE1-A279-262CA849D171}" type="parTrans" cxnId="{DC8A8BC9-C084-40D5-8A04-7DEC8F68451C}">
       <dgm:prSet/>
       <dgm:spPr/>
       <dgm:t>
@@ -1973,7 +2065,7 @@
         </a:p>
       </dgm:t>
     </dgm:pt>
-    <dgm:pt modelId="{84962966-F83F-49AA-8B93-F0D87C9898F9}" type="sibTrans" cxnId="{88D9B281-16F3-49CB-9E57-B3ACBC27D89E}">
+    <dgm:pt modelId="{C58E32EA-D76A-4DBB-B5A9-25E3767D81CD}" type="sibTrans" cxnId="{DC8A8BC9-C084-40D5-8A04-7DEC8F68451C}">
       <dgm:prSet/>
       <dgm:spPr/>
       <dgm:t>
@@ -1984,36 +2076,35 @@
         </a:p>
       </dgm:t>
     </dgm:pt>
-    <dgm:pt modelId="{5853F619-8DC9-436B-8E11-C9FD23D07DAE}">
-      <dgm:prSet phldrT="[Texte]"/>
+    <dgm:pt modelId="{925D583C-022A-4244-850F-B8F7C6118166}">
+      <dgm:prSet/>
       <dgm:spPr/>
       <dgm:t>
         <a:bodyPr/>
         <a:lstStyle/>
         <a:p>
-          <a:pPr algn="ctr"/>
+          <a:pPr>
+            <a:buFont typeface="Arial" panose="020B0604020202020204" pitchFamily="34" charset="0"/>
+            <a:buChar char="•"/>
+          </a:pPr>
           <a:r>
-            <a:rPr lang="fr-FR" dirty="0">
+            <a:rPr lang="fr-FR" b="1" i="0" dirty="0">
               <a:latin typeface="Inter" panose="020B0604020202020204" charset="0"/>
               <a:ea typeface="Inter" panose="020B0604020202020204" charset="0"/>
             </a:rPr>
-            <a:t>Lemmatisation et tokenisation avec </a:t>
+            <a:t>Etape 3 </a:t>
           </a:r>
           <a:r>
-            <a:rPr lang="fr-FR" dirty="0" err="1">
+            <a:rPr lang="fr-FR" b="0" i="0" dirty="0">
               <a:latin typeface="Inter" panose="020B0604020202020204" charset="0"/>
               <a:ea typeface="Inter" panose="020B0604020202020204" charset="0"/>
             </a:rPr>
-            <a:t>Spacy</a:t>
+            <a:t>Application du pipeline sur les colonnes :</a:t>
           </a:r>
-          <a:endParaRPr lang="fr-FR" dirty="0">
-            <a:latin typeface="Inter" panose="020B0604020202020204" charset="0"/>
-            <a:ea typeface="Inter" panose="020B0604020202020204" charset="0"/>
-          </a:endParaRPr>
         </a:p>
       </dgm:t>
     </dgm:pt>
-    <dgm:pt modelId="{B211865E-4F6F-423C-9550-D82ADAF9586E}" type="parTrans" cxnId="{C29D6EF8-B0EF-4CD8-9A4F-44D029937119}">
+    <dgm:pt modelId="{7019DF2B-B507-4C18-96F2-FA0E6E65A96C}" type="parTrans" cxnId="{8F4454BD-023A-4384-99D0-08DBFFFBE869}">
       <dgm:prSet/>
       <dgm:spPr/>
       <dgm:t>
@@ -2024,7 +2115,7 @@
         </a:p>
       </dgm:t>
     </dgm:pt>
-    <dgm:pt modelId="{A1925149-0DCB-4CDA-9778-F7DF848C2392}" type="sibTrans" cxnId="{C29D6EF8-B0EF-4CD8-9A4F-44D029937119}">
+    <dgm:pt modelId="{CFCECACE-C40D-4726-B36D-BEF829F0EEC9}" type="sibTrans" cxnId="{8F4454BD-023A-4384-99D0-08DBFFFBE869}">
       <dgm:prSet/>
       <dgm:spPr/>
       <dgm:t>
@@ -2035,34 +2126,342 @@
         </a:p>
       </dgm:t>
     </dgm:pt>
-    <dgm:pt modelId="{0C26EF83-EE06-4388-8E51-072B950FC370}" type="pres">
-      <dgm:prSet presAssocID="{95688153-12E5-4B53-9534-465A3E2A3D80}" presName="Name0" presStyleCnt="0">
+    <dgm:pt modelId="{667C827E-1C1B-45F2-BD4B-CA959CD71BF4}">
+      <dgm:prSet custT="1"/>
+      <dgm:spPr/>
+      <dgm:t>
+        <a:bodyPr/>
+        <a:lstStyle/>
+        <a:p>
+          <a:pPr>
+            <a:buFont typeface="Arial" panose="020B0604020202020204" pitchFamily="34" charset="0"/>
+            <a:buChar char="•"/>
+          </a:pPr>
+          <a:r>
+            <a:rPr lang="fr-FR" sz="1200" b="0" i="0" dirty="0">
+              <a:latin typeface="Inter" panose="020B0604020202020204" charset="0"/>
+              <a:ea typeface="Inter" panose="020B0604020202020204" charset="0"/>
+            </a:rPr>
+            <a:t>headline, pros, cons</a:t>
+          </a:r>
+        </a:p>
+      </dgm:t>
+    </dgm:pt>
+    <dgm:pt modelId="{28E3EF94-7E2D-48E0-822F-CD63359EB642}" type="parTrans" cxnId="{4DBB9DF0-0556-4A23-8B8E-3EC31D53C006}">
+      <dgm:prSet/>
+      <dgm:spPr/>
+      <dgm:t>
+        <a:bodyPr/>
+        <a:lstStyle/>
+        <a:p>
+          <a:endParaRPr lang="fr-FR"/>
+        </a:p>
+      </dgm:t>
+    </dgm:pt>
+    <dgm:pt modelId="{8CA0683A-ACED-4FA8-95A2-331F5C4ED053}" type="sibTrans" cxnId="{4DBB9DF0-0556-4A23-8B8E-3EC31D53C006}">
+      <dgm:prSet/>
+      <dgm:spPr/>
+      <dgm:t>
+        <a:bodyPr/>
+        <a:lstStyle/>
+        <a:p>
+          <a:endParaRPr lang="fr-FR"/>
+        </a:p>
+      </dgm:t>
+    </dgm:pt>
+    <dgm:pt modelId="{C0B7CE98-335F-4894-B2B0-98BA5252B86C}">
+      <dgm:prSet custT="1"/>
+      <dgm:spPr/>
+      <dgm:t>
+        <a:bodyPr/>
+        <a:lstStyle/>
+        <a:p>
+          <a:pPr>
+            <a:buFont typeface="Arial" panose="020B0604020202020204" pitchFamily="34" charset="0"/>
+            <a:buChar char="•"/>
+          </a:pPr>
+          <a:r>
+            <a:rPr lang="fr-FR" sz="1200" b="0" i="0" dirty="0">
+              <a:latin typeface="Inter" panose="020B0604020202020204" charset="0"/>
+              <a:ea typeface="Inter" panose="020B0604020202020204" charset="0"/>
+            </a:rPr>
+            <a:t>Fusion des textes nettoyés</a:t>
+          </a:r>
+        </a:p>
+      </dgm:t>
+    </dgm:pt>
+    <dgm:pt modelId="{E93F281E-49C0-49A6-91BD-90FAC779F16E}" type="parTrans" cxnId="{6CE42275-6D1A-4BF3-88A4-024BB6B298D5}">
+      <dgm:prSet/>
+      <dgm:spPr/>
+      <dgm:t>
+        <a:bodyPr/>
+        <a:lstStyle/>
+        <a:p>
+          <a:endParaRPr lang="fr-FR"/>
+        </a:p>
+      </dgm:t>
+    </dgm:pt>
+    <dgm:pt modelId="{E4B39B3F-C2B0-4681-B7BB-1D215800E032}" type="sibTrans" cxnId="{6CE42275-6D1A-4BF3-88A4-024BB6B298D5}">
+      <dgm:prSet/>
+      <dgm:spPr/>
+      <dgm:t>
+        <a:bodyPr/>
+        <a:lstStyle/>
+        <a:p>
+          <a:endParaRPr lang="fr-FR"/>
+        </a:p>
+      </dgm:t>
+    </dgm:pt>
+    <dgm:pt modelId="{D42B391E-2F17-4A0F-BCD0-9CE2568AC49C}">
+      <dgm:prSet phldrT="[Texte]" custT="1"/>
+      <dgm:spPr/>
+      <dgm:t>
+        <a:bodyPr/>
+        <a:lstStyle/>
+        <a:p>
+          <a:pPr algn="l"/>
+          <a:r>
+            <a:rPr lang="fr-FR" sz="1200" b="0" i="0" dirty="0">
+              <a:latin typeface="Inter" panose="020B0604020202020204" charset="0"/>
+              <a:ea typeface="Inter" panose="020B0604020202020204" charset="0"/>
+            </a:rPr>
+            <a:t>Lemmatisation,</a:t>
+          </a:r>
+          <a:endParaRPr lang="fr-FR" sz="1200" dirty="0">
+            <a:latin typeface="Inter" panose="020B0604020202020204" charset="0"/>
+            <a:ea typeface="Inter" panose="020B0604020202020204" charset="0"/>
+          </a:endParaRPr>
+        </a:p>
+      </dgm:t>
+    </dgm:pt>
+    <dgm:pt modelId="{518F7CFC-D84E-4BDF-862A-62A0C33C8EB0}" type="parTrans" cxnId="{FC9B069D-FF67-415B-9227-2F6E11008E05}">
+      <dgm:prSet/>
+      <dgm:spPr/>
+      <dgm:t>
+        <a:bodyPr/>
+        <a:lstStyle/>
+        <a:p>
+          <a:endParaRPr lang="fr-FR"/>
+        </a:p>
+      </dgm:t>
+    </dgm:pt>
+    <dgm:pt modelId="{3E8A1B56-1E1F-4635-AE9F-0EFBD7525A1F}" type="sibTrans" cxnId="{FC9B069D-FF67-415B-9227-2F6E11008E05}">
+      <dgm:prSet/>
+      <dgm:spPr/>
+      <dgm:t>
+        <a:bodyPr/>
+        <a:lstStyle/>
+        <a:p>
+          <a:endParaRPr lang="fr-FR"/>
+        </a:p>
+      </dgm:t>
+    </dgm:pt>
+    <dgm:pt modelId="{B33BE411-AA1B-442D-B86C-3F75C7285AF3}">
+      <dgm:prSet phldrT="[Texte]" custT="1"/>
+      <dgm:spPr/>
+      <dgm:t>
+        <a:bodyPr/>
+        <a:lstStyle/>
+        <a:p>
+          <a:pPr algn="l"/>
+          <a:r>
+            <a:rPr lang="fr-FR" sz="1200" b="0" i="0" dirty="0">
+              <a:latin typeface="Inter" panose="020B0604020202020204" charset="0"/>
+              <a:ea typeface="Inter" panose="020B0604020202020204" charset="0"/>
+            </a:rPr>
+            <a:t>Suppression des stop </a:t>
+          </a:r>
+          <a:r>
+            <a:rPr lang="fr-FR" sz="1200" b="0" i="0" dirty="0" err="1">
+              <a:latin typeface="Inter" panose="020B0604020202020204" charset="0"/>
+              <a:ea typeface="Inter" panose="020B0604020202020204" charset="0"/>
+            </a:rPr>
+            <a:t>words</a:t>
+          </a:r>
+          <a:r>
+            <a:rPr lang="fr-FR" sz="1200" b="0" i="0" dirty="0">
+              <a:latin typeface="Inter" panose="020B0604020202020204" charset="0"/>
+              <a:ea typeface="Inter" panose="020B0604020202020204" charset="0"/>
+            </a:rPr>
+            <a:t> (via la liste intégrée),</a:t>
+          </a:r>
+          <a:endParaRPr lang="fr-FR" sz="1200" dirty="0">
+            <a:latin typeface="Inter" panose="020B0604020202020204" charset="0"/>
+            <a:ea typeface="Inter" panose="020B0604020202020204" charset="0"/>
+          </a:endParaRPr>
+        </a:p>
+      </dgm:t>
+    </dgm:pt>
+    <dgm:pt modelId="{E8454A3A-0D74-4CAD-840F-4AABFE06BE7A}" type="parTrans" cxnId="{E8B5BE80-E528-451D-99E1-1A1B5D5A7BA1}">
+      <dgm:prSet/>
+      <dgm:spPr/>
+      <dgm:t>
+        <a:bodyPr/>
+        <a:lstStyle/>
+        <a:p>
+          <a:endParaRPr lang="fr-FR"/>
+        </a:p>
+      </dgm:t>
+    </dgm:pt>
+    <dgm:pt modelId="{56840CE3-AB55-4978-8E29-EFBA7B464D41}" type="sibTrans" cxnId="{E8B5BE80-E528-451D-99E1-1A1B5D5A7BA1}">
+      <dgm:prSet/>
+      <dgm:spPr/>
+      <dgm:t>
+        <a:bodyPr/>
+        <a:lstStyle/>
+        <a:p>
+          <a:endParaRPr lang="fr-FR"/>
+        </a:p>
+      </dgm:t>
+    </dgm:pt>
+    <dgm:pt modelId="{0899F708-C238-4437-BBEF-68D782447244}">
+      <dgm:prSet custT="1"/>
+      <dgm:spPr/>
+      <dgm:t>
+        <a:bodyPr/>
+        <a:lstStyle/>
+        <a:p>
+          <a:pPr>
+            <a:buFont typeface="Arial" panose="020B0604020202020204" pitchFamily="34" charset="0"/>
+            <a:buChar char="•"/>
+          </a:pPr>
+          <a:r>
+            <a:rPr lang="fr-FR" sz="1200" b="0" i="0" dirty="0">
+              <a:latin typeface="Inter" panose="020B0604020202020204" charset="0"/>
+              <a:ea typeface="Inter" panose="020B0604020202020204" charset="0"/>
+            </a:rPr>
+            <a:t>→ </a:t>
+          </a:r>
+          <a:r>
+            <a:rPr lang="fr-FR" sz="1200" b="0" i="0" dirty="0" err="1">
+              <a:latin typeface="Inter" panose="020B0604020202020204" charset="0"/>
+              <a:ea typeface="Inter" panose="020B0604020202020204" charset="0"/>
+            </a:rPr>
+            <a:t>full_text_clean</a:t>
+          </a:r>
+          <a:endParaRPr lang="fr-FR" sz="1200" b="0" i="0" dirty="0">
+            <a:latin typeface="Inter" panose="020B0604020202020204" charset="0"/>
+            <a:ea typeface="Inter" panose="020B0604020202020204" charset="0"/>
+          </a:endParaRPr>
+        </a:p>
+      </dgm:t>
+    </dgm:pt>
+    <dgm:pt modelId="{0DCF0A4B-D215-4E6A-A81E-4978864D8FBB}" type="parTrans" cxnId="{82E96767-FEA7-469A-BE64-467DFAFD6AFB}">
+      <dgm:prSet/>
+      <dgm:spPr/>
+      <dgm:t>
+        <a:bodyPr/>
+        <a:lstStyle/>
+        <a:p>
+          <a:endParaRPr lang="fr-FR"/>
+        </a:p>
+      </dgm:t>
+    </dgm:pt>
+    <dgm:pt modelId="{08CB19EA-1D50-4DAB-9FE6-5BEFA2828452}" type="sibTrans" cxnId="{82E96767-FEA7-469A-BE64-467DFAFD6AFB}">
+      <dgm:prSet/>
+      <dgm:spPr/>
+      <dgm:t>
+        <a:bodyPr/>
+        <a:lstStyle/>
+        <a:p>
+          <a:endParaRPr lang="fr-FR"/>
+        </a:p>
+      </dgm:t>
+    </dgm:pt>
+    <dgm:pt modelId="{542AA996-1524-4B2D-B04A-D5754BBDD601}" type="pres">
+      <dgm:prSet presAssocID="{95688153-12E5-4B53-9534-465A3E2A3D80}" presName="rootnode" presStyleCnt="0">
         <dgm:presLayoutVars>
+          <dgm:chMax/>
+          <dgm:chPref/>
           <dgm:dir/>
-          <dgm:resizeHandles val="exact"/>
+          <dgm:animLvl val="lvl"/>
         </dgm:presLayoutVars>
       </dgm:prSet>
       <dgm:spPr/>
     </dgm:pt>
-    <dgm:pt modelId="{898704EB-BD19-43D6-9416-5A4C4DD2EBE3}" type="pres">
-      <dgm:prSet presAssocID="{BE15B4D9-4D9F-4B6C-BB25-2E4D5A0763FC}" presName="node" presStyleLbl="node1" presStyleIdx="0" presStyleCnt="2">
+    <dgm:pt modelId="{2492C584-DBF6-41E8-8B3F-48903EEC65FC}" type="pres">
+      <dgm:prSet presAssocID="{BE15B4D9-4D9F-4B6C-BB25-2E4D5A0763FC}" presName="composite" presStyleCnt="0"/>
+      <dgm:spPr/>
+    </dgm:pt>
+    <dgm:pt modelId="{76DE8E18-1357-490C-85B9-B31477A55B30}" type="pres">
+      <dgm:prSet presAssocID="{BE15B4D9-4D9F-4B6C-BB25-2E4D5A0763FC}" presName="bentUpArrow1" presStyleLbl="alignImgPlace1" presStyleIdx="0" presStyleCnt="2" custScaleX="114861" custLinFactNeighborX="-34657"/>
+      <dgm:spPr/>
+    </dgm:pt>
+    <dgm:pt modelId="{DB3D2C6F-F15D-43AC-AAA9-AAF86BF6C0FD}" type="pres">
+      <dgm:prSet presAssocID="{BE15B4D9-4D9F-4B6C-BB25-2E4D5A0763FC}" presName="ParentText" presStyleLbl="node1" presStyleIdx="0" presStyleCnt="3" custScaleX="142224" custLinFactNeighborX="-10416">
         <dgm:presLayoutVars>
+          <dgm:chMax val="1"/>
+          <dgm:chPref val="1"/>
           <dgm:bulletEnabled val="1"/>
         </dgm:presLayoutVars>
       </dgm:prSet>
       <dgm:spPr/>
     </dgm:pt>
-    <dgm:pt modelId="{266D3A7D-9634-4A9D-8F79-812E7990158D}" type="pres">
-      <dgm:prSet presAssocID="{121EF360-422C-4992-8539-8DDDAD51F1ED}" presName="sibTrans" presStyleLbl="sibTrans2D1" presStyleIdx="0" presStyleCnt="1"/>
+    <dgm:pt modelId="{838C86B7-346C-455B-A0C6-FAC8E91227F7}" type="pres">
+      <dgm:prSet presAssocID="{BE15B4D9-4D9F-4B6C-BB25-2E4D5A0763FC}" presName="ChildText" presStyleLbl="revTx" presStyleIdx="0" presStyleCnt="3" custScaleX="219848" custScaleY="96670" custLinFactNeighborX="73667">
+        <dgm:presLayoutVars>
+          <dgm:chMax val="0"/>
+          <dgm:chPref val="0"/>
+          <dgm:bulletEnabled val="1"/>
+        </dgm:presLayoutVars>
+      </dgm:prSet>
       <dgm:spPr/>
     </dgm:pt>
-    <dgm:pt modelId="{F9B2EADC-8DD4-4B6D-8FD2-5D623DDC9F0A}" type="pres">
-      <dgm:prSet presAssocID="{121EF360-422C-4992-8539-8DDDAD51F1ED}" presName="connectorText" presStyleLbl="sibTrans2D1" presStyleIdx="0" presStyleCnt="1"/>
+    <dgm:pt modelId="{C8840425-1575-4CDA-8D5F-BA7BC836E215}" type="pres">
+      <dgm:prSet presAssocID="{121EF360-422C-4992-8539-8DDDAD51F1ED}" presName="sibTrans" presStyleCnt="0"/>
       <dgm:spPr/>
     </dgm:pt>
-    <dgm:pt modelId="{4FA728B2-2DD0-4CBF-8B93-ED144C587239}" type="pres">
-      <dgm:prSet presAssocID="{EB463AC6-F5F4-4A89-B8FA-46DA14B9F8C4}" presName="node" presStyleLbl="node1" presStyleIdx="1" presStyleCnt="2">
+    <dgm:pt modelId="{FBDBB9E3-D5D3-4CAE-9DD5-4EC05013943C}" type="pres">
+      <dgm:prSet presAssocID="{EB463AC6-F5F4-4A89-B8FA-46DA14B9F8C4}" presName="composite" presStyleCnt="0"/>
+      <dgm:spPr/>
+    </dgm:pt>
+    <dgm:pt modelId="{35D16C82-95FB-4023-86F5-FE25EE7825D3}" type="pres">
+      <dgm:prSet presAssocID="{EB463AC6-F5F4-4A89-B8FA-46DA14B9F8C4}" presName="bentUpArrow1" presStyleLbl="alignImgPlace1" presStyleIdx="1" presStyleCnt="2" custScaleX="117259" custLinFactNeighborX="-53074" custLinFactNeighborY="-1037"/>
+      <dgm:spPr/>
+    </dgm:pt>
+    <dgm:pt modelId="{C302FD57-0314-4627-8308-87B1DAFD3A40}" type="pres">
+      <dgm:prSet presAssocID="{EB463AC6-F5F4-4A89-B8FA-46DA14B9F8C4}" presName="ParentText" presStyleLbl="node1" presStyleIdx="1" presStyleCnt="3" custScaleX="142224" custLinFactNeighborX="-21576">
         <dgm:presLayoutVars>
+          <dgm:chMax val="1"/>
+          <dgm:chPref val="1"/>
+          <dgm:bulletEnabled val="1"/>
+        </dgm:presLayoutVars>
+      </dgm:prSet>
+      <dgm:spPr/>
+    </dgm:pt>
+    <dgm:pt modelId="{FBEA8DDA-7198-431F-94C1-945A43A02079}" type="pres">
+      <dgm:prSet presAssocID="{EB463AC6-F5F4-4A89-B8FA-46DA14B9F8C4}" presName="ChildText" presStyleLbl="revTx" presStyleIdx="1" presStyleCnt="3" custScaleX="187966" custLinFactNeighborX="42469">
+        <dgm:presLayoutVars>
+          <dgm:chMax val="0"/>
+          <dgm:chPref val="0"/>
+          <dgm:bulletEnabled val="1"/>
+        </dgm:presLayoutVars>
+      </dgm:prSet>
+      <dgm:spPr/>
+    </dgm:pt>
+    <dgm:pt modelId="{F5D060A5-C2C2-4892-AD46-3DA981CAB253}" type="pres">
+      <dgm:prSet presAssocID="{9869A301-24B0-4555-A07A-F2E8AA32ABA0}" presName="sibTrans" presStyleCnt="0"/>
+      <dgm:spPr/>
+    </dgm:pt>
+    <dgm:pt modelId="{6BFC073F-7196-4625-9509-681A37561799}" type="pres">
+      <dgm:prSet presAssocID="{925D583C-022A-4244-850F-B8F7C6118166}" presName="composite" presStyleCnt="0"/>
+      <dgm:spPr/>
+    </dgm:pt>
+    <dgm:pt modelId="{75A80786-5737-45CE-9D5B-4C8D2E83470E}" type="pres">
+      <dgm:prSet presAssocID="{925D583C-022A-4244-850F-B8F7C6118166}" presName="ParentText" presStyleLbl="node1" presStyleIdx="2" presStyleCnt="3" custScaleX="142224" custLinFactNeighborX="-32368">
+        <dgm:presLayoutVars>
+          <dgm:chMax val="1"/>
+          <dgm:chPref val="1"/>
+          <dgm:bulletEnabled val="1"/>
+        </dgm:presLayoutVars>
+      </dgm:prSet>
+      <dgm:spPr/>
+    </dgm:pt>
+    <dgm:pt modelId="{CC50AB37-7AC7-4D84-AA8D-81BEEB2A9BF4}" type="pres">
+      <dgm:prSet presAssocID="{925D583C-022A-4244-850F-B8F7C6118166}" presName="FinalChildText" presStyleLbl="revTx" presStyleIdx="2" presStyleCnt="3" custScaleX="174649" custLinFactNeighborX="20477">
+        <dgm:presLayoutVars>
+          <dgm:chMax val="0"/>
+          <dgm:chPref val="0"/>
           <dgm:bulletEnabled val="1"/>
         </dgm:presLayoutVars>
       </dgm:prSet>
@@ -2070,23 +2469,40 @@
     </dgm:pt>
   </dgm:ptLst>
   <dgm:cxnLst>
-    <dgm:cxn modelId="{A9743604-849E-49BB-8C6F-C34B9E88E3D9}" type="presOf" srcId="{5853F619-8DC9-436B-8E11-C9FD23D07DAE}" destId="{4FA728B2-2DD0-4CBF-8B93-ED144C587239}" srcOrd="0" destOrd="1" presId="urn:microsoft.com/office/officeart/2005/8/layout/process1"/>
-    <dgm:cxn modelId="{F4DDAF3F-5E46-482E-8CF2-EF1F7588499E}" type="presOf" srcId="{95688153-12E5-4B53-9534-465A3E2A3D80}" destId="{0C26EF83-EE06-4388-8E51-072B950FC370}" srcOrd="0" destOrd="0" presId="urn:microsoft.com/office/officeart/2005/8/layout/process1"/>
-    <dgm:cxn modelId="{9619D65B-4A3C-438D-99A9-89018462ADBD}" type="presOf" srcId="{BE15B4D9-4D9F-4B6C-BB25-2E4D5A0763FC}" destId="{898704EB-BD19-43D6-9416-5A4C4DD2EBE3}" srcOrd="0" destOrd="0" presId="urn:microsoft.com/office/officeart/2005/8/layout/process1"/>
-    <dgm:cxn modelId="{47CA3861-A76F-4381-9204-B450E1174738}" type="presOf" srcId="{8266E8FE-FB4C-49E9-A934-077D0524F822}" destId="{898704EB-BD19-43D6-9416-5A4C4DD2EBE3}" srcOrd="0" destOrd="1" presId="urn:microsoft.com/office/officeart/2005/8/layout/process1"/>
-    <dgm:cxn modelId="{25818F62-C2EB-4788-A879-234EC7943B62}" type="presOf" srcId="{91AA3F8D-51C3-426A-98B5-C130BC1FEB40}" destId="{898704EB-BD19-43D6-9416-5A4C4DD2EBE3}" srcOrd="0" destOrd="2" presId="urn:microsoft.com/office/officeart/2005/8/layout/process1"/>
+    <dgm:cxn modelId="{DBDA7903-0188-47D2-B661-96246BB81EC7}" type="presOf" srcId="{667C827E-1C1B-45F2-BD4B-CA959CD71BF4}" destId="{CC50AB37-7AC7-4D84-AA8D-81BEEB2A9BF4}" srcOrd="0" destOrd="0" presId="urn:microsoft.com/office/officeart/2005/8/layout/StepDownProcess"/>
+    <dgm:cxn modelId="{1B39E208-4A30-4D80-8944-AFFD65D663EB}" type="presOf" srcId="{3D05F445-3CB8-4EB3-80D6-2BAAD89648B3}" destId="{838C86B7-346C-455B-A0C6-FAC8E91227F7}" srcOrd="0" destOrd="1" presId="urn:microsoft.com/office/officeart/2005/8/layout/StepDownProcess"/>
+    <dgm:cxn modelId="{F1A51116-3E1E-42DA-9792-0E75572A5D36}" type="presOf" srcId="{925D583C-022A-4244-850F-B8F7C6118166}" destId="{75A80786-5737-45CE-9D5B-4C8D2E83470E}" srcOrd="0" destOrd="0" presId="urn:microsoft.com/office/officeart/2005/8/layout/StepDownProcess"/>
+    <dgm:cxn modelId="{EEA45A1C-38D7-4063-BD55-533FBFB8E8D3}" type="presOf" srcId="{B33BE411-AA1B-442D-B86C-3F75C7285AF3}" destId="{FBEA8DDA-7198-431F-94C1-945A43A02079}" srcOrd="0" destOrd="1" presId="urn:microsoft.com/office/officeart/2005/8/layout/StepDownProcess"/>
+    <dgm:cxn modelId="{E4C2D92B-7C4E-49F8-9ACA-F518809B7D7D}" type="presOf" srcId="{4363289E-5493-40CE-941B-E2388F922507}" destId="{838C86B7-346C-455B-A0C6-FAC8E91227F7}" srcOrd="0" destOrd="0" presId="urn:microsoft.com/office/officeart/2005/8/layout/StepDownProcess"/>
+    <dgm:cxn modelId="{82E96767-FEA7-469A-BE64-467DFAFD6AFB}" srcId="{925D583C-022A-4244-850F-B8F7C6118166}" destId="{0899F708-C238-4437-BBEF-68D782447244}" srcOrd="2" destOrd="0" parTransId="{0DCF0A4B-D215-4E6A-A81E-4978864D8FBB}" sibTransId="{08CB19EA-1D50-4DAB-9FE6-5BEFA2828452}"/>
+    <dgm:cxn modelId="{778D5D49-4510-4DE3-BB94-AB056B0EB7D7}" type="presOf" srcId="{D42B391E-2F17-4A0F-BCD0-9CE2568AC49C}" destId="{FBEA8DDA-7198-431F-94C1-945A43A02079}" srcOrd="0" destOrd="0" presId="urn:microsoft.com/office/officeart/2005/8/layout/StepDownProcess"/>
     <dgm:cxn modelId="{1C03A16E-BAD5-47D9-BB7F-A891320073D8}" srcId="{95688153-12E5-4B53-9534-465A3E2A3D80}" destId="{BE15B4D9-4D9F-4B6C-BB25-2E4D5A0763FC}" srcOrd="0" destOrd="0" parTransId="{FFB9280D-5D2A-4B5C-B418-3D6A63A508CE}" sibTransId="{121EF360-422C-4992-8539-8DDDAD51F1ED}"/>
     <dgm:cxn modelId="{FED43A54-CC1D-4582-B9A4-3FC229EB112A}" srcId="{95688153-12E5-4B53-9534-465A3E2A3D80}" destId="{EB463AC6-F5F4-4A89-B8FA-46DA14B9F8C4}" srcOrd="1" destOrd="0" parTransId="{9FA95C18-28AC-4CC3-873E-565089AE270A}" sibTransId="{9869A301-24B0-4555-A07A-F2E8AA32ABA0}"/>
-    <dgm:cxn modelId="{88D9B281-16F3-49CB-9E57-B3ACBC27D89E}" srcId="{8266E8FE-FB4C-49E9-A934-077D0524F822}" destId="{91AA3F8D-51C3-426A-98B5-C130BC1FEB40}" srcOrd="0" destOrd="0" parTransId="{A837E3E8-4452-4623-A91A-5A4AA6AC81AE}" sibTransId="{84962966-F83F-49AA-8B93-F0D87C9898F9}"/>
-    <dgm:cxn modelId="{768736A1-01C1-4C9A-B068-7122AE5EDD27}" srcId="{BE15B4D9-4D9F-4B6C-BB25-2E4D5A0763FC}" destId="{8266E8FE-FB4C-49E9-A934-077D0524F822}" srcOrd="0" destOrd="0" parTransId="{982F2C44-2774-4D5C-949B-FF47BAAB873C}" sibTransId="{0C552520-CCAF-43A0-91B5-C749143B69E0}"/>
-    <dgm:cxn modelId="{C82DCEA8-3B0F-4F1E-820D-746FAC7BD8B2}" type="presOf" srcId="{121EF360-422C-4992-8539-8DDDAD51F1ED}" destId="{F9B2EADC-8DD4-4B6D-8FD2-5D623DDC9F0A}" srcOrd="1" destOrd="0" presId="urn:microsoft.com/office/officeart/2005/8/layout/process1"/>
-    <dgm:cxn modelId="{46EA7EB5-F87D-4315-824D-6A44E9B5A476}" type="presOf" srcId="{121EF360-422C-4992-8539-8DDDAD51F1ED}" destId="{266D3A7D-9634-4A9D-8F79-812E7990158D}" srcOrd="0" destOrd="0" presId="urn:microsoft.com/office/officeart/2005/8/layout/process1"/>
-    <dgm:cxn modelId="{3D3976E1-7460-4B69-AD6A-3D0E20DE7C1E}" type="presOf" srcId="{EB463AC6-F5F4-4A89-B8FA-46DA14B9F8C4}" destId="{4FA728B2-2DD0-4CBF-8B93-ED144C587239}" srcOrd="0" destOrd="0" presId="urn:microsoft.com/office/officeart/2005/8/layout/process1"/>
-    <dgm:cxn modelId="{C29D6EF8-B0EF-4CD8-9A4F-44D029937119}" srcId="{EB463AC6-F5F4-4A89-B8FA-46DA14B9F8C4}" destId="{5853F619-8DC9-436B-8E11-C9FD23D07DAE}" srcOrd="0" destOrd="0" parTransId="{B211865E-4F6F-423C-9550-D82ADAF9586E}" sibTransId="{A1925149-0DCB-4CDA-9778-F7DF848C2392}"/>
-    <dgm:cxn modelId="{16208687-F1CF-4200-9986-5E9C42FD1D0E}" type="presParOf" srcId="{0C26EF83-EE06-4388-8E51-072B950FC370}" destId="{898704EB-BD19-43D6-9416-5A4C4DD2EBE3}" srcOrd="0" destOrd="0" presId="urn:microsoft.com/office/officeart/2005/8/layout/process1"/>
-    <dgm:cxn modelId="{9C647603-E916-4DC3-99DF-61B65125D978}" type="presParOf" srcId="{0C26EF83-EE06-4388-8E51-072B950FC370}" destId="{266D3A7D-9634-4A9D-8F79-812E7990158D}" srcOrd="1" destOrd="0" presId="urn:microsoft.com/office/officeart/2005/8/layout/process1"/>
-    <dgm:cxn modelId="{E9522AB6-74DB-442C-AD14-E093559EACE9}" type="presParOf" srcId="{266D3A7D-9634-4A9D-8F79-812E7990158D}" destId="{F9B2EADC-8DD4-4B6D-8FD2-5D623DDC9F0A}" srcOrd="0" destOrd="0" presId="urn:microsoft.com/office/officeart/2005/8/layout/process1"/>
-    <dgm:cxn modelId="{DBD43E5F-C6C5-4AD8-B2C0-79659E3DE8D9}" type="presParOf" srcId="{0C26EF83-EE06-4388-8E51-072B950FC370}" destId="{4FA728B2-2DD0-4CBF-8B93-ED144C587239}" srcOrd="2" destOrd="0" presId="urn:microsoft.com/office/officeart/2005/8/layout/process1"/>
+    <dgm:cxn modelId="{6CE42275-6D1A-4BF3-88A4-024BB6B298D5}" srcId="{925D583C-022A-4244-850F-B8F7C6118166}" destId="{C0B7CE98-335F-4894-B2B0-98BA5252B86C}" srcOrd="1" destOrd="0" parTransId="{E93F281E-49C0-49A6-91BD-90FAC779F16E}" sibTransId="{E4B39B3F-C2B0-4681-B7BB-1D215800E032}"/>
+    <dgm:cxn modelId="{E8B5BE80-E528-451D-99E1-1A1B5D5A7BA1}" srcId="{EB463AC6-F5F4-4A89-B8FA-46DA14B9F8C4}" destId="{B33BE411-AA1B-442D-B86C-3F75C7285AF3}" srcOrd="1" destOrd="0" parTransId="{E8454A3A-0D74-4CAD-840F-4AABFE06BE7A}" sibTransId="{56840CE3-AB55-4978-8E29-EFBA7B464D41}"/>
+    <dgm:cxn modelId="{D0771791-2A62-4583-96C2-FCFE0A3A7CF9}" type="presOf" srcId="{BE15B4D9-4D9F-4B6C-BB25-2E4D5A0763FC}" destId="{DB3D2C6F-F15D-43AC-AAA9-AAF86BF6C0FD}" srcOrd="0" destOrd="0" presId="urn:microsoft.com/office/officeart/2005/8/layout/StepDownProcess"/>
+    <dgm:cxn modelId="{F8BD7D96-B74A-4D03-B699-D348B6E19EE0}" srcId="{BE15B4D9-4D9F-4B6C-BB25-2E4D5A0763FC}" destId="{4363289E-5493-40CE-941B-E2388F922507}" srcOrd="0" destOrd="0" parTransId="{C9C6987B-726E-43BA-9D51-CF36AECFDCA0}" sibTransId="{ABFEE239-A3D8-47B3-A7AE-7CD168E840EA}"/>
+    <dgm:cxn modelId="{9191C49C-040F-48FD-9992-D8B378193764}" type="presOf" srcId="{C0B7CE98-335F-4894-B2B0-98BA5252B86C}" destId="{CC50AB37-7AC7-4D84-AA8D-81BEEB2A9BF4}" srcOrd="0" destOrd="1" presId="urn:microsoft.com/office/officeart/2005/8/layout/StepDownProcess"/>
+    <dgm:cxn modelId="{FC9B069D-FF67-415B-9227-2F6E11008E05}" srcId="{EB463AC6-F5F4-4A89-B8FA-46DA14B9F8C4}" destId="{D42B391E-2F17-4A0F-BCD0-9CE2568AC49C}" srcOrd="0" destOrd="0" parTransId="{518F7CFC-D84E-4BDF-862A-62A0C33C8EB0}" sibTransId="{3E8A1B56-1E1F-4635-AE9F-0EFBD7525A1F}"/>
+    <dgm:cxn modelId="{9E063DB2-EE32-4564-801A-AD74B2EB6594}" type="presOf" srcId="{0899F708-C238-4437-BBEF-68D782447244}" destId="{CC50AB37-7AC7-4D84-AA8D-81BEEB2A9BF4}" srcOrd="0" destOrd="2" presId="urn:microsoft.com/office/officeart/2005/8/layout/StepDownProcess"/>
+    <dgm:cxn modelId="{8F4454BD-023A-4384-99D0-08DBFFFBE869}" srcId="{95688153-12E5-4B53-9534-465A3E2A3D80}" destId="{925D583C-022A-4244-850F-B8F7C6118166}" srcOrd="2" destOrd="0" parTransId="{7019DF2B-B507-4C18-96F2-FA0E6E65A96C}" sibTransId="{CFCECACE-C40D-4726-B36D-BEF829F0EEC9}"/>
+    <dgm:cxn modelId="{3080F4BF-FDC0-430B-A0DC-7BF4E4CE9FB5}" type="presOf" srcId="{95688153-12E5-4B53-9534-465A3E2A3D80}" destId="{542AA996-1524-4B2D-B04A-D5754BBDD601}" srcOrd="0" destOrd="0" presId="urn:microsoft.com/office/officeart/2005/8/layout/StepDownProcess"/>
+    <dgm:cxn modelId="{DC8A8BC9-C084-40D5-8A04-7DEC8F68451C}" srcId="{BE15B4D9-4D9F-4B6C-BB25-2E4D5A0763FC}" destId="{3D05F445-3CB8-4EB3-80D6-2BAAD89648B3}" srcOrd="1" destOrd="0" parTransId="{675AC25C-4480-4EE1-A279-262CA849D171}" sibTransId="{C58E32EA-D76A-4DBB-B5A9-25E3767D81CD}"/>
+    <dgm:cxn modelId="{3555D5DD-251B-4683-8E05-12C6BE85D163}" type="presOf" srcId="{EB463AC6-F5F4-4A89-B8FA-46DA14B9F8C4}" destId="{C302FD57-0314-4627-8308-87B1DAFD3A40}" srcOrd="0" destOrd="0" presId="urn:microsoft.com/office/officeart/2005/8/layout/StepDownProcess"/>
+    <dgm:cxn modelId="{4DBB9DF0-0556-4A23-8B8E-3EC31D53C006}" srcId="{925D583C-022A-4244-850F-B8F7C6118166}" destId="{667C827E-1C1B-45F2-BD4B-CA959CD71BF4}" srcOrd="0" destOrd="0" parTransId="{28E3EF94-7E2D-48E0-822F-CD63359EB642}" sibTransId="{8CA0683A-ACED-4FA8-95A2-331F5C4ED053}"/>
+    <dgm:cxn modelId="{C1DF9008-2963-4058-82F9-49BE4CA1E93E}" type="presParOf" srcId="{542AA996-1524-4B2D-B04A-D5754BBDD601}" destId="{2492C584-DBF6-41E8-8B3F-48903EEC65FC}" srcOrd="0" destOrd="0" presId="urn:microsoft.com/office/officeart/2005/8/layout/StepDownProcess"/>
+    <dgm:cxn modelId="{1B615D7A-6B8D-4986-B760-DE431C19C381}" type="presParOf" srcId="{2492C584-DBF6-41E8-8B3F-48903EEC65FC}" destId="{76DE8E18-1357-490C-85B9-B31477A55B30}" srcOrd="0" destOrd="0" presId="urn:microsoft.com/office/officeart/2005/8/layout/StepDownProcess"/>
+    <dgm:cxn modelId="{47CF271B-DB49-4415-95B0-97B166AD9920}" type="presParOf" srcId="{2492C584-DBF6-41E8-8B3F-48903EEC65FC}" destId="{DB3D2C6F-F15D-43AC-AAA9-AAF86BF6C0FD}" srcOrd="1" destOrd="0" presId="urn:microsoft.com/office/officeart/2005/8/layout/StepDownProcess"/>
+    <dgm:cxn modelId="{E4ABABB4-0D97-4CEE-89A7-E3D817DDF58A}" type="presParOf" srcId="{2492C584-DBF6-41E8-8B3F-48903EEC65FC}" destId="{838C86B7-346C-455B-A0C6-FAC8E91227F7}" srcOrd="2" destOrd="0" presId="urn:microsoft.com/office/officeart/2005/8/layout/StepDownProcess"/>
+    <dgm:cxn modelId="{32B6B066-52E5-4D52-887C-E5109FEA22B6}" type="presParOf" srcId="{542AA996-1524-4B2D-B04A-D5754BBDD601}" destId="{C8840425-1575-4CDA-8D5F-BA7BC836E215}" srcOrd="1" destOrd="0" presId="urn:microsoft.com/office/officeart/2005/8/layout/StepDownProcess"/>
+    <dgm:cxn modelId="{B33781A7-B2CE-4336-AB84-E5BFDB299BFC}" type="presParOf" srcId="{542AA996-1524-4B2D-B04A-D5754BBDD601}" destId="{FBDBB9E3-D5D3-4CAE-9DD5-4EC05013943C}" srcOrd="2" destOrd="0" presId="urn:microsoft.com/office/officeart/2005/8/layout/StepDownProcess"/>
+    <dgm:cxn modelId="{364818E0-C461-4952-8582-7FB2D572C457}" type="presParOf" srcId="{FBDBB9E3-D5D3-4CAE-9DD5-4EC05013943C}" destId="{35D16C82-95FB-4023-86F5-FE25EE7825D3}" srcOrd="0" destOrd="0" presId="urn:microsoft.com/office/officeart/2005/8/layout/StepDownProcess"/>
+    <dgm:cxn modelId="{7EED0F5A-8560-455A-A663-C6C1A2425FBF}" type="presParOf" srcId="{FBDBB9E3-D5D3-4CAE-9DD5-4EC05013943C}" destId="{C302FD57-0314-4627-8308-87B1DAFD3A40}" srcOrd="1" destOrd="0" presId="urn:microsoft.com/office/officeart/2005/8/layout/StepDownProcess"/>
+    <dgm:cxn modelId="{EA4A2B3F-3C52-4956-9039-34C52AAFB888}" type="presParOf" srcId="{FBDBB9E3-D5D3-4CAE-9DD5-4EC05013943C}" destId="{FBEA8DDA-7198-431F-94C1-945A43A02079}" srcOrd="2" destOrd="0" presId="urn:microsoft.com/office/officeart/2005/8/layout/StepDownProcess"/>
+    <dgm:cxn modelId="{9C2F02C7-D97E-44BF-B9D0-3A5096A4B20A}" type="presParOf" srcId="{542AA996-1524-4B2D-B04A-D5754BBDD601}" destId="{F5D060A5-C2C2-4892-AD46-3DA981CAB253}" srcOrd="3" destOrd="0" presId="urn:microsoft.com/office/officeart/2005/8/layout/StepDownProcess"/>
+    <dgm:cxn modelId="{B77CE379-823E-445C-897D-8C16D4B541C2}" type="presParOf" srcId="{542AA996-1524-4B2D-B04A-D5754BBDD601}" destId="{6BFC073F-7196-4625-9509-681A37561799}" srcOrd="4" destOrd="0" presId="urn:microsoft.com/office/officeart/2005/8/layout/StepDownProcess"/>
+    <dgm:cxn modelId="{299A4C4D-3DFA-4764-B664-7F6DB9F5893C}" type="presParOf" srcId="{6BFC073F-7196-4625-9509-681A37561799}" destId="{75A80786-5737-45CE-9D5B-4C8D2E83470E}" srcOrd="0" destOrd="0" presId="urn:microsoft.com/office/officeart/2005/8/layout/StepDownProcess"/>
+    <dgm:cxn modelId="{C0E33FDB-204A-4FE2-8B59-12EDE4FC15F7}" type="presParOf" srcId="{6BFC073F-7196-4625-9509-681A37561799}" destId="{CC50AB37-7AC7-4D84-AA8D-81BEEB2A9BF4}" srcOrd="1" destOrd="0" presId="urn:microsoft.com/office/officeart/2005/8/layout/StepDownProcess"/>
   </dgm:cxnLst>
   <dgm:bg/>
   <dgm:whole/>
@@ -2106,23 +2522,75 @@
       <dsp:cNvGrpSpPr/>
     </dsp:nvGrpSpPr>
     <dsp:grpSpPr/>
-    <dsp:sp modelId="{898704EB-BD19-43D6-9416-5A4C4DD2EBE3}">
+    <dsp:sp modelId="{76DE8E18-1357-490C-85B9-B31477A55B30}">
+      <dsp:nvSpPr>
+        <dsp:cNvPr id="0" name=""/>
+        <dsp:cNvSpPr/>
+      </dsp:nvSpPr>
+      <dsp:spPr>
+        <a:xfrm rot="5400000">
+          <a:off x="582935" y="1148244"/>
+          <a:ext cx="1097644" cy="1435336"/>
+        </a:xfrm>
+        <a:prstGeom prst="bentUpArrow">
+          <a:avLst>
+            <a:gd name="adj1" fmla="val 32840"/>
+            <a:gd name="adj2" fmla="val 25000"/>
+            <a:gd name="adj3" fmla="val 35780"/>
+          </a:avLst>
+        </a:prstGeom>
+        <a:solidFill>
+          <a:schemeClr val="accent4">
+            <a:tint val="50000"/>
+            <a:hueOff val="0"/>
+            <a:satOff val="0"/>
+            <a:lumOff val="0"/>
+            <a:alphaOff val="0"/>
+          </a:schemeClr>
+        </a:solidFill>
+        <a:ln w="25400" cap="flat" cmpd="sng" algn="ctr">
+          <a:solidFill>
+            <a:schemeClr val="lt1">
+              <a:hueOff val="0"/>
+              <a:satOff val="0"/>
+              <a:lumOff val="0"/>
+              <a:alphaOff val="0"/>
+            </a:schemeClr>
+          </a:solidFill>
+          <a:prstDash val="solid"/>
+        </a:ln>
+        <a:effectLst/>
+      </dsp:spPr>
+      <dsp:style>
+        <a:lnRef idx="2">
+          <a:scrgbClr r="0" g="0" b="0"/>
+        </a:lnRef>
+        <a:fillRef idx="1">
+          <a:scrgbClr r="0" g="0" b="0"/>
+        </a:fillRef>
+        <a:effectRef idx="0">
+          <a:scrgbClr r="0" g="0" b="0"/>
+        </a:effectRef>
+        <a:fontRef idx="minor"/>
+      </dsp:style>
+    </dsp:sp>
+    <dsp:sp modelId="{DB3D2C6F-F15D-43AC-AAA9-AAF86BF6C0FD}">
       <dsp:nvSpPr>
         <dsp:cNvPr id="0" name=""/>
         <dsp:cNvSpPr/>
       </dsp:nvSpPr>
       <dsp:spPr>
         <a:xfrm>
-          <a:off x="1598" y="862707"/>
-          <a:ext cx="3408092" cy="2044855"/>
+          <a:off x="142640" y="24337"/>
+          <a:ext cx="2627996" cy="1293390"/>
         </a:xfrm>
         <a:prstGeom prst="roundRect">
           <a:avLst>
-            <a:gd name="adj" fmla="val 10000"/>
+            <a:gd name="adj" fmla="val 16670"/>
           </a:avLst>
         </a:prstGeom>
         <a:solidFill>
-          <a:schemeClr val="accent1">
+          <a:schemeClr val="accent4">
             <a:hueOff val="0"/>
             <a:satOff val="0"/>
             <a:lumOff val="0"/>
@@ -2157,12 +2625,12 @@
         </a:fontRef>
       </dsp:style>
       <dsp:txBody>
-        <a:bodyPr spcFirstLastPara="0" vert="horz" wrap="square" lIns="72390" tIns="72390" rIns="72390" bIns="72390" numCol="1" spcCol="1270" anchor="t" anchorCtr="0">
+        <a:bodyPr spcFirstLastPara="0" vert="horz" wrap="square" lIns="68580" tIns="68580" rIns="68580" bIns="68580" numCol="1" spcCol="1270" anchor="ctr" anchorCtr="0">
           <a:noAutofit/>
         </a:bodyPr>
         <a:lstStyle/>
         <a:p>
-          <a:pPr marL="0" lvl="0" indent="0" algn="ctr" defTabSz="844550">
+          <a:pPr marL="0" lvl="0" indent="0" algn="ctr" defTabSz="800100">
             <a:lnSpc>
               <a:spcPct val="90000"/>
             </a:lnSpc>
@@ -2175,19 +2643,78 @@
             <a:buNone/>
           </a:pPr>
           <a:r>
-            <a:rPr lang="fr-FR" sz="1900" b="1" i="0" kern="1200" dirty="0">
+            <a:rPr lang="fr-FR" sz="1800" b="1" i="0" kern="1200" dirty="0">
               <a:latin typeface="Inter" panose="020B0604020202020204" charset="0"/>
               <a:ea typeface="Inter" panose="020B0604020202020204" charset="0"/>
             </a:rPr>
-            <a:t>Etape 1</a:t>
+            <a:t>Etape 1 </a:t>
           </a:r>
-          <a:endParaRPr lang="fr-FR" sz="1900" b="1" kern="1200" dirty="0">
-            <a:latin typeface="Inter" panose="020B0604020202020204" charset="0"/>
-            <a:ea typeface="Inter" panose="020B0604020202020204" charset="0"/>
-          </a:endParaRPr>
+          <a:r>
+            <a:rPr lang="fr-FR" sz="1800" b="0" i="0" kern="1200" dirty="0">
+              <a:latin typeface="Inter" panose="020B0604020202020204" charset="0"/>
+              <a:ea typeface="Inter" panose="020B0604020202020204" charset="0"/>
+            </a:rPr>
+            <a:t>Nettoyage des textes bruts avec </a:t>
+          </a:r>
+          <a:r>
+            <a:rPr lang="fr-FR" sz="1800" b="0" kern="1200" dirty="0" err="1">
+              <a:latin typeface="Inter" panose="020B0604020202020204" charset="0"/>
+              <a:ea typeface="Inter" panose="020B0604020202020204" charset="0"/>
+            </a:rPr>
+            <a:t>regular</a:t>
+          </a:r>
+          <a:r>
+            <a:rPr lang="fr-FR" sz="1800" b="0" kern="1200" dirty="0">
+              <a:latin typeface="Inter" panose="020B0604020202020204" charset="0"/>
+              <a:ea typeface="Inter" panose="020B0604020202020204" charset="0"/>
+            </a:rPr>
+            <a:t> expression </a:t>
+          </a:r>
         </a:p>
+      </dsp:txBody>
+      <dsp:txXfrm>
+        <a:off x="205789" y="87486"/>
+        <a:ext cx="2501698" cy="1167092"/>
+      </dsp:txXfrm>
+    </dsp:sp>
+    <dsp:sp modelId="{838C86B7-346C-455B-A0C6-FAC8E91227F7}">
+      <dsp:nvSpPr>
+        <dsp:cNvPr id="0" name=""/>
+        <dsp:cNvSpPr/>
+      </dsp:nvSpPr>
+      <dsp:spPr>
+        <a:xfrm>
+          <a:off x="2757690" y="165097"/>
+          <a:ext cx="2954546" cy="1010564"/>
+        </a:xfrm>
+        <a:prstGeom prst="rect">
+          <a:avLst/>
+        </a:prstGeom>
+        <a:noFill/>
+        <a:ln>
+          <a:noFill/>
+        </a:ln>
+        <a:effectLst/>
+      </dsp:spPr>
+      <dsp:style>
+        <a:lnRef idx="0">
+          <a:scrgbClr r="0" g="0" b="0"/>
+        </a:lnRef>
+        <a:fillRef idx="0">
+          <a:scrgbClr r="0" g="0" b="0"/>
+        </a:fillRef>
+        <a:effectRef idx="0">
+          <a:scrgbClr r="0" g="0" b="0"/>
+        </a:effectRef>
+        <a:fontRef idx="minor"/>
+      </dsp:style>
+      <dsp:txBody>
+        <a:bodyPr spcFirstLastPara="0" vert="horz" wrap="square" lIns="45720" tIns="45720" rIns="45720" bIns="45720" numCol="1" spcCol="1270" anchor="ctr" anchorCtr="0">
+          <a:noAutofit/>
+        </a:bodyPr>
+        <a:lstStyle/>
         <a:p>
-          <a:pPr marL="114300" lvl="1" indent="-114300" algn="ctr" defTabSz="666750">
+          <a:pPr marL="114300" lvl="1" indent="-114300" algn="l" defTabSz="533400">
             <a:lnSpc>
               <a:spcPct val="90000"/>
             </a:lnSpc>
@@ -2197,32 +2724,19 @@
             <a:spcAft>
               <a:spcPct val="15000"/>
             </a:spcAft>
+            <a:buFont typeface="Arial" panose="020B0604020202020204" pitchFamily="34" charset="0"/>
             <a:buChar char="•"/>
           </a:pPr>
           <a:r>
-            <a:rPr lang="fr-FR" sz="1500" kern="1200" dirty="0">
+            <a:rPr lang="fr-FR" sz="1200" b="0" i="0" kern="1200" dirty="0">
               <a:latin typeface="Inter" panose="020B0604020202020204" charset="0"/>
               <a:ea typeface="Inter" panose="020B0604020202020204" charset="0"/>
             </a:rPr>
-            <a:t>Préparation des textes avec </a:t>
-          </a:r>
-          <a:r>
-            <a:rPr lang="fr-FR" sz="1500" kern="1200" dirty="0" err="1">
-              <a:latin typeface="Inter" panose="020B0604020202020204" charset="0"/>
-              <a:ea typeface="Inter" panose="020B0604020202020204" charset="0"/>
-            </a:rPr>
-            <a:t>regular</a:t>
-          </a:r>
-          <a:r>
-            <a:rPr lang="fr-FR" sz="1500" kern="1200" dirty="0">
-              <a:latin typeface="Inter" panose="020B0604020202020204" charset="0"/>
-              <a:ea typeface="Inter" panose="020B0604020202020204" charset="0"/>
-            </a:rPr>
-            <a:t> expression </a:t>
+            <a:t>Mise en minuscules,</a:t>
           </a:r>
         </a:p>
         <a:p>
-          <a:pPr marL="228600" lvl="2" indent="-114300" algn="ctr" defTabSz="666750">
+          <a:pPr marL="114300" lvl="1" indent="-114300" algn="l" defTabSz="533400">
             <a:lnSpc>
               <a:spcPct val="90000"/>
             </a:lnSpc>
@@ -2232,54 +2746,64 @@
             <a:spcAft>
               <a:spcPct val="15000"/>
             </a:spcAft>
+            <a:buFont typeface="Arial" panose="020B0604020202020204" pitchFamily="34" charset="0"/>
             <a:buChar char="•"/>
           </a:pPr>
           <a:r>
-            <a:rPr lang="fr-FR" sz="1500" kern="1200" dirty="0">
+            <a:rPr lang="fr-FR" sz="1200" b="0" i="0" kern="1200" dirty="0">
               <a:latin typeface="Inter" panose="020B0604020202020204" charset="0"/>
               <a:ea typeface="Inter" panose="020B0604020202020204" charset="0"/>
             </a:rPr>
-            <a:t>Retrait des ponctuations, conservation uniquement des caractères alphabétiques, mise en minuscules</a:t>
+            <a:t>Suppression des chiffres, ponctuation et espaces multiples</a:t>
           </a:r>
         </a:p>
       </dsp:txBody>
       <dsp:txXfrm>
-        <a:off x="61490" y="922599"/>
-        <a:ext cx="3288308" cy="1925071"/>
+        <a:off x="2757690" y="165097"/>
+        <a:ext cx="2954546" cy="1010564"/>
       </dsp:txXfrm>
     </dsp:sp>
-    <dsp:sp modelId="{266D3A7D-9634-4A9D-8F79-812E7990158D}">
+    <dsp:sp modelId="{35D16C82-95FB-4023-86F5-FE25EE7825D3}">
       <dsp:nvSpPr>
         <dsp:cNvPr id="0" name=""/>
         <dsp:cNvSpPr/>
       </dsp:nvSpPr>
       <dsp:spPr>
-        <a:xfrm>
-          <a:off x="3750500" y="1462531"/>
-          <a:ext cx="722515" cy="845207"/>
+        <a:xfrm rot="5400000">
+          <a:off x="2458607" y="2574783"/>
+          <a:ext cx="1097644" cy="1465302"/>
         </a:xfrm>
-        <a:prstGeom prst="rightArrow">
+        <a:prstGeom prst="bentUpArrow">
           <a:avLst>
-            <a:gd name="adj1" fmla="val 60000"/>
-            <a:gd name="adj2" fmla="val 50000"/>
+            <a:gd name="adj1" fmla="val 32840"/>
+            <a:gd name="adj2" fmla="val 25000"/>
+            <a:gd name="adj3" fmla="val 35780"/>
           </a:avLst>
         </a:prstGeom>
         <a:solidFill>
-          <a:schemeClr val="accent1">
-            <a:tint val="60000"/>
-            <a:hueOff val="0"/>
-            <a:satOff val="0"/>
-            <a:lumOff val="0"/>
+          <a:schemeClr val="accent4">
+            <a:tint val="50000"/>
+            <a:hueOff val="9988581"/>
+            <a:satOff val="-74839"/>
+            <a:lumOff val="4916"/>
             <a:alphaOff val="0"/>
           </a:schemeClr>
         </a:solidFill>
-        <a:ln>
-          <a:noFill/>
+        <a:ln w="25400" cap="flat" cmpd="sng" algn="ctr">
+          <a:solidFill>
+            <a:schemeClr val="lt1">
+              <a:hueOff val="0"/>
+              <a:satOff val="0"/>
+              <a:lumOff val="0"/>
+              <a:alphaOff val="0"/>
+            </a:schemeClr>
+          </a:solidFill>
+          <a:prstDash val="solid"/>
         </a:ln>
         <a:effectLst/>
       </dsp:spPr>
       <dsp:style>
-        <a:lnRef idx="0">
+        <a:lnRef idx="2">
           <a:scrgbClr r="0" g="0" b="0"/>
         </a:lnRef>
         <a:fillRef idx="1">
@@ -2288,56 +2812,29 @@
         <a:effectRef idx="0">
           <a:scrgbClr r="0" g="0" b="0"/>
         </a:effectRef>
-        <a:fontRef idx="minor">
-          <a:schemeClr val="lt1"/>
-        </a:fontRef>
+        <a:fontRef idx="minor"/>
       </dsp:style>
-      <dsp:txBody>
-        <a:bodyPr spcFirstLastPara="0" vert="horz" wrap="square" lIns="0" tIns="0" rIns="0" bIns="0" numCol="1" spcCol="1270" anchor="ctr" anchorCtr="0">
-          <a:noAutofit/>
-        </a:bodyPr>
-        <a:lstStyle/>
-        <a:p>
-          <a:pPr marL="0" lvl="0" indent="0" algn="ctr" defTabSz="666750">
-            <a:lnSpc>
-              <a:spcPct val="90000"/>
-            </a:lnSpc>
-            <a:spcBef>
-              <a:spcPct val="0"/>
-            </a:spcBef>
-            <a:spcAft>
-              <a:spcPct val="35000"/>
-            </a:spcAft>
-            <a:buNone/>
-          </a:pPr>
-          <a:endParaRPr lang="fr-FR" sz="1500" kern="1200"/>
-        </a:p>
-      </dsp:txBody>
-      <dsp:txXfrm>
-        <a:off x="3750500" y="1631572"/>
-        <a:ext cx="505761" cy="507125"/>
-      </dsp:txXfrm>
     </dsp:sp>
-    <dsp:sp modelId="{4FA728B2-2DD0-4CBF-8B93-ED144C587239}">
+    <dsp:sp modelId="{C302FD57-0314-4627-8308-87B1DAFD3A40}">
       <dsp:nvSpPr>
         <dsp:cNvPr id="0" name=""/>
         <dsp:cNvSpPr/>
       </dsp:nvSpPr>
       <dsp:spPr>
         <a:xfrm>
-          <a:off x="4772928" y="862707"/>
-          <a:ext cx="3408092" cy="2044855"/>
+          <a:off x="2042243" y="1477242"/>
+          <a:ext cx="2627996" cy="1293390"/>
         </a:xfrm>
         <a:prstGeom prst="roundRect">
           <a:avLst>
-            <a:gd name="adj" fmla="val 10000"/>
+            <a:gd name="adj" fmla="val 16670"/>
           </a:avLst>
         </a:prstGeom>
         <a:solidFill>
-          <a:schemeClr val="accent1">
-            <a:hueOff val="0"/>
+          <a:schemeClr val="accent4">
+            <a:hueOff val="4564078"/>
             <a:satOff val="0"/>
-            <a:lumOff val="0"/>
+            <a:lumOff val="-14902"/>
             <a:alphaOff val="0"/>
           </a:schemeClr>
         </a:solidFill>
@@ -2369,12 +2866,12 @@
         </a:fontRef>
       </dsp:style>
       <dsp:txBody>
-        <a:bodyPr spcFirstLastPara="0" vert="horz" wrap="square" lIns="72390" tIns="72390" rIns="72390" bIns="72390" numCol="1" spcCol="1270" anchor="t" anchorCtr="0">
+        <a:bodyPr spcFirstLastPara="0" vert="horz" wrap="square" lIns="68580" tIns="68580" rIns="68580" bIns="68580" numCol="1" spcCol="1270" anchor="ctr" anchorCtr="0">
           <a:noAutofit/>
         </a:bodyPr>
         <a:lstStyle/>
         <a:p>
-          <a:pPr marL="0" lvl="0" indent="0" algn="ctr" defTabSz="844550">
+          <a:pPr marL="0" lvl="0" indent="0" algn="ctr" defTabSz="800100">
             <a:lnSpc>
               <a:spcPct val="90000"/>
             </a:lnSpc>
@@ -2387,15 +2884,82 @@
             <a:buNone/>
           </a:pPr>
           <a:r>
-            <a:rPr lang="fr-FR" sz="1900" kern="1200" dirty="0">
+            <a:rPr lang="fr-FR" sz="1800" b="1" kern="1200" dirty="0">
               <a:latin typeface="Inter" panose="020B0604020202020204" charset="0"/>
               <a:ea typeface="Inter" panose="020B0604020202020204" charset="0"/>
             </a:rPr>
             <a:t>Etape 2 </a:t>
           </a:r>
+          <a:r>
+            <a:rPr lang="fr-FR" sz="1800" b="0" i="0" kern="1200" dirty="0">
+              <a:latin typeface="Inter" panose="020B0604020202020204" charset="0"/>
+              <a:ea typeface="Inter" panose="020B0604020202020204" charset="0"/>
+            </a:rPr>
+            <a:t>Traitement linguistique avec </a:t>
+          </a:r>
+          <a:r>
+            <a:rPr lang="fr-FR" sz="1800" b="0" i="0" kern="1200" dirty="0" err="1">
+              <a:latin typeface="Inter" panose="020B0604020202020204" charset="0"/>
+              <a:ea typeface="Inter" panose="020B0604020202020204" charset="0"/>
+            </a:rPr>
+            <a:t>SpaCy</a:t>
+          </a:r>
+          <a:r>
+            <a:rPr lang="fr-FR" sz="1800" b="0" i="0" kern="1200" dirty="0">
+              <a:latin typeface="Inter" panose="020B0604020202020204" charset="0"/>
+              <a:ea typeface="Inter" panose="020B0604020202020204" charset="0"/>
+            </a:rPr>
+            <a:t> :</a:t>
+          </a:r>
+          <a:endParaRPr lang="fr-FR" sz="1800" kern="1200" dirty="0">
+            <a:latin typeface="Inter" panose="020B0604020202020204" charset="0"/>
+            <a:ea typeface="Inter" panose="020B0604020202020204" charset="0"/>
+          </a:endParaRPr>
         </a:p>
+      </dsp:txBody>
+      <dsp:txXfrm>
+        <a:off x="2105392" y="1540391"/>
+        <a:ext cx="2501698" cy="1167092"/>
+      </dsp:txXfrm>
+    </dsp:sp>
+    <dsp:sp modelId="{FBEA8DDA-7198-431F-94C1-945A43A02079}">
+      <dsp:nvSpPr>
+        <dsp:cNvPr id="0" name=""/>
+        <dsp:cNvSpPr/>
+      </dsp:nvSpPr>
+      <dsp:spPr>
+        <a:xfrm>
+          <a:off x="4658466" y="1600596"/>
+          <a:ext cx="2526082" cy="1045375"/>
+        </a:xfrm>
+        <a:prstGeom prst="rect">
+          <a:avLst/>
+        </a:prstGeom>
+        <a:noFill/>
+        <a:ln>
+          <a:noFill/>
+        </a:ln>
+        <a:effectLst/>
+      </dsp:spPr>
+      <dsp:style>
+        <a:lnRef idx="0">
+          <a:scrgbClr r="0" g="0" b="0"/>
+        </a:lnRef>
+        <a:fillRef idx="0">
+          <a:scrgbClr r="0" g="0" b="0"/>
+        </a:fillRef>
+        <a:effectRef idx="0">
+          <a:scrgbClr r="0" g="0" b="0"/>
+        </a:effectRef>
+        <a:fontRef idx="minor"/>
+      </dsp:style>
+      <dsp:txBody>
+        <a:bodyPr spcFirstLastPara="0" vert="horz" wrap="square" lIns="45720" tIns="45720" rIns="45720" bIns="45720" numCol="1" spcCol="1270" anchor="ctr" anchorCtr="0">
+          <a:noAutofit/>
+        </a:bodyPr>
+        <a:lstStyle/>
         <a:p>
-          <a:pPr marL="114300" lvl="1" indent="-114300" algn="ctr" defTabSz="666750">
+          <a:pPr marL="114300" lvl="1" indent="-114300" algn="l" defTabSz="533400">
             <a:lnSpc>
               <a:spcPct val="90000"/>
             </a:lnSpc>
@@ -2408,28 +2972,269 @@
             <a:buChar char="•"/>
           </a:pPr>
           <a:r>
-            <a:rPr lang="fr-FR" sz="1500" kern="1200" dirty="0">
+            <a:rPr lang="fr-FR" sz="1200" b="0" i="0" kern="1200" dirty="0">
               <a:latin typeface="Inter" panose="020B0604020202020204" charset="0"/>
               <a:ea typeface="Inter" panose="020B0604020202020204" charset="0"/>
             </a:rPr>
-            <a:t>Lemmatisation et tokenisation avec </a:t>
+            <a:t>Lemmatisation,</a:t>
           </a:r>
+          <a:endParaRPr lang="fr-FR" sz="1200" kern="1200" dirty="0">
+            <a:latin typeface="Inter" panose="020B0604020202020204" charset="0"/>
+            <a:ea typeface="Inter" panose="020B0604020202020204" charset="0"/>
+          </a:endParaRPr>
+        </a:p>
+        <a:p>
+          <a:pPr marL="114300" lvl="1" indent="-114300" algn="l" defTabSz="533400">
+            <a:lnSpc>
+              <a:spcPct val="90000"/>
+            </a:lnSpc>
+            <a:spcBef>
+              <a:spcPct val="0"/>
+            </a:spcBef>
+            <a:spcAft>
+              <a:spcPct val="15000"/>
+            </a:spcAft>
+            <a:buChar char="•"/>
+          </a:pPr>
           <a:r>
-            <a:rPr lang="fr-FR" sz="1500" kern="1200" dirty="0" err="1">
+            <a:rPr lang="fr-FR" sz="1200" b="0" i="0" kern="1200" dirty="0">
               <a:latin typeface="Inter" panose="020B0604020202020204" charset="0"/>
               <a:ea typeface="Inter" panose="020B0604020202020204" charset="0"/>
             </a:rPr>
-            <a:t>Spacy</a:t>
+            <a:t>Suppression des stop </a:t>
           </a:r>
-          <a:endParaRPr lang="fr-FR" sz="1500" kern="1200" dirty="0">
+          <a:r>
+            <a:rPr lang="fr-FR" sz="1200" b="0" i="0" kern="1200" dirty="0" err="1">
+              <a:latin typeface="Inter" panose="020B0604020202020204" charset="0"/>
+              <a:ea typeface="Inter" panose="020B0604020202020204" charset="0"/>
+            </a:rPr>
+            <a:t>words</a:t>
+          </a:r>
+          <a:r>
+            <a:rPr lang="fr-FR" sz="1200" b="0" i="0" kern="1200" dirty="0">
+              <a:latin typeface="Inter" panose="020B0604020202020204" charset="0"/>
+              <a:ea typeface="Inter" panose="020B0604020202020204" charset="0"/>
+            </a:rPr>
+            <a:t> (via la liste intégrée),</a:t>
+          </a:r>
+          <a:endParaRPr lang="fr-FR" sz="1200" kern="1200" dirty="0">
             <a:latin typeface="Inter" panose="020B0604020202020204" charset="0"/>
             <a:ea typeface="Inter" panose="020B0604020202020204" charset="0"/>
           </a:endParaRPr>
         </a:p>
       </dsp:txBody>
       <dsp:txXfrm>
-        <a:off x="4832820" y="922599"/>
-        <a:ext cx="3288308" cy="1925071"/>
+        <a:off x="4658466" y="1600596"/>
+        <a:ext cx="2526082" cy="1045375"/>
+      </dsp:txXfrm>
+    </dsp:sp>
+    <dsp:sp modelId="{75A80786-5737-45CE-9D5B-4C8D2E83470E}">
+      <dsp:nvSpPr>
+        <dsp:cNvPr id="0" name=""/>
+        <dsp:cNvSpPr/>
+      </dsp:nvSpPr>
+      <dsp:spPr>
+        <a:xfrm>
+          <a:off x="3948646" y="2930146"/>
+          <a:ext cx="2627996" cy="1293390"/>
+        </a:xfrm>
+        <a:prstGeom prst="roundRect">
+          <a:avLst>
+            <a:gd name="adj" fmla="val 16670"/>
+          </a:avLst>
+        </a:prstGeom>
+        <a:solidFill>
+          <a:schemeClr val="accent4">
+            <a:hueOff val="9128156"/>
+            <a:satOff val="0"/>
+            <a:lumOff val="-29804"/>
+            <a:alphaOff val="0"/>
+          </a:schemeClr>
+        </a:solidFill>
+        <a:ln w="25400" cap="flat" cmpd="sng" algn="ctr">
+          <a:solidFill>
+            <a:schemeClr val="lt1">
+              <a:hueOff val="0"/>
+              <a:satOff val="0"/>
+              <a:lumOff val="0"/>
+              <a:alphaOff val="0"/>
+            </a:schemeClr>
+          </a:solidFill>
+          <a:prstDash val="solid"/>
+        </a:ln>
+        <a:effectLst/>
+      </dsp:spPr>
+      <dsp:style>
+        <a:lnRef idx="2">
+          <a:scrgbClr r="0" g="0" b="0"/>
+        </a:lnRef>
+        <a:fillRef idx="1">
+          <a:scrgbClr r="0" g="0" b="0"/>
+        </a:fillRef>
+        <a:effectRef idx="0">
+          <a:scrgbClr r="0" g="0" b="0"/>
+        </a:effectRef>
+        <a:fontRef idx="minor">
+          <a:schemeClr val="lt1"/>
+        </a:fontRef>
+      </dsp:style>
+      <dsp:txBody>
+        <a:bodyPr spcFirstLastPara="0" vert="horz" wrap="square" lIns="68580" tIns="68580" rIns="68580" bIns="68580" numCol="1" spcCol="1270" anchor="ctr" anchorCtr="0">
+          <a:noAutofit/>
+        </a:bodyPr>
+        <a:lstStyle/>
+        <a:p>
+          <a:pPr marL="0" lvl="0" indent="0" algn="ctr" defTabSz="800100">
+            <a:lnSpc>
+              <a:spcPct val="90000"/>
+            </a:lnSpc>
+            <a:spcBef>
+              <a:spcPct val="0"/>
+            </a:spcBef>
+            <a:spcAft>
+              <a:spcPct val="35000"/>
+            </a:spcAft>
+            <a:buFont typeface="Arial" panose="020B0604020202020204" pitchFamily="34" charset="0"/>
+            <a:buNone/>
+          </a:pPr>
+          <a:r>
+            <a:rPr lang="fr-FR" sz="1800" b="1" i="0" kern="1200" dirty="0">
+              <a:latin typeface="Inter" panose="020B0604020202020204" charset="0"/>
+              <a:ea typeface="Inter" panose="020B0604020202020204" charset="0"/>
+            </a:rPr>
+            <a:t>Etape 3 </a:t>
+          </a:r>
+          <a:r>
+            <a:rPr lang="fr-FR" sz="1800" b="0" i="0" kern="1200" dirty="0">
+              <a:latin typeface="Inter" panose="020B0604020202020204" charset="0"/>
+              <a:ea typeface="Inter" panose="020B0604020202020204" charset="0"/>
+            </a:rPr>
+            <a:t>Application du pipeline sur les colonnes :</a:t>
+          </a:r>
+        </a:p>
+      </dsp:txBody>
+      <dsp:txXfrm>
+        <a:off x="4011795" y="2993295"/>
+        <a:ext cx="2501698" cy="1167092"/>
+      </dsp:txXfrm>
+    </dsp:sp>
+    <dsp:sp modelId="{CC50AB37-7AC7-4D84-AA8D-81BEEB2A9BF4}">
+      <dsp:nvSpPr>
+        <dsp:cNvPr id="0" name=""/>
+        <dsp:cNvSpPr/>
+      </dsp:nvSpPr>
+      <dsp:spPr>
+        <a:xfrm>
+          <a:off x="6558215" y="3053501"/>
+          <a:ext cx="2347114" cy="1045375"/>
+        </a:xfrm>
+        <a:prstGeom prst="rect">
+          <a:avLst/>
+        </a:prstGeom>
+        <a:noFill/>
+        <a:ln>
+          <a:noFill/>
+        </a:ln>
+        <a:effectLst/>
+      </dsp:spPr>
+      <dsp:style>
+        <a:lnRef idx="0">
+          <a:scrgbClr r="0" g="0" b="0"/>
+        </a:lnRef>
+        <a:fillRef idx="0">
+          <a:scrgbClr r="0" g="0" b="0"/>
+        </a:fillRef>
+        <a:effectRef idx="0">
+          <a:scrgbClr r="0" g="0" b="0"/>
+        </a:effectRef>
+        <a:fontRef idx="minor"/>
+      </dsp:style>
+      <dsp:txBody>
+        <a:bodyPr spcFirstLastPara="0" vert="horz" wrap="square" lIns="45720" tIns="45720" rIns="45720" bIns="45720" numCol="1" spcCol="1270" anchor="ctr" anchorCtr="0">
+          <a:noAutofit/>
+        </a:bodyPr>
+        <a:lstStyle/>
+        <a:p>
+          <a:pPr marL="114300" lvl="1" indent="-114300" algn="l" defTabSz="533400">
+            <a:lnSpc>
+              <a:spcPct val="90000"/>
+            </a:lnSpc>
+            <a:spcBef>
+              <a:spcPct val="0"/>
+            </a:spcBef>
+            <a:spcAft>
+              <a:spcPct val="15000"/>
+            </a:spcAft>
+            <a:buFont typeface="Arial" panose="020B0604020202020204" pitchFamily="34" charset="0"/>
+            <a:buChar char="•"/>
+          </a:pPr>
+          <a:r>
+            <a:rPr lang="fr-FR" sz="1200" b="0" i="0" kern="1200" dirty="0">
+              <a:latin typeface="Inter" panose="020B0604020202020204" charset="0"/>
+              <a:ea typeface="Inter" panose="020B0604020202020204" charset="0"/>
+            </a:rPr>
+            <a:t>headline, pros, cons</a:t>
+          </a:r>
+        </a:p>
+        <a:p>
+          <a:pPr marL="114300" lvl="1" indent="-114300" algn="l" defTabSz="533400">
+            <a:lnSpc>
+              <a:spcPct val="90000"/>
+            </a:lnSpc>
+            <a:spcBef>
+              <a:spcPct val="0"/>
+            </a:spcBef>
+            <a:spcAft>
+              <a:spcPct val="15000"/>
+            </a:spcAft>
+            <a:buFont typeface="Arial" panose="020B0604020202020204" pitchFamily="34" charset="0"/>
+            <a:buChar char="•"/>
+          </a:pPr>
+          <a:r>
+            <a:rPr lang="fr-FR" sz="1200" b="0" i="0" kern="1200" dirty="0">
+              <a:latin typeface="Inter" panose="020B0604020202020204" charset="0"/>
+              <a:ea typeface="Inter" panose="020B0604020202020204" charset="0"/>
+            </a:rPr>
+            <a:t>Fusion des textes nettoyés</a:t>
+          </a:r>
+        </a:p>
+        <a:p>
+          <a:pPr marL="114300" lvl="1" indent="-114300" algn="l" defTabSz="533400">
+            <a:lnSpc>
+              <a:spcPct val="90000"/>
+            </a:lnSpc>
+            <a:spcBef>
+              <a:spcPct val="0"/>
+            </a:spcBef>
+            <a:spcAft>
+              <a:spcPct val="15000"/>
+            </a:spcAft>
+            <a:buFont typeface="Arial" panose="020B0604020202020204" pitchFamily="34" charset="0"/>
+            <a:buChar char="•"/>
+          </a:pPr>
+          <a:r>
+            <a:rPr lang="fr-FR" sz="1200" b="0" i="0" kern="1200" dirty="0">
+              <a:latin typeface="Inter" panose="020B0604020202020204" charset="0"/>
+              <a:ea typeface="Inter" panose="020B0604020202020204" charset="0"/>
+            </a:rPr>
+            <a:t>→ </a:t>
+          </a:r>
+          <a:r>
+            <a:rPr lang="fr-FR" sz="1200" b="0" i="0" kern="1200" dirty="0" err="1">
+              <a:latin typeface="Inter" panose="020B0604020202020204" charset="0"/>
+              <a:ea typeface="Inter" panose="020B0604020202020204" charset="0"/>
+            </a:rPr>
+            <a:t>full_text_clean</a:t>
+          </a:r>
+          <a:endParaRPr lang="fr-FR" sz="1200" b="0" i="0" kern="1200" dirty="0">
+            <a:latin typeface="Inter" panose="020B0604020202020204" charset="0"/>
+            <a:ea typeface="Inter" panose="020B0604020202020204" charset="0"/>
+          </a:endParaRPr>
+        </a:p>
+      </dsp:txBody>
+      <dsp:txXfrm>
+        <a:off x="6558215" y="3053501"/>
+        <a:ext cx="2347114" cy="1045375"/>
       </dsp:txXfrm>
     </dsp:sp>
   </dsp:spTree>
@@ -2437,16 +3242,43 @@
 </file>
 
 <file path=ppt/diagrams/layout1.xml><?xml version="1.0" encoding="utf-8"?>
-<dgm:layoutDef xmlns:dgm="http://schemas.openxmlformats.org/drawingml/2006/diagram" xmlns:a="http://schemas.openxmlformats.org/drawingml/2006/main" uniqueId="urn:microsoft.com/office/officeart/2005/8/layout/process1">
+<dgm:layoutDef xmlns:dgm="http://schemas.openxmlformats.org/drawingml/2006/diagram" xmlns:a="http://schemas.openxmlformats.org/drawingml/2006/main" uniqueId="urn:microsoft.com/office/officeart/2005/8/layout/StepDownProcess">
   <dgm:title val=""/>
   <dgm:desc val=""/>
   <dgm:catLst>
-    <dgm:cat type="process" pri="1000"/>
-    <dgm:cat type="convert" pri="15000"/>
+    <dgm:cat type="process" pri="1600"/>
   </dgm:catLst>
-  <dgm:sampData useDef="1">
+  <dgm:sampData>
     <dgm:dataModel>
-      <dgm:ptLst/>
+      <dgm:ptLst>
+        <dgm:pt modelId="0" type="doc"/>
+        <dgm:pt modelId="10">
+          <dgm:prSet phldr="1"/>
+        </dgm:pt>
+        <dgm:pt modelId="11">
+          <dgm:prSet phldr="1"/>
+        </dgm:pt>
+        <dgm:pt modelId="20">
+          <dgm:prSet phldr="1"/>
+        </dgm:pt>
+        <dgm:pt modelId="21">
+          <dgm:prSet phldr="1"/>
+        </dgm:pt>
+        <dgm:pt modelId="30">
+          <dgm:prSet phldr="1"/>
+        </dgm:pt>
+        <dgm:pt modelId="31">
+          <dgm:prSet phldr="1"/>
+        </dgm:pt>
+      </dgm:ptLst>
+      <dgm:cxnLst>
+        <dgm:cxn modelId="60" srcId="0" destId="10" srcOrd="0" destOrd="0"/>
+        <dgm:cxn modelId="12" srcId="10" destId="11" srcOrd="0" destOrd="0"/>
+        <dgm:cxn modelId="70" srcId="0" destId="20" srcOrd="1" destOrd="0"/>
+        <dgm:cxn modelId="22" srcId="20" destId="21" srcOrd="0" destOrd="0"/>
+        <dgm:cxn modelId="80" srcId="0" destId="30" srcOrd="2" destOrd="0"/>
+        <dgm:cxn modelId="32" srcId="30" destId="31" srcOrd="0" destOrd="0"/>
+      </dgm:cxnLst>
       <dgm:bg/>
       <dgm:whole/>
     </dgm:dataModel>
@@ -2455,12 +3287,16 @@
     <dgm:dataModel>
       <dgm:ptLst>
         <dgm:pt modelId="0" type="doc"/>
-        <dgm:pt modelId="1"/>
-        <dgm:pt modelId="2"/>
+        <dgm:pt modelId="10">
+          <dgm:prSet phldr="1"/>
+        </dgm:pt>
+        <dgm:pt modelId="20">
+          <dgm:prSet phldr="1"/>
+        </dgm:pt>
       </dgm:ptLst>
       <dgm:cxnLst>
-        <dgm:cxn modelId="3" srcId="0" destId="1" srcOrd="0" destOrd="0"/>
-        <dgm:cxn modelId="4" srcId="0" destId="2" srcOrd="1" destOrd="0"/>
+        <dgm:cxn modelId="60" srcId="0" destId="10" srcOrd="0" destOrd="0"/>
+        <dgm:cxn modelId="70" srcId="0" destId="20" srcOrd="1" destOrd="0"/>
       </dgm:cxnLst>
       <dgm:bg/>
       <dgm:whole/>
@@ -2470,111 +3306,252 @@
     <dgm:dataModel>
       <dgm:ptLst>
         <dgm:pt modelId="0" type="doc"/>
-        <dgm:pt modelId="1"/>
-        <dgm:pt modelId="2"/>
-        <dgm:pt modelId="3"/>
-        <dgm:pt modelId="4"/>
+        <dgm:pt modelId="10">
+          <dgm:prSet phldr="1"/>
+        </dgm:pt>
+        <dgm:pt modelId="20">
+          <dgm:prSet phldr="1"/>
+        </dgm:pt>
+        <dgm:pt modelId="30">
+          <dgm:prSet phldr="1"/>
+        </dgm:pt>
+        <dgm:pt modelId="40">
+          <dgm:prSet phldr="1"/>
+        </dgm:pt>
       </dgm:ptLst>
       <dgm:cxnLst>
-        <dgm:cxn modelId="5" srcId="0" destId="1" srcOrd="0" destOrd="0"/>
-        <dgm:cxn modelId="6" srcId="0" destId="2" srcOrd="1" destOrd="0"/>
-        <dgm:cxn modelId="7" srcId="0" destId="3" srcOrd="2" destOrd="0"/>
-        <dgm:cxn modelId="8" srcId="0" destId="4" srcOrd="3" destOrd="0"/>
+        <dgm:cxn modelId="60" srcId="0" destId="10" srcOrd="0" destOrd="0"/>
+        <dgm:cxn modelId="70" srcId="0" destId="20" srcOrd="1" destOrd="0"/>
+        <dgm:cxn modelId="80" srcId="0" destId="30" srcOrd="2" destOrd="0"/>
+        <dgm:cxn modelId="90" srcId="0" destId="40" srcOrd="3" destOrd="0"/>
       </dgm:cxnLst>
       <dgm:bg/>
       <dgm:whole/>
     </dgm:dataModel>
   </dgm:clrData>
-  <dgm:layoutNode name="Name0">
+  <dgm:layoutNode name="rootnode">
     <dgm:varLst>
+      <dgm:chMax/>
+      <dgm:chPref/>
       <dgm:dir/>
-      <dgm:resizeHandles val="exact"/>
+      <dgm:animLvl val="lvl"/>
     </dgm:varLst>
-    <dgm:choose name="Name1">
-      <dgm:if name="Name2" func="var" arg="dir" op="equ" val="norm">
-        <dgm:alg type="lin"/>
+    <dgm:choose name="Name0">
+      <dgm:if name="Name1" func="var" arg="dir" op="equ" val="norm">
+        <dgm:alg type="snake">
+          <dgm:param type="grDir" val="tL"/>
+          <dgm:param type="flowDir" val="row"/>
+          <dgm:param type="off" val="off"/>
+          <dgm:param type="bkpt" val="fixed"/>
+          <dgm:param type="bkPtFixedVal" val="1"/>
+        </dgm:alg>
       </dgm:if>
-      <dgm:else name="Name3">
-        <dgm:alg type="lin">
-          <dgm:param type="linDir" val="fromR"/>
+      <dgm:else name="Name2">
+        <dgm:alg type="snake">
+          <dgm:param type="grDir" val="tR"/>
+          <dgm:param type="flowDir" val="row"/>
+          <dgm:param type="off" val="off"/>
+          <dgm:param type="bkpt" val="fixed"/>
+          <dgm:param type="bkPtFixedVal" val="1"/>
         </dgm:alg>
       </dgm:else>
     </dgm:choose>
     <dgm:shape xmlns:r="http://schemas.openxmlformats.org/officeDocument/2006/relationships" r:blip="">
       <dgm:adjLst/>
     </dgm:shape>
-    <dgm:presOf/>
-    <dgm:constrLst>
-      <dgm:constr type="w" for="ch" ptType="node" refType="w"/>
-      <dgm:constr type="h" for="ch" ptType="node" op="equ"/>
-      <dgm:constr type="primFontSz" for="ch" ptType="node" op="equ" val="65"/>
-      <dgm:constr type="w" for="ch" ptType="sibTrans" refType="w" refFor="ch" refPtType="node" op="equ" fact="0.4"/>
-      <dgm:constr type="h" for="ch" ptType="sibTrans" op="equ"/>
-      <dgm:constr type="primFontSz" for="des" forName="connectorText" op="equ" val="55"/>
-      <dgm:constr type="primFontSz" for="des" forName="connectorText" refType="primFontSz" refFor="ch" refPtType="node" op="lte" fact="0.8"/>
-    </dgm:constrLst>
-    <dgm:ruleLst/>
+    <dgm:choose name="Name3">
+      <dgm:if name="Name4" func="var" arg="dir" op="equ" val="norm">
+        <dgm:constrLst>
+          <dgm:constr type="alignOff" forName="rootnode" val="0.48"/>
+          <dgm:constr type="primFontSz" for="des" forName="ParentText" val="65"/>
+          <dgm:constr type="primFontSz" for="des" forName="ChildText" refType="primFontSz" refFor="des" refForName="ParentText" op="lte"/>
+          <dgm:constr type="w" for="ch" forName="composite" refType="w"/>
+          <dgm:constr type="h" for="ch" forName="composite" refType="h"/>
+          <dgm:constr type="sp" refType="h" refFor="ch" refForName="composite" op="equ" fact="-0.38"/>
+        </dgm:constrLst>
+      </dgm:if>
+      <dgm:else name="Name5">
+        <dgm:constrLst>
+          <dgm:constr type="alignOff" forName="rootnode" val="0.48"/>
+          <dgm:constr type="primFontSz" for="des" forName="ParentText" val="65"/>
+          <dgm:constr type="primFontSz" for="des" forName="ChildText" refType="primFontSz" refFor="des" refForName="ParentText" op="lte"/>
+          <dgm:constr type="w" for="ch" forName="composite" refType="w"/>
+          <dgm:constr type="h" for="ch" forName="composite" refType="h"/>
+          <dgm:constr type="sp" refType="h" refFor="ch" refForName="composite" op="equ" fact="-0.38"/>
+        </dgm:constrLst>
+      </dgm:else>
+    </dgm:choose>
     <dgm:forEach name="nodesForEach" axis="ch" ptType="node">
-      <dgm:layoutNode name="node">
-        <dgm:varLst>
-          <dgm:bulletEnabled val="1"/>
-        </dgm:varLst>
-        <dgm:alg type="tx"/>
-        <dgm:shape xmlns:r="http://schemas.openxmlformats.org/officeDocument/2006/relationships" type="roundRect" r:blip="">
-          <dgm:adjLst>
-            <dgm:adj idx="1" val="0.1"/>
-          </dgm:adjLst>
+      <dgm:layoutNode name="composite">
+        <dgm:alg type="composite">
+          <dgm:param type="ar" val="1.2439"/>
+        </dgm:alg>
+        <dgm:shape xmlns:r="http://schemas.openxmlformats.org/officeDocument/2006/relationships" r:blip="">
+          <dgm:adjLst/>
         </dgm:shape>
-        <dgm:presOf axis="desOrSelf" ptType="node"/>
-        <dgm:constrLst>
-          <dgm:constr type="h" refType="w" fact="0.6"/>
-          <dgm:constr type="tMarg" refType="primFontSz" fact="0.3"/>
-          <dgm:constr type="bMarg" refType="primFontSz" fact="0.3"/>
-          <dgm:constr type="lMarg" refType="primFontSz" fact="0.3"/>
-          <dgm:constr type="rMarg" refType="primFontSz" fact="0.3"/>
-        </dgm:constrLst>
-        <dgm:ruleLst>
-          <dgm:rule type="primFontSz" val="18" fact="NaN" max="NaN"/>
-          <dgm:rule type="h" val="NaN" fact="1.5" max="NaN"/>
-          <dgm:rule type="primFontSz" val="5" fact="NaN" max="NaN"/>
-          <dgm:rule type="h" val="INF" fact="NaN" max="NaN"/>
-        </dgm:ruleLst>
+        <dgm:choose name="Name6">
+          <dgm:if name="Name7" func="var" arg="dir" op="equ" val="norm">
+            <dgm:constrLst>
+              <dgm:constr type="l" for="ch" forName="bentUpArrow1" refType="w" fact="0.07"/>
+              <dgm:constr type="t" for="ch" forName="bentUpArrow1" refType="h" fact="0.524"/>
+              <dgm:constr type="w" for="ch" forName="bentUpArrow1" refType="w" fact="0.3844"/>
+              <dgm:constr type="h" for="ch" forName="bentUpArrow1" refType="h" fact="0.42"/>
+              <dgm:constr type="l" for="ch" forName="ParentText" refType="w" fact="0"/>
+              <dgm:constr type="t" for="ch" forName="ParentText" refType="h" fact="0"/>
+              <dgm:constr type="w" for="ch" forName="ParentText" refType="w" fact="0.5684"/>
+              <dgm:constr type="h" for="ch" forName="ParentText" refType="h" fact="0.4949"/>
+              <dgm:constr type="l" for="ch" forName="ChildText" refType="w" refFor="ch" refForName="ParentText"/>
+              <dgm:constr type="t" for="ch" forName="ChildText" refType="h" fact="0.05"/>
+              <dgm:constr type="w" for="ch" forName="ChildText" refType="w" fact="0.4134"/>
+              <dgm:constr type="h" for="ch" forName="ChildText" refType="h" fact="0.4"/>
+              <dgm:constr type="l" for="ch" forName="FinalChildText" refType="w" refFor="ch" refForName="ParentText"/>
+              <dgm:constr type="t" for="ch" forName="FinalChildText" refType="h" fact="0.05"/>
+              <dgm:constr type="w" for="ch" forName="FinalChildText" refType="w" fact="0.4134"/>
+              <dgm:constr type="h" for="ch" forName="FinalChildText" refType="h" fact="0.4"/>
+            </dgm:constrLst>
+          </dgm:if>
+          <dgm:else name="Name8">
+            <dgm:constrLst>
+              <dgm:constr type="r" for="ch" forName="bentUpArrow1" refType="w" fact="0.97"/>
+              <dgm:constr type="t" for="ch" forName="bentUpArrow1" refType="h" fact="0.524"/>
+              <dgm:constr type="w" for="ch" forName="bentUpArrow1" refType="w" fact="0.3844"/>
+              <dgm:constr type="h" for="ch" forName="bentUpArrow1" refType="h" fact="0.42"/>
+              <dgm:constr type="l" for="ch" forName="ParentText" refType="w" fact="0.4316"/>
+              <dgm:constr type="t" for="ch" forName="ParentText" refType="h" fact="0"/>
+              <dgm:constr type="w" for="ch" forName="ParentText" refType="w" fact="0.5684"/>
+              <dgm:constr type="h" for="ch" forName="ParentText" refType="h" fact="0.4949"/>
+              <dgm:constr type="l" for="ch" forName="ChildText" refType="w" fact="0"/>
+              <dgm:constr type="t" for="ch" forName="ChildText" refType="h" fact="0.05"/>
+              <dgm:constr type="w" for="ch" forName="ChildText" refType="w" fact="0.4134"/>
+              <dgm:constr type="h" for="ch" forName="ChildText" refType="h" fact="0.4"/>
+              <dgm:constr type="l" for="ch" forName="FinalChildText" refType="w" fact="0"/>
+              <dgm:constr type="t" for="ch" forName="FinalChildText" refType="h" fact="0.05"/>
+              <dgm:constr type="w" for="ch" forName="FinalChildText" refType="w" fact="0.4134"/>
+              <dgm:constr type="h" for="ch" forName="FinalChildText" refType="h" fact="0.4"/>
+            </dgm:constrLst>
+          </dgm:else>
+        </dgm:choose>
+        <dgm:choose name="Name9">
+          <dgm:if name="Name10" axis="followSib" ptType="node" func="cnt" op="gte" val="1">
+            <dgm:layoutNode name="bentUpArrow1" styleLbl="alignImgPlace1">
+              <dgm:alg type="sp"/>
+              <dgm:choose name="Name11">
+                <dgm:if name="Name12" func="var" arg="dir" op="equ" val="norm">
+                  <dgm:shape xmlns:r="http://schemas.openxmlformats.org/officeDocument/2006/relationships" rot="90" type="bentUpArrow" r:blip="">
+                    <dgm:adjLst>
+                      <dgm:adj idx="1" val="0.3284"/>
+                      <dgm:adj idx="2" val="0.25"/>
+                      <dgm:adj idx="3" val="0.3578"/>
+                    </dgm:adjLst>
+                  </dgm:shape>
+                </dgm:if>
+                <dgm:else name="Name13">
+                  <dgm:shape xmlns:r="http://schemas.openxmlformats.org/officeDocument/2006/relationships" rot="180" type="bentArrow" r:blip="">
+                    <dgm:adjLst>
+                      <dgm:adj idx="1" val="0.3284"/>
+                      <dgm:adj idx="2" val="0.25"/>
+                      <dgm:adj idx="3" val="0.3578"/>
+                      <dgm:adj idx="4" val="0"/>
+                    </dgm:adjLst>
+                  </dgm:shape>
+                </dgm:else>
+              </dgm:choose>
+              <dgm:presOf/>
+            </dgm:layoutNode>
+          </dgm:if>
+          <dgm:else name="Name14"/>
+        </dgm:choose>
+        <dgm:layoutNode name="ParentText" styleLbl="node1">
+          <dgm:varLst>
+            <dgm:chMax val="1"/>
+            <dgm:chPref val="1"/>
+            <dgm:bulletEnabled val="1"/>
+          </dgm:varLst>
+          <dgm:alg type="tx"/>
+          <dgm:shape xmlns:r="http://schemas.openxmlformats.org/officeDocument/2006/relationships" type="roundRect" r:blip="">
+            <dgm:adjLst>
+              <dgm:adj idx="1" val="0.1667"/>
+            </dgm:adjLst>
+          </dgm:shape>
+          <dgm:presOf axis="self" ptType="node"/>
+          <dgm:constrLst>
+            <dgm:constr type="lMarg" refType="primFontSz" fact="0.3"/>
+            <dgm:constr type="rMarg" refType="primFontSz" fact="0.3"/>
+            <dgm:constr type="tMarg" refType="primFontSz" fact="0.3"/>
+            <dgm:constr type="bMarg" refType="primFontSz" fact="0.3"/>
+          </dgm:constrLst>
+          <dgm:ruleLst>
+            <dgm:rule type="primFontSz" val="5" fact="NaN" max="NaN"/>
+          </dgm:ruleLst>
+        </dgm:layoutNode>
+        <dgm:choose name="Name15">
+          <dgm:if name="Name16" axis="followSib" ptType="node" func="cnt" op="equ" val="0">
+            <dgm:choose name="Name17">
+              <dgm:if name="Name18" axis="ch" ptType="node" func="cnt" op="gte" val="1">
+                <dgm:layoutNode name="FinalChildText" styleLbl="revTx">
+                  <dgm:varLst>
+                    <dgm:chMax val="0"/>
+                    <dgm:chPref val="0"/>
+                    <dgm:bulletEnabled val="1"/>
+                  </dgm:varLst>
+                  <dgm:alg type="tx">
+                    <dgm:param type="stBulletLvl" val="1"/>
+                    <dgm:param type="txAnchorVertCh" val="mid"/>
+                    <dgm:param type="parTxLTRAlign" val="l"/>
+                  </dgm:alg>
+                  <dgm:shape xmlns:r="http://schemas.openxmlformats.org/officeDocument/2006/relationships" type="rect" r:blip="">
+                    <dgm:adjLst/>
+                  </dgm:shape>
+                  <dgm:presOf axis="des" ptType="node"/>
+                  <dgm:constrLst>
+                    <dgm:constr type="lMarg" refType="primFontSz" fact="0.3"/>
+                    <dgm:constr type="rMarg" refType="primFontSz" fact="0.3"/>
+                    <dgm:constr type="tMarg" refType="primFontSz" fact="0.3"/>
+                    <dgm:constr type="bMarg" refType="primFontSz" fact="0.3"/>
+                  </dgm:constrLst>
+                  <dgm:ruleLst>
+                    <dgm:rule type="primFontSz" val="5" fact="NaN" max="NaN"/>
+                  </dgm:ruleLst>
+                </dgm:layoutNode>
+              </dgm:if>
+              <dgm:else name="Name19"/>
+            </dgm:choose>
+          </dgm:if>
+          <dgm:else name="Name20">
+            <dgm:layoutNode name="ChildText" styleLbl="revTx">
+              <dgm:varLst>
+                <dgm:chMax val="0"/>
+                <dgm:chPref val="0"/>
+                <dgm:bulletEnabled val="1"/>
+              </dgm:varLst>
+              <dgm:alg type="tx">
+                <dgm:param type="stBulletLvl" val="1"/>
+                <dgm:param type="txAnchorVertCh" val="mid"/>
+                <dgm:param type="parTxLTRAlign" val="l"/>
+              </dgm:alg>
+              <dgm:shape xmlns:r="http://schemas.openxmlformats.org/officeDocument/2006/relationships" type="rect" r:blip="">
+                <dgm:adjLst/>
+              </dgm:shape>
+              <dgm:presOf axis="des" ptType="node"/>
+              <dgm:constrLst>
+                <dgm:constr type="lMarg" refType="primFontSz" fact="0.3"/>
+                <dgm:constr type="rMarg" refType="primFontSz" fact="0.3"/>
+                <dgm:constr type="tMarg" refType="primFontSz" fact="0.3"/>
+                <dgm:constr type="bMarg" refType="primFontSz" fact="0.3"/>
+              </dgm:constrLst>
+              <dgm:ruleLst>
+                <dgm:rule type="primFontSz" val="5" fact="NaN" max="NaN"/>
+              </dgm:ruleLst>
+            </dgm:layoutNode>
+          </dgm:else>
+        </dgm:choose>
       </dgm:layoutNode>
       <dgm:forEach name="sibTransForEach" axis="followSib" ptType="sibTrans" cnt="1">
         <dgm:layoutNode name="sibTrans">
-          <dgm:alg type="conn">
-            <dgm:param type="begPts" val="auto"/>
-            <dgm:param type="endPts" val="auto"/>
-          </dgm:alg>
-          <dgm:shape xmlns:r="http://schemas.openxmlformats.org/officeDocument/2006/relationships" type="conn" r:blip="">
+          <dgm:alg type="sp"/>
+          <dgm:shape xmlns:r="http://schemas.openxmlformats.org/officeDocument/2006/relationships" r:blip="">
             <dgm:adjLst/>
           </dgm:shape>
-          <dgm:presOf axis="self"/>
-          <dgm:constrLst>
-            <dgm:constr type="h" refType="w" fact="0.62"/>
-            <dgm:constr type="connDist"/>
-            <dgm:constr type="begPad" refType="connDist" fact="0.25"/>
-            <dgm:constr type="endPad" refType="connDist" fact="0.22"/>
-          </dgm:constrLst>
-          <dgm:ruleLst/>
-          <dgm:layoutNode name="connectorText">
-            <dgm:alg type="tx">
-              <dgm:param type="autoTxRot" val="grav"/>
-            </dgm:alg>
-            <dgm:shape xmlns:r="http://schemas.openxmlformats.org/officeDocument/2006/relationships" type="conn" r:blip="" hideGeom="1">
-              <dgm:adjLst/>
-            </dgm:shape>
-            <dgm:presOf axis="self"/>
-            <dgm:constrLst>
-              <dgm:constr type="lMarg"/>
-              <dgm:constr type="rMarg"/>
-              <dgm:constr type="tMarg"/>
-              <dgm:constr type="bMarg"/>
-            </dgm:constrLst>
-            <dgm:ruleLst>
-              <dgm:rule type="primFontSz" val="5" fact="NaN" max="NaN"/>
-            </dgm:ruleLst>
-          </dgm:layoutNode>
         </dgm:layoutNode>
       </dgm:forEach>
     </dgm:forEach>
@@ -4167,7 +5144,11 @@
               <a:buSzPts val="1100"/>
               <a:buNone/>
             </a:pPr>
-            <a:endParaRPr/>
+            <a:r>
+              <a:rPr lang="fr-FR" dirty="0"/>
+              <a:t>Stéphane</a:t>
+            </a:r>
+            <a:endParaRPr dirty="0"/>
           </a:p>
         </p:txBody>
       </p:sp>
@@ -4410,6 +5391,75 @@
 </file>
 
 <file path=ppt/notesSlides/notesSlide11.xml><?xml version="1.0" encoding="utf-8"?>
+<p:notes xmlns:a="http://schemas.openxmlformats.org/drawingml/2006/main" xmlns:r="http://schemas.openxmlformats.org/officeDocument/2006/relationships" xmlns:p="http://schemas.openxmlformats.org/presentationml/2006/main">
+  <p:cSld>
+    <p:spTree>
+      <p:nvGrpSpPr>
+        <p:cNvPr id="1" name=""/>
+        <p:cNvGrpSpPr/>
+        <p:nvPr/>
+      </p:nvGrpSpPr>
+      <p:grpSpPr>
+        <a:xfrm>
+          <a:off x="0" y="0"/>
+          <a:ext cx="0" cy="0"/>
+          <a:chOff x="0" y="0"/>
+          <a:chExt cx="0" cy="0"/>
+        </a:xfrm>
+      </p:grpSpPr>
+      <p:sp>
+        <p:nvSpPr>
+          <p:cNvPr id="2" name="Espace réservé de l'image des diapositives 1"/>
+          <p:cNvSpPr>
+            <a:spLocks noGrp="1" noRot="1" noChangeAspect="1"/>
+          </p:cNvSpPr>
+          <p:nvPr>
+            <p:ph type="sldImg"/>
+          </p:nvPr>
+        </p:nvSpPr>
+        <p:spPr>
+          <a:xfrm>
+            <a:off x="381000" y="685800"/>
+            <a:ext cx="6096000" cy="3429000"/>
+          </a:xfrm>
+        </p:spPr>
+      </p:sp>
+      <p:sp>
+        <p:nvSpPr>
+          <p:cNvPr id="3" name="Espace réservé des notes 2"/>
+          <p:cNvSpPr>
+            <a:spLocks noGrp="1"/>
+          </p:cNvSpPr>
+          <p:nvPr>
+            <p:ph type="body" idx="1"/>
+          </p:nvPr>
+        </p:nvSpPr>
+        <p:spPr/>
+        <p:txBody>
+          <a:bodyPr/>
+          <a:lstStyle/>
+          <a:p>
+            <a:r>
+              <a:rPr lang="fr-FR" dirty="0"/>
+              <a:t>Geoffroy</a:t>
+            </a:r>
+          </a:p>
+        </p:txBody>
+      </p:sp>
+    </p:spTree>
+    <p:extLst>
+      <p:ext uri="{BB962C8B-B14F-4D97-AF65-F5344CB8AC3E}">
+        <p14:creationId xmlns:p14="http://schemas.microsoft.com/office/powerpoint/2010/main" val="2230770443"/>
+      </p:ext>
+    </p:extLst>
+  </p:cSld>
+  <p:clrMapOvr>
+    <a:masterClrMapping/>
+  </p:clrMapOvr>
+</p:notes>
+</file>
+
+<file path=ppt/notesSlides/notesSlide12.xml><?xml version="1.0" encoding="utf-8"?>
 <p:notes xmlns:a="http://schemas.openxmlformats.org/drawingml/2006/main" xmlns:r="http://schemas.openxmlformats.org/officeDocument/2006/relationships" xmlns:p="http://schemas.openxmlformats.org/presentationml/2006/main" showMasterSp="0" showMasterPhAnim="0">
   <p:cSld>
     <p:spTree>
@@ -4717,7 +5767,7 @@
 </p:notes>
 </file>
 
-<file path=ppt/notesSlides/notesSlide12.xml><?xml version="1.0" encoding="utf-8"?>
+<file path=ppt/notesSlides/notesSlide13.xml><?xml version="1.0" encoding="utf-8"?>
 <p:notes xmlns:a="http://schemas.openxmlformats.org/drawingml/2006/main" xmlns:r="http://schemas.openxmlformats.org/officeDocument/2006/relationships" xmlns:p="http://schemas.openxmlformats.org/presentationml/2006/main" showMasterSp="0" showMasterPhAnim="0">
   <p:cSld>
     <p:spTree>
@@ -4949,7 +5999,11 @@
               <a:buSzPts val="1100"/>
               <a:buNone/>
             </a:pPr>
-            <a:endParaRPr/>
+            <a:r>
+              <a:rPr lang="fr-FR" dirty="0"/>
+              <a:t>Stéphane</a:t>
+            </a:r>
+            <a:endParaRPr dirty="0"/>
           </a:p>
         </p:txBody>
       </p:sp>
@@ -5092,7 +6146,13 @@
   <p:cSld>
     <p:spTree>
       <p:nvGrpSpPr>
-        <p:cNvPr id="1" name="Shape 85"/>
+        <p:cNvPr id="1" name="Shape 85">
+          <a:extLst>
+            <a:ext uri="{FF2B5EF4-FFF2-40B4-BE49-F238E27FC236}">
+              <a16:creationId xmlns:a16="http://schemas.microsoft.com/office/drawing/2014/main" id="{D4B778A1-9554-5815-E64C-485E2A133ADE}"/>
+            </a:ext>
+          </a:extLst>
+        </p:cNvPr>
         <p:cNvGrpSpPr/>
         <p:nvPr/>
       </p:nvGrpSpPr>
@@ -5106,7 +6166,13 @@
       </p:grpSpPr>
       <p:sp>
         <p:nvSpPr>
-          <p:cNvPr id="86" name="Google Shape;86;g1c7feb7f43d_0_43:notes"/>
+          <p:cNvPr id="86" name="Google Shape;86;g1c7feb7f43d_0_43:notes">
+            <a:extLst>
+              <a:ext uri="{FF2B5EF4-FFF2-40B4-BE49-F238E27FC236}">
+                <a16:creationId xmlns:a16="http://schemas.microsoft.com/office/drawing/2014/main" id="{FB5B688F-36E1-2576-CA14-5AAE856DE78C}"/>
+              </a:ext>
+            </a:extLst>
+          </p:cNvPr>
           <p:cNvSpPr>
             <a:spLocks noGrp="1" noRot="1" noChangeAspect="1"/>
           </p:cNvSpPr>
@@ -5157,7 +6223,13 @@
       </p:sp>
       <p:sp>
         <p:nvSpPr>
-          <p:cNvPr id="87" name="Google Shape;87;g1c7feb7f43d_0_43:notes"/>
+          <p:cNvPr id="87" name="Google Shape;87;g1c7feb7f43d_0_43:notes">
+            <a:extLst>
+              <a:ext uri="{FF2B5EF4-FFF2-40B4-BE49-F238E27FC236}">
+                <a16:creationId xmlns:a16="http://schemas.microsoft.com/office/drawing/2014/main" id="{795C5B3E-922A-F524-9191-8F11C891CA73}"/>
+              </a:ext>
+            </a:extLst>
+          </p:cNvPr>
           <p:cNvSpPr txBox="1">
             <a:spLocks noGrp="1"/>
           </p:cNvSpPr>
@@ -5227,6 +6299,11 @@
         </p:txBody>
       </p:sp>
     </p:spTree>
+    <p:extLst>
+      <p:ext uri="{BB962C8B-B14F-4D97-AF65-F5344CB8AC3E}">
+        <p14:creationId xmlns:p14="http://schemas.microsoft.com/office/powerpoint/2010/main" val="591851097"/>
+      </p:ext>
+    </p:extLst>
   </p:cSld>
   <p:clrMapOvr>
     <a:masterClrMapping/>
@@ -5362,6 +6439,10 @@
               <a:buSzPts val="1100"/>
               <a:buNone/>
             </a:pPr>
+            <a:r>
+              <a:rPr lang="fr-FR" dirty="0"/>
+              <a:t>Stéphane</a:t>
+            </a:r>
             <a:endParaRPr dirty="0"/>
           </a:p>
         </p:txBody>
@@ -5729,8 +6810,19 @@
             </a:r>
             <a:r>
               <a:rPr lang="fr-FR" dirty="0"/>
-              <a:t> moins rempli – pourcentage NULL trop élevé + No opinion dans les choix</a:t>
+              <a:t> moins rempli – pourcentage NULL trop élevé + No opinion dans les choix (</a:t>
             </a:r>
+            <a:r>
+              <a:rPr lang="pt-BR" b="1" i="0" dirty="0">
+                <a:solidFill>
+                  <a:srgbClr val="3C4043"/>
+                </a:solidFill>
+                <a:effectLst/>
+                <a:latin typeface="Inter" panose="020B0604020202020204" charset="0"/>
+              </a:rPr>
+              <a:t>v - Positive, r - Mild, x - Negative, o - No opinion)</a:t>
+            </a:r>
+            <a:endParaRPr lang="fr-FR" dirty="0"/>
           </a:p>
           <a:p>
             <a:pPr marL="171450" lvl="0" indent="-171450" algn="l" rtl="0">
@@ -5753,7 +6845,7 @@
             </a:r>
             <a:r>
               <a:rPr lang="fr-FR" dirty="0"/>
-              <a:t> rating est quasiment 100 % mais que</a:t>
+              <a:t> rating est quasiment 100 %</a:t>
             </a:r>
           </a:p>
           <a:p>
@@ -5973,7 +7065,7 @@
             </a:r>
           </a:p>
           <a:p>
-            <a:pPr marL="171450" lvl="0" indent="-171450" algn="l" rtl="0">
+            <a:pPr marL="0" lvl="0" indent="0" algn="l" rtl="0">
               <a:lnSpc>
                 <a:spcPct val="100000"/>
               </a:lnSpc>
@@ -5984,34 +7076,12 @@
                 <a:spcPts val="0"/>
               </a:spcAft>
               <a:buSzPts val="1100"/>
-              <a:buFontTx/>
-              <a:buChar char="-"/>
+              <a:buNone/>
             </a:pPr>
             <a:r>
               <a:rPr lang="fr-FR" dirty="0"/>
-              <a:t>Etape 1</a:t>
+              <a:t>Présenter les étapes et donner les définitions quand c’est possible </a:t>
             </a:r>
-          </a:p>
-          <a:p>
-            <a:pPr marL="171450" lvl="0" indent="-171450" algn="l" rtl="0">
-              <a:lnSpc>
-                <a:spcPct val="100000"/>
-              </a:lnSpc>
-              <a:spcBef>
-                <a:spcPts val="0"/>
-              </a:spcBef>
-              <a:spcAft>
-                <a:spcPts val="0"/>
-              </a:spcAft>
-              <a:buSzPts val="1100"/>
-              <a:buFontTx/>
-              <a:buChar char="-"/>
-            </a:pPr>
-            <a:r>
-              <a:rPr lang="fr-FR" dirty="0"/>
-              <a:t>Etape 2 donner la définition de Lemmatisation et tokenisation</a:t>
-            </a:r>
-            <a:endParaRPr dirty="0"/>
           </a:p>
         </p:txBody>
       </p:sp>
@@ -11397,108 +12467,6 @@
       </p:sp>
       <p:sp>
         <p:nvSpPr>
-          <p:cNvPr id="2" name="Espace réservé du texte 2">
-            <a:extLst>
-              <a:ext uri="{FF2B5EF4-FFF2-40B4-BE49-F238E27FC236}">
-                <a16:creationId xmlns:a16="http://schemas.microsoft.com/office/drawing/2014/main" id="{1617F490-D3A9-6FBB-5D64-6F638AD3FB65}"/>
-              </a:ext>
-            </a:extLst>
-          </p:cNvPr>
-          <p:cNvSpPr>
-            <a:spLocks noGrp="1"/>
-          </p:cNvSpPr>
-          <p:nvPr>
-            <p:ph type="body" idx="1"/>
-          </p:nvPr>
-        </p:nvSpPr>
-        <p:spPr>
-          <a:xfrm>
-            <a:off x="238896" y="4880027"/>
-            <a:ext cx="4242739" cy="329923"/>
-          </a:xfrm>
-        </p:spPr>
-        <p:txBody>
-          <a:bodyPr/>
-          <a:lstStyle/>
-          <a:p>
-            <a:pPr marL="0" indent="0">
-              <a:lnSpc>
-                <a:spcPct val="100000"/>
-              </a:lnSpc>
-              <a:buNone/>
-            </a:pPr>
-            <a:r>
-              <a:rPr lang="fr-FR" sz="1100" dirty="0">
-                <a:highlight>
-                  <a:srgbClr val="FFFF00"/>
-                </a:highlight>
-                <a:latin typeface="Inter" panose="020B0604020202020204" charset="0"/>
-                <a:ea typeface="Inter" panose="020B0604020202020204" charset="0"/>
-              </a:rPr>
-              <a:t>Suivi du </a:t>
-            </a:r>
-            <a:r>
-              <a:rPr lang="fr-FR" sz="1100" dirty="0" err="1">
-                <a:highlight>
-                  <a:srgbClr val="FFFF00"/>
-                </a:highlight>
-                <a:latin typeface="Inter" panose="020B0604020202020204" charset="0"/>
-                <a:ea typeface="Inter" panose="020B0604020202020204" charset="0"/>
-              </a:rPr>
-              <a:t>tracking</a:t>
-            </a:r>
-            <a:r>
-              <a:rPr lang="fr-FR" sz="1100" dirty="0">
-                <a:highlight>
-                  <a:srgbClr val="FFFF00"/>
-                </a:highlight>
-                <a:latin typeface="Inter" panose="020B0604020202020204" charset="0"/>
-                <a:ea typeface="Inter" panose="020B0604020202020204" charset="0"/>
-              </a:rPr>
-              <a:t> des </a:t>
-            </a:r>
-            <a:r>
-              <a:rPr lang="fr-FR" sz="1100" dirty="0" err="1">
-                <a:highlight>
-                  <a:srgbClr val="FFFF00"/>
-                </a:highlight>
-                <a:latin typeface="Inter" panose="020B0604020202020204" charset="0"/>
-                <a:ea typeface="Inter" panose="020B0604020202020204" charset="0"/>
-              </a:rPr>
-              <a:t>modeles</a:t>
-            </a:r>
-            <a:r>
-              <a:rPr lang="fr-FR" sz="1100" dirty="0">
-                <a:highlight>
-                  <a:srgbClr val="FFFF00"/>
-                </a:highlight>
-                <a:latin typeface="Inter" panose="020B0604020202020204" charset="0"/>
-                <a:ea typeface="Inter" panose="020B0604020202020204" charset="0"/>
-              </a:rPr>
-              <a:t> avec </a:t>
-            </a:r>
-            <a:r>
-              <a:rPr lang="fr-FR" sz="1100" dirty="0" err="1">
-                <a:highlight>
-                  <a:srgbClr val="FFFF00"/>
-                </a:highlight>
-                <a:latin typeface="Inter" panose="020B0604020202020204" charset="0"/>
-                <a:ea typeface="Inter" panose="020B0604020202020204" charset="0"/>
-              </a:rPr>
-              <a:t>MLFlow</a:t>
-            </a:r>
-            <a:endParaRPr lang="fr-FR" sz="1100" dirty="0">
-              <a:highlight>
-                <a:srgbClr val="FFFF00"/>
-              </a:highlight>
-              <a:latin typeface="Inter" panose="020B0604020202020204" charset="0"/>
-              <a:ea typeface="Inter" panose="020B0604020202020204" charset="0"/>
-            </a:endParaRPr>
-          </a:p>
-        </p:txBody>
-      </p:sp>
-      <p:sp>
-        <p:nvSpPr>
           <p:cNvPr id="7" name="Espace réservé du texte 2">
             <a:extLst>
               <a:ext uri="{FF2B5EF4-FFF2-40B4-BE49-F238E27FC236}">
@@ -12708,6 +13676,479 @@
   <p:cSld>
     <p:spTree>
       <p:nvGrpSpPr>
+        <p:cNvPr id="1" name=""/>
+        <p:cNvGrpSpPr/>
+        <p:nvPr/>
+      </p:nvGrpSpPr>
+      <p:grpSpPr>
+        <a:xfrm>
+          <a:off x="0" y="0"/>
+          <a:ext cx="0" cy="0"/>
+          <a:chOff x="0" y="0"/>
+          <a:chExt cx="0" cy="0"/>
+        </a:xfrm>
+      </p:grpSpPr>
+      <p:sp>
+        <p:nvSpPr>
+          <p:cNvPr id="6" name="Google Shape;89;p18">
+            <a:extLst>
+              <a:ext uri="{FF2B5EF4-FFF2-40B4-BE49-F238E27FC236}">
+                <a16:creationId xmlns:a16="http://schemas.microsoft.com/office/drawing/2014/main" id="{09ADB504-5A51-5380-8176-BEE50D49A2C6}"/>
+              </a:ext>
+            </a:extLst>
+          </p:cNvPr>
+          <p:cNvSpPr txBox="1">
+            <a:spLocks/>
+          </p:cNvSpPr>
+          <p:nvPr/>
+        </p:nvSpPr>
+        <p:spPr>
+          <a:xfrm>
+            <a:off x="1164904" y="181324"/>
+            <a:ext cx="5315100" cy="533100"/>
+          </a:xfrm>
+          <a:prstGeom prst="rect">
+            <a:avLst/>
+          </a:prstGeom>
+          <a:noFill/>
+          <a:ln>
+            <a:noFill/>
+          </a:ln>
+        </p:spPr>
+        <p:txBody>
+          <a:bodyPr spcFirstLastPara="1" wrap="square" lIns="91425" tIns="91425" rIns="91425" bIns="91425" anchor="t" anchorCtr="0">
+            <a:noAutofit/>
+          </a:bodyPr>
+          <a:lstStyle>
+            <a:defPPr marR="0" lvl="0" algn="l" rtl="0">
+              <a:lnSpc>
+                <a:spcPct val="100000"/>
+              </a:lnSpc>
+              <a:spcBef>
+                <a:spcPts val="0"/>
+              </a:spcBef>
+              <a:spcAft>
+                <a:spcPts val="0"/>
+              </a:spcAft>
+            </a:defPPr>
+            <a:lvl1pPr marR="0" lvl="0" algn="l" rtl="0">
+              <a:lnSpc>
+                <a:spcPct val="100000"/>
+              </a:lnSpc>
+              <a:spcBef>
+                <a:spcPts val="0"/>
+              </a:spcBef>
+              <a:spcAft>
+                <a:spcPts val="0"/>
+              </a:spcAft>
+              <a:buClr>
+                <a:schemeClr val="dk1"/>
+              </a:buClr>
+              <a:buSzPts val="2800"/>
+              <a:buFont typeface="Arial"/>
+              <a:buNone/>
+              <a:defRPr sz="2800" b="0" i="0" u="none" strike="noStrike" cap="none">
+                <a:solidFill>
+                  <a:schemeClr val="dk1"/>
+                </a:solidFill>
+                <a:latin typeface="Arial"/>
+                <a:ea typeface="Arial"/>
+                <a:cs typeface="Arial"/>
+                <a:sym typeface="Arial"/>
+              </a:defRPr>
+            </a:lvl1pPr>
+            <a:lvl2pPr marR="0" lvl="1" algn="l" rtl="0">
+              <a:lnSpc>
+                <a:spcPct val="100000"/>
+              </a:lnSpc>
+              <a:spcBef>
+                <a:spcPts val="0"/>
+              </a:spcBef>
+              <a:spcAft>
+                <a:spcPts val="0"/>
+              </a:spcAft>
+              <a:buClr>
+                <a:schemeClr val="dk1"/>
+              </a:buClr>
+              <a:buSzPts val="2800"/>
+              <a:buFont typeface="Arial"/>
+              <a:buNone/>
+              <a:defRPr sz="2800" b="0" i="0" u="none" strike="noStrike" cap="none">
+                <a:solidFill>
+                  <a:schemeClr val="dk1"/>
+                </a:solidFill>
+                <a:latin typeface="Arial"/>
+                <a:ea typeface="Arial"/>
+                <a:cs typeface="Arial"/>
+                <a:sym typeface="Arial"/>
+              </a:defRPr>
+            </a:lvl2pPr>
+            <a:lvl3pPr marR="0" lvl="2" algn="l" rtl="0">
+              <a:lnSpc>
+                <a:spcPct val="100000"/>
+              </a:lnSpc>
+              <a:spcBef>
+                <a:spcPts val="0"/>
+              </a:spcBef>
+              <a:spcAft>
+                <a:spcPts val="0"/>
+              </a:spcAft>
+              <a:buClr>
+                <a:schemeClr val="dk1"/>
+              </a:buClr>
+              <a:buSzPts val="2800"/>
+              <a:buFont typeface="Arial"/>
+              <a:buNone/>
+              <a:defRPr sz="2800" b="0" i="0" u="none" strike="noStrike" cap="none">
+                <a:solidFill>
+                  <a:schemeClr val="dk1"/>
+                </a:solidFill>
+                <a:latin typeface="Arial"/>
+                <a:ea typeface="Arial"/>
+                <a:cs typeface="Arial"/>
+                <a:sym typeface="Arial"/>
+              </a:defRPr>
+            </a:lvl3pPr>
+            <a:lvl4pPr marR="0" lvl="3" algn="l" rtl="0">
+              <a:lnSpc>
+                <a:spcPct val="100000"/>
+              </a:lnSpc>
+              <a:spcBef>
+                <a:spcPts val="0"/>
+              </a:spcBef>
+              <a:spcAft>
+                <a:spcPts val="0"/>
+              </a:spcAft>
+              <a:buClr>
+                <a:schemeClr val="dk1"/>
+              </a:buClr>
+              <a:buSzPts val="2800"/>
+              <a:buFont typeface="Arial"/>
+              <a:buNone/>
+              <a:defRPr sz="2800" b="0" i="0" u="none" strike="noStrike" cap="none">
+                <a:solidFill>
+                  <a:schemeClr val="dk1"/>
+                </a:solidFill>
+                <a:latin typeface="Arial"/>
+                <a:ea typeface="Arial"/>
+                <a:cs typeface="Arial"/>
+                <a:sym typeface="Arial"/>
+              </a:defRPr>
+            </a:lvl4pPr>
+            <a:lvl5pPr marR="0" lvl="4" algn="l" rtl="0">
+              <a:lnSpc>
+                <a:spcPct val="100000"/>
+              </a:lnSpc>
+              <a:spcBef>
+                <a:spcPts val="0"/>
+              </a:spcBef>
+              <a:spcAft>
+                <a:spcPts val="0"/>
+              </a:spcAft>
+              <a:buClr>
+                <a:schemeClr val="dk1"/>
+              </a:buClr>
+              <a:buSzPts val="2800"/>
+              <a:buFont typeface="Arial"/>
+              <a:buNone/>
+              <a:defRPr sz="2800" b="0" i="0" u="none" strike="noStrike" cap="none">
+                <a:solidFill>
+                  <a:schemeClr val="dk1"/>
+                </a:solidFill>
+                <a:latin typeface="Arial"/>
+                <a:ea typeface="Arial"/>
+                <a:cs typeface="Arial"/>
+                <a:sym typeface="Arial"/>
+              </a:defRPr>
+            </a:lvl5pPr>
+            <a:lvl6pPr marR="0" lvl="5" algn="l" rtl="0">
+              <a:lnSpc>
+                <a:spcPct val="100000"/>
+              </a:lnSpc>
+              <a:spcBef>
+                <a:spcPts val="0"/>
+              </a:spcBef>
+              <a:spcAft>
+                <a:spcPts val="0"/>
+              </a:spcAft>
+              <a:buClr>
+                <a:schemeClr val="dk1"/>
+              </a:buClr>
+              <a:buSzPts val="2800"/>
+              <a:buFont typeface="Arial"/>
+              <a:buNone/>
+              <a:defRPr sz="2800" b="0" i="0" u="none" strike="noStrike" cap="none">
+                <a:solidFill>
+                  <a:schemeClr val="dk1"/>
+                </a:solidFill>
+                <a:latin typeface="Arial"/>
+                <a:ea typeface="Arial"/>
+                <a:cs typeface="Arial"/>
+                <a:sym typeface="Arial"/>
+              </a:defRPr>
+            </a:lvl6pPr>
+            <a:lvl7pPr marR="0" lvl="6" algn="l" rtl="0">
+              <a:lnSpc>
+                <a:spcPct val="100000"/>
+              </a:lnSpc>
+              <a:spcBef>
+                <a:spcPts val="0"/>
+              </a:spcBef>
+              <a:spcAft>
+                <a:spcPts val="0"/>
+              </a:spcAft>
+              <a:buClr>
+                <a:schemeClr val="dk1"/>
+              </a:buClr>
+              <a:buSzPts val="2800"/>
+              <a:buFont typeface="Arial"/>
+              <a:buNone/>
+              <a:defRPr sz="2800" b="0" i="0" u="none" strike="noStrike" cap="none">
+                <a:solidFill>
+                  <a:schemeClr val="dk1"/>
+                </a:solidFill>
+                <a:latin typeface="Arial"/>
+                <a:ea typeface="Arial"/>
+                <a:cs typeface="Arial"/>
+                <a:sym typeface="Arial"/>
+              </a:defRPr>
+            </a:lvl7pPr>
+            <a:lvl8pPr marR="0" lvl="7" algn="l" rtl="0">
+              <a:lnSpc>
+                <a:spcPct val="100000"/>
+              </a:lnSpc>
+              <a:spcBef>
+                <a:spcPts val="0"/>
+              </a:spcBef>
+              <a:spcAft>
+                <a:spcPts val="0"/>
+              </a:spcAft>
+              <a:buClr>
+                <a:schemeClr val="dk1"/>
+              </a:buClr>
+              <a:buSzPts val="2800"/>
+              <a:buFont typeface="Arial"/>
+              <a:buNone/>
+              <a:defRPr sz="2800" b="0" i="0" u="none" strike="noStrike" cap="none">
+                <a:solidFill>
+                  <a:schemeClr val="dk1"/>
+                </a:solidFill>
+                <a:latin typeface="Arial"/>
+                <a:ea typeface="Arial"/>
+                <a:cs typeface="Arial"/>
+                <a:sym typeface="Arial"/>
+              </a:defRPr>
+            </a:lvl8pPr>
+            <a:lvl9pPr marR="0" lvl="8" algn="l" rtl="0">
+              <a:lnSpc>
+                <a:spcPct val="100000"/>
+              </a:lnSpc>
+              <a:spcBef>
+                <a:spcPts val="0"/>
+              </a:spcBef>
+              <a:spcAft>
+                <a:spcPts val="0"/>
+              </a:spcAft>
+              <a:buClr>
+                <a:schemeClr val="dk1"/>
+              </a:buClr>
+              <a:buSzPts val="2800"/>
+              <a:buFont typeface="Arial"/>
+              <a:buNone/>
+              <a:defRPr sz="2800" b="0" i="0" u="none" strike="noStrike" cap="none">
+                <a:solidFill>
+                  <a:schemeClr val="dk1"/>
+                </a:solidFill>
+                <a:latin typeface="Arial"/>
+                <a:ea typeface="Arial"/>
+                <a:cs typeface="Arial"/>
+                <a:sym typeface="Arial"/>
+              </a:defRPr>
+            </a:lvl9pPr>
+          </a:lstStyle>
+          <a:p>
+            <a:r>
+              <a:rPr lang="fr-FR" sz="2500" dirty="0" err="1">
+                <a:solidFill>
+                  <a:srgbClr val="0E3449"/>
+                </a:solidFill>
+                <a:latin typeface="Inter SemiBold"/>
+                <a:ea typeface="Inter SemiBold"/>
+                <a:cs typeface="Inter SemiBold"/>
+                <a:sym typeface="Inter SemiBold"/>
+              </a:rPr>
+              <a:t>MLFlow</a:t>
+            </a:r>
+            <a:endParaRPr lang="fr-FR" sz="2500" dirty="0">
+              <a:solidFill>
+                <a:srgbClr val="0E3449"/>
+              </a:solidFill>
+              <a:latin typeface="Inter SemiBold"/>
+              <a:ea typeface="Inter SemiBold"/>
+              <a:cs typeface="Inter SemiBold"/>
+              <a:sym typeface="Inter SemiBold"/>
+            </a:endParaRPr>
+          </a:p>
+        </p:txBody>
+      </p:sp>
+      <p:pic>
+        <p:nvPicPr>
+          <p:cNvPr id="7" name="Google Shape;90;p18">
+            <a:extLst>
+              <a:ext uri="{FF2B5EF4-FFF2-40B4-BE49-F238E27FC236}">
+                <a16:creationId xmlns:a16="http://schemas.microsoft.com/office/drawing/2014/main" id="{2FAA1ADD-2B9B-2ECD-9E85-07958ADCA509}"/>
+              </a:ext>
+            </a:extLst>
+          </p:cNvPr>
+          <p:cNvPicPr preferRelativeResize="0"/>
+          <p:nvPr/>
+        </p:nvPicPr>
+        <p:blipFill rotWithShape="1">
+          <a:blip r:embed="rId3">
+            <a:alphaModFix/>
+          </a:blip>
+          <a:srcRect/>
+          <a:stretch/>
+        </p:blipFill>
+        <p:spPr>
+          <a:xfrm>
+            <a:off x="435615" y="260867"/>
+            <a:ext cx="576900" cy="385904"/>
+          </a:xfrm>
+          <a:prstGeom prst="rect">
+            <a:avLst/>
+          </a:prstGeom>
+          <a:noFill/>
+          <a:ln>
+            <a:noFill/>
+          </a:ln>
+        </p:spPr>
+      </p:pic>
+      <p:sp>
+        <p:nvSpPr>
+          <p:cNvPr id="10" name="Google Shape;91;p18">
+            <a:extLst>
+              <a:ext uri="{FF2B5EF4-FFF2-40B4-BE49-F238E27FC236}">
+                <a16:creationId xmlns:a16="http://schemas.microsoft.com/office/drawing/2014/main" id="{1F8E47F4-DBAE-08D7-293D-5F0293928848}"/>
+              </a:ext>
+            </a:extLst>
+          </p:cNvPr>
+          <p:cNvSpPr/>
+          <p:nvPr/>
+        </p:nvSpPr>
+        <p:spPr>
+          <a:xfrm>
+            <a:off x="10225" y="4892025"/>
+            <a:ext cx="9144000" cy="251400"/>
+          </a:xfrm>
+          <a:prstGeom prst="rect">
+            <a:avLst/>
+          </a:prstGeom>
+          <a:solidFill>
+            <a:srgbClr val="C3FFFC"/>
+          </a:solidFill>
+          <a:ln>
+            <a:noFill/>
+          </a:ln>
+        </p:spPr>
+        <p:txBody>
+          <a:bodyPr spcFirstLastPara="1" wrap="square" lIns="91425" tIns="91425" rIns="91425" bIns="91425" anchor="ctr" anchorCtr="0">
+            <a:noAutofit/>
+          </a:bodyPr>
+          <a:lstStyle/>
+          <a:p>
+            <a:pPr marL="0" marR="0" lvl="0" indent="0" algn="l" rtl="0">
+              <a:lnSpc>
+                <a:spcPct val="100000"/>
+              </a:lnSpc>
+              <a:spcBef>
+                <a:spcPts val="0"/>
+              </a:spcBef>
+              <a:spcAft>
+                <a:spcPts val="0"/>
+              </a:spcAft>
+              <a:buClr>
+                <a:srgbClr val="000000"/>
+              </a:buClr>
+              <a:buSzPts val="1400"/>
+              <a:buFont typeface="Arial"/>
+              <a:buNone/>
+            </a:pPr>
+            <a:endParaRPr sz="1400" b="0" i="0" u="none" strike="noStrike" cap="none">
+              <a:solidFill>
+                <a:srgbClr val="000000"/>
+              </a:solidFill>
+              <a:latin typeface="Arial"/>
+              <a:ea typeface="Arial"/>
+              <a:cs typeface="Arial"/>
+              <a:sym typeface="Arial"/>
+            </a:endParaRPr>
+          </a:p>
+        </p:txBody>
+      </p:sp>
+      <p:pic>
+        <p:nvPicPr>
+          <p:cNvPr id="12" name="Image 11">
+            <a:extLst>
+              <a:ext uri="{FF2B5EF4-FFF2-40B4-BE49-F238E27FC236}">
+                <a16:creationId xmlns:a16="http://schemas.microsoft.com/office/drawing/2014/main" id="{3ED3629C-51AA-7E3C-BA3C-5B2B3C301CAA}"/>
+              </a:ext>
+            </a:extLst>
+          </p:cNvPr>
+          <p:cNvPicPr>
+            <a:picLocks noChangeAspect="1"/>
+          </p:cNvPicPr>
+          <p:nvPr/>
+        </p:nvPicPr>
+        <p:blipFill>
+          <a:blip r:embed="rId4"/>
+          <a:stretch>
+            <a:fillRect/>
+          </a:stretch>
+        </p:blipFill>
+        <p:spPr>
+          <a:xfrm>
+            <a:off x="97277" y="1269375"/>
+            <a:ext cx="8923506" cy="2842182"/>
+          </a:xfrm>
+          <a:prstGeom prst="rect">
+            <a:avLst/>
+          </a:prstGeom>
+          <a:ln w="88900" cap="sq" cmpd="thickThin">
+            <a:solidFill>
+              <a:schemeClr val="accent5">
+                <a:lumMod val="20000"/>
+                <a:lumOff val="80000"/>
+              </a:schemeClr>
+            </a:solidFill>
+            <a:prstDash val="solid"/>
+            <a:miter lim="800000"/>
+          </a:ln>
+          <a:effectLst>
+            <a:innerShdw blurRad="76200">
+              <a:srgbClr val="000000"/>
+            </a:innerShdw>
+          </a:effectLst>
+        </p:spPr>
+      </p:pic>
+    </p:spTree>
+    <p:extLst>
+      <p:ext uri="{BB962C8B-B14F-4D97-AF65-F5344CB8AC3E}">
+        <p14:creationId xmlns:p14="http://schemas.microsoft.com/office/powerpoint/2010/main" val="1963629177"/>
+      </p:ext>
+    </p:extLst>
+  </p:cSld>
+  <p:clrMapOvr>
+    <a:masterClrMapping/>
+  </p:clrMapOvr>
+</p:sld>
+</file>
+
+<file path=ppt/slides/slide12.xml><?xml version="1.0" encoding="utf-8"?>
+<p:sld xmlns:a="http://schemas.openxmlformats.org/drawingml/2006/main" xmlns:r="http://schemas.openxmlformats.org/officeDocument/2006/relationships" xmlns:p="http://schemas.openxmlformats.org/presentationml/2006/main">
+  <p:cSld>
+    <p:spTree>
+      <p:nvGrpSpPr>
         <p:cNvPr id="1" name="Shape 95"/>
         <p:cNvGrpSpPr/>
         <p:nvPr/>
@@ -12957,7 +14398,7 @@
           <p:nvPr>
             <p:extLst>
               <p:ext uri="{D42A27DB-BD31-4B8C-83A1-F6EECF244321}">
-                <p14:modId xmlns:p14="http://schemas.microsoft.com/office/powerpoint/2010/main" val="1788064052"/>
+                <p14:modId xmlns:p14="http://schemas.microsoft.com/office/powerpoint/2010/main" val="2992541575"/>
               </p:ext>
             </p:extLst>
           </p:nvPr>
@@ -13001,7 +14442,10 @@
                     <a:bodyPr/>
                     <a:lstStyle/>
                     <a:p>
-                      <a:endParaRPr lang="fr-FR" dirty="0"/>
+                      <a:endParaRPr lang="fr-FR" dirty="0">
+                        <a:latin typeface="Inter" panose="020B0604020202020204" charset="0"/>
+                        <a:ea typeface="Inter" panose="020B0604020202020204" charset="0"/>
+                      </a:endParaRPr>
                     </a:p>
                   </a:txBody>
                   <a:tcPr anchor="ctr"/>
@@ -13012,7 +14456,10 @@
                     <a:lstStyle/>
                     <a:p>
                       <a:r>
-                        <a:rPr lang="fr-FR" dirty="0"/>
+                        <a:rPr lang="fr-FR" dirty="0">
+                          <a:latin typeface="Inter" panose="020B0604020202020204" charset="0"/>
+                          <a:ea typeface="Inter" panose="020B0604020202020204" charset="0"/>
+                        </a:rPr>
                         <a:t>Précision</a:t>
                       </a:r>
                     </a:p>
@@ -13025,7 +14472,10 @@
                     <a:lstStyle/>
                     <a:p>
                       <a:r>
-                        <a:rPr lang="fr-FR" dirty="0"/>
+                        <a:rPr lang="fr-FR" dirty="0">
+                          <a:latin typeface="Inter" panose="020B0604020202020204" charset="0"/>
+                          <a:ea typeface="Inter" panose="020B0604020202020204" charset="0"/>
+                        </a:rPr>
                         <a:t>F1 Score</a:t>
                       </a:r>
                     </a:p>
@@ -13045,7 +14495,10 @@
                     <a:lstStyle/>
                     <a:p>
                       <a:r>
-                        <a:rPr lang="fr-FR" dirty="0"/>
+                        <a:rPr lang="fr-FR" dirty="0">
+                          <a:latin typeface="Inter" panose="020B0604020202020204" charset="0"/>
+                          <a:ea typeface="Inter" panose="020B0604020202020204" charset="0"/>
+                        </a:rPr>
                         <a:t>Négatif</a:t>
                       </a:r>
                     </a:p>
@@ -13058,7 +14511,10 @@
                     <a:lstStyle/>
                     <a:p>
                       <a:r>
-                        <a:rPr lang="fr-FR" dirty="0"/>
+                        <a:rPr lang="fr-FR" dirty="0">
+                          <a:latin typeface="Inter" panose="020B0604020202020204" charset="0"/>
+                          <a:ea typeface="Inter" panose="020B0604020202020204" charset="0"/>
+                        </a:rPr>
                         <a:t>0.78</a:t>
                       </a:r>
                     </a:p>
@@ -13071,7 +14527,10 @@
                     <a:lstStyle/>
                     <a:p>
                       <a:r>
-                        <a:rPr lang="fr-FR" dirty="0"/>
+                        <a:rPr lang="fr-FR" dirty="0">
+                          <a:latin typeface="Inter" panose="020B0604020202020204" charset="0"/>
+                          <a:ea typeface="Inter" panose="020B0604020202020204" charset="0"/>
+                        </a:rPr>
                         <a:t>0.66</a:t>
                       </a:r>
                     </a:p>
@@ -13091,7 +14550,10 @@
                     <a:lstStyle/>
                     <a:p>
                       <a:r>
-                        <a:rPr lang="fr-FR" dirty="0"/>
+                        <a:rPr lang="fr-FR" dirty="0">
+                          <a:latin typeface="Inter" panose="020B0604020202020204" charset="0"/>
+                          <a:ea typeface="Inter" panose="020B0604020202020204" charset="0"/>
+                        </a:rPr>
                         <a:t>Positif</a:t>
                       </a:r>
                     </a:p>
@@ -13104,7 +14566,10 @@
                     <a:lstStyle/>
                     <a:p>
                       <a:r>
-                        <a:rPr lang="fr-FR" dirty="0"/>
+                        <a:rPr lang="fr-FR" dirty="0">
+                          <a:latin typeface="Inter" panose="020B0604020202020204" charset="0"/>
+                          <a:ea typeface="Inter" panose="020B0604020202020204" charset="0"/>
+                        </a:rPr>
                         <a:t>0.91</a:t>
                       </a:r>
                     </a:p>
@@ -13117,7 +14582,10 @@
                     <a:lstStyle/>
                     <a:p>
                       <a:r>
-                        <a:rPr lang="fr-FR" dirty="0"/>
+                        <a:rPr lang="fr-FR" dirty="0">
+                          <a:latin typeface="Inter" panose="020B0604020202020204" charset="0"/>
+                          <a:ea typeface="Inter" panose="020B0604020202020204" charset="0"/>
+                        </a:rPr>
                         <a:t>0.93</a:t>
                       </a:r>
                     </a:p>
@@ -13726,7 +15194,7 @@
 </p:sld>
 </file>
 
-<file path=ppt/slides/slide12.xml><?xml version="1.0" encoding="utf-8"?>
+<file path=ppt/slides/slide13.xml><?xml version="1.0" encoding="utf-8"?>
 <p:sld xmlns:a="http://schemas.openxmlformats.org/drawingml/2006/main" xmlns:r="http://schemas.openxmlformats.org/officeDocument/2006/relationships" xmlns:p="http://schemas.openxmlformats.org/presentationml/2006/main">
   <p:cSld>
     <p:bg>
@@ -13999,7 +15467,7 @@
               <a:buNone/>
             </a:pPr>
             <a:r>
-              <a:rPr lang="fr" sz="2400">
+              <a:rPr lang="fr" sz="2400" dirty="0">
                 <a:solidFill>
                   <a:srgbClr val="015955"/>
                 </a:solidFill>
@@ -14010,7 +15478,7 @@
               </a:rPr>
               <a:t>Group members</a:t>
             </a:r>
-            <a:endParaRPr sz="2400">
+            <a:endParaRPr sz="2400" dirty="0">
               <a:solidFill>
                 <a:srgbClr val="015955"/>
               </a:solidFill>
@@ -14750,7 +16218,13 @@
   <p:cSld>
     <p:spTree>
       <p:nvGrpSpPr>
-        <p:cNvPr id="1" name="Shape 88"/>
+        <p:cNvPr id="1" name="Shape 88">
+          <a:extLst>
+            <a:ext uri="{FF2B5EF4-FFF2-40B4-BE49-F238E27FC236}">
+              <a16:creationId xmlns:a16="http://schemas.microsoft.com/office/drawing/2014/main" id="{C7B186CD-FEDA-E74E-ECEA-91D826F59FE8}"/>
+            </a:ext>
+          </a:extLst>
+        </p:cNvPr>
         <p:cNvGrpSpPr/>
         <p:nvPr/>
       </p:nvGrpSpPr>
@@ -14762,9 +16236,44 @@
           <a:chExt cx="0" cy="0"/>
         </a:xfrm>
       </p:grpSpPr>
+      <p:pic>
+        <p:nvPicPr>
+          <p:cNvPr id="3" name="Image 2">
+            <a:extLst>
+              <a:ext uri="{FF2B5EF4-FFF2-40B4-BE49-F238E27FC236}">
+                <a16:creationId xmlns:a16="http://schemas.microsoft.com/office/drawing/2014/main" id="{6CC0619A-E18A-CB3D-0A77-1EB5E95047C1}"/>
+              </a:ext>
+            </a:extLst>
+          </p:cNvPr>
+          <p:cNvPicPr>
+            <a:picLocks noChangeAspect="1"/>
+          </p:cNvPicPr>
+          <p:nvPr/>
+        </p:nvPicPr>
+        <p:blipFill>
+          <a:blip r:embed="rId3"/>
+          <a:srcRect t="23849" r="1383" b="5512"/>
+          <a:stretch/>
+        </p:blipFill>
+        <p:spPr>
+          <a:xfrm>
+            <a:off x="63245" y="122694"/>
+            <a:ext cx="9017510" cy="2075222"/>
+          </a:xfrm>
+          <a:prstGeom prst="rect">
+            <a:avLst/>
+          </a:prstGeom>
+        </p:spPr>
+      </p:pic>
       <p:sp>
         <p:nvSpPr>
-          <p:cNvPr id="91" name="Google Shape;91;p18"/>
+          <p:cNvPr id="91" name="Google Shape;91;p18">
+            <a:extLst>
+              <a:ext uri="{FF2B5EF4-FFF2-40B4-BE49-F238E27FC236}">
+                <a16:creationId xmlns:a16="http://schemas.microsoft.com/office/drawing/2014/main" id="{622BFE74-17BA-5923-A0BF-19AD07CA9A7A}"/>
+              </a:ext>
+            </a:extLst>
+          </p:cNvPr>
           <p:cNvSpPr/>
           <p:nvPr/>
         </p:nvSpPr>
@@ -14820,72 +16329,18 @@
       </p:sp>
       <p:pic>
         <p:nvPicPr>
-          <p:cNvPr id="6" name="Image 5">
+          <p:cNvPr id="90" name="Google Shape;90;p18">
             <a:extLst>
               <a:ext uri="{FF2B5EF4-FFF2-40B4-BE49-F238E27FC236}">
-                <a16:creationId xmlns:a16="http://schemas.microsoft.com/office/drawing/2014/main" id="{D0D8F91F-9253-245B-7984-E2F4461E4CFC}"/>
+                <a16:creationId xmlns:a16="http://schemas.microsoft.com/office/drawing/2014/main" id="{6BB36918-1C0D-1DB6-92F4-F1E338F329F5}"/>
               </a:ext>
             </a:extLst>
           </p:cNvPr>
-          <p:cNvPicPr>
-            <a:picLocks noChangeAspect="1"/>
-          </p:cNvPicPr>
-          <p:nvPr/>
-        </p:nvPicPr>
-        <p:blipFill>
-          <a:blip r:embed="rId3"/>
-          <a:stretch>
-            <a:fillRect/>
-          </a:stretch>
-        </p:blipFill>
-        <p:spPr>
-          <a:xfrm>
-            <a:off x="1061514" y="2307822"/>
-            <a:ext cx="3595455" cy="2611703"/>
-          </a:xfrm>
-          <a:prstGeom prst="rect">
-            <a:avLst/>
-          </a:prstGeom>
-        </p:spPr>
-      </p:pic>
-      <p:pic>
-        <p:nvPicPr>
-          <p:cNvPr id="4" name="Image 3">
-            <a:extLst>
-              <a:ext uri="{FF2B5EF4-FFF2-40B4-BE49-F238E27FC236}">
-                <a16:creationId xmlns:a16="http://schemas.microsoft.com/office/drawing/2014/main" id="{39BB2444-2ECC-88F2-272A-DEEB8922731D}"/>
-              </a:ext>
-            </a:extLst>
-          </p:cNvPr>
-          <p:cNvPicPr>
-            <a:picLocks noChangeAspect="1"/>
-          </p:cNvPicPr>
-          <p:nvPr/>
-        </p:nvPicPr>
-        <p:blipFill>
-          <a:blip r:embed="rId4"/>
-          <a:stretch>
-            <a:fillRect/>
-          </a:stretch>
-        </p:blipFill>
-        <p:spPr>
-          <a:xfrm>
-            <a:off x="0" y="117358"/>
-            <a:ext cx="9144000" cy="2215507"/>
-          </a:xfrm>
-          <a:prstGeom prst="rect">
-            <a:avLst/>
-          </a:prstGeom>
-        </p:spPr>
-      </p:pic>
-      <p:pic>
-        <p:nvPicPr>
-          <p:cNvPr id="90" name="Google Shape;90;p18"/>
           <p:cNvPicPr preferRelativeResize="0"/>
           <p:nvPr/>
         </p:nvPicPr>
         <p:blipFill rotWithShape="1">
-          <a:blip r:embed="rId5">
+          <a:blip r:embed="rId4">
             <a:alphaModFix/>
           </a:blip>
           <a:srcRect/>
@@ -14893,7 +16348,7 @@
         </p:blipFill>
         <p:spPr>
           <a:xfrm>
-            <a:off x="8440610" y="117358"/>
+            <a:off x="8557488" y="82005"/>
             <a:ext cx="576900" cy="385904"/>
           </a:xfrm>
           <a:prstGeom prst="rect">
@@ -14907,7 +16362,13 @@
       </p:pic>
       <p:sp>
         <p:nvSpPr>
-          <p:cNvPr id="89" name="Google Shape;89;p18"/>
+          <p:cNvPr id="89" name="Google Shape;89;p18">
+            <a:extLst>
+              <a:ext uri="{FF2B5EF4-FFF2-40B4-BE49-F238E27FC236}">
+                <a16:creationId xmlns:a16="http://schemas.microsoft.com/office/drawing/2014/main" id="{0186E3ED-8C5F-B63F-FBD1-E55C4C8087CF}"/>
+              </a:ext>
+            </a:extLst>
+          </p:cNvPr>
           <p:cNvSpPr txBox="1">
             <a:spLocks noGrp="1"/>
           </p:cNvSpPr>
@@ -14977,10 +16438,39 @@
       </p:sp>
       <p:pic>
         <p:nvPicPr>
-          <p:cNvPr id="10" name="Image 9">
+          <p:cNvPr id="7" name="Image 6">
             <a:extLst>
               <a:ext uri="{FF2B5EF4-FFF2-40B4-BE49-F238E27FC236}">
-                <a16:creationId xmlns:a16="http://schemas.microsoft.com/office/drawing/2014/main" id="{243794D0-A11B-3DF0-594C-E56703443180}"/>
+                <a16:creationId xmlns:a16="http://schemas.microsoft.com/office/drawing/2014/main" id="{78F9AB96-60FE-524C-AF37-4100AA83129A}"/>
+              </a:ext>
+            </a:extLst>
+          </p:cNvPr>
+          <p:cNvPicPr>
+            <a:picLocks noChangeAspect="1"/>
+          </p:cNvPicPr>
+          <p:nvPr/>
+        </p:nvPicPr>
+        <p:blipFill>
+          <a:blip r:embed="rId5"/>
+          <a:srcRect b="46541"/>
+          <a:stretch/>
+        </p:blipFill>
+        <p:spPr>
+          <a:xfrm>
+            <a:off x="178314" y="2259440"/>
+            <a:ext cx="3043693" cy="1195943"/>
+          </a:xfrm>
+          <a:prstGeom prst="rect">
+            <a:avLst/>
+          </a:prstGeom>
+        </p:spPr>
+      </p:pic>
+      <p:pic>
+        <p:nvPicPr>
+          <p:cNvPr id="9" name="Image 8">
+            <a:extLst>
+              <a:ext uri="{FF2B5EF4-FFF2-40B4-BE49-F238E27FC236}">
+                <a16:creationId xmlns:a16="http://schemas.microsoft.com/office/drawing/2014/main" id="{6AD82299-7D51-9295-41C8-6A7E47A57E28}"/>
               </a:ext>
             </a:extLst>
           </p:cNvPr>
@@ -14997,8 +16487,8 @@
         </p:blipFill>
         <p:spPr>
           <a:xfrm>
-            <a:off x="4732148" y="2388032"/>
-            <a:ext cx="3825340" cy="1333073"/>
+            <a:off x="6261928" y="2373600"/>
+            <a:ext cx="2777788" cy="1025684"/>
           </a:xfrm>
           <a:prstGeom prst="rect">
             <a:avLst/>
@@ -15007,10 +16497,10 @@
       </p:pic>
       <p:pic>
         <p:nvPicPr>
-          <p:cNvPr id="12" name="Image 11">
+          <p:cNvPr id="14" name="Image 13">
             <a:extLst>
               <a:ext uri="{FF2B5EF4-FFF2-40B4-BE49-F238E27FC236}">
-                <a16:creationId xmlns:a16="http://schemas.microsoft.com/office/drawing/2014/main" id="{DA08B49D-558F-CAE8-B75D-108CD8ECD490}"/>
+                <a16:creationId xmlns:a16="http://schemas.microsoft.com/office/drawing/2014/main" id="{01917E2A-12C6-4931-A7F8-C1B966E7E174}"/>
               </a:ext>
             </a:extLst>
           </p:cNvPr>
@@ -15021,13 +16511,43 @@
         </p:nvPicPr>
         <p:blipFill>
           <a:blip r:embed="rId7"/>
-          <a:srcRect r="71654"/>
+          <a:stretch>
+            <a:fillRect/>
+          </a:stretch>
+        </p:blipFill>
+        <p:spPr>
+          <a:xfrm>
+            <a:off x="2297409" y="3441401"/>
+            <a:ext cx="5761354" cy="1482803"/>
+          </a:xfrm>
+          <a:prstGeom prst="rect">
+            <a:avLst/>
+          </a:prstGeom>
+        </p:spPr>
+      </p:pic>
+      <p:pic>
+        <p:nvPicPr>
+          <p:cNvPr id="15" name="Image 14">
+            <a:extLst>
+              <a:ext uri="{FF2B5EF4-FFF2-40B4-BE49-F238E27FC236}">
+                <a16:creationId xmlns:a16="http://schemas.microsoft.com/office/drawing/2014/main" id="{1AF1A22D-4095-D69D-4623-4EF2E0D0F178}"/>
+              </a:ext>
+            </a:extLst>
+          </p:cNvPr>
+          <p:cNvPicPr>
+            <a:picLocks noChangeAspect="1"/>
+          </p:cNvPicPr>
+          <p:nvPr/>
+        </p:nvPicPr>
+        <p:blipFill>
+          <a:blip r:embed="rId5"/>
+          <a:srcRect t="52205"/>
           <a:stretch/>
         </p:blipFill>
         <p:spPr>
           <a:xfrm>
-            <a:off x="4927550" y="3721105"/>
-            <a:ext cx="3434535" cy="1114543"/>
+            <a:off x="3222007" y="2409558"/>
+            <a:ext cx="2948615" cy="1035833"/>
           </a:xfrm>
           <a:prstGeom prst="rect">
             <a:avLst/>
@@ -15036,330 +16556,62 @@
       </p:pic>
       <p:sp>
         <p:nvSpPr>
-          <p:cNvPr id="13" name="ZoneTexte 12">
+          <p:cNvPr id="19" name="Rectangle : coins arrondis 18">
+            <a:hlinkClick r:id="rId8"/>
             <a:extLst>
               <a:ext uri="{FF2B5EF4-FFF2-40B4-BE49-F238E27FC236}">
-                <a16:creationId xmlns:a16="http://schemas.microsoft.com/office/drawing/2014/main" id="{5AA804A8-7728-10B8-38D8-B3894B3C4837}"/>
+                <a16:creationId xmlns:a16="http://schemas.microsoft.com/office/drawing/2014/main" id="{5FB83FCE-D759-2F8D-A730-AB0DE3860942}"/>
               </a:ext>
             </a:extLst>
           </p:cNvPr>
-          <p:cNvSpPr txBox="1"/>
+          <p:cNvSpPr/>
           <p:nvPr/>
         </p:nvSpPr>
         <p:spPr>
           <a:xfrm>
-            <a:off x="1966304" y="4863836"/>
-            <a:ext cx="8591248" cy="307777"/>
+            <a:off x="116643" y="3987054"/>
+            <a:ext cx="2074348" cy="639382"/>
           </a:xfrm>
-          <a:prstGeom prst="rect">
+          <a:prstGeom prst="roundRect">
             <a:avLst/>
           </a:prstGeom>
-          <a:noFill/>
         </p:spPr>
+        <p:style>
+          <a:lnRef idx="1">
+            <a:schemeClr val="accent5"/>
+          </a:lnRef>
+          <a:fillRef idx="2">
+            <a:schemeClr val="accent5"/>
+          </a:fillRef>
+          <a:effectRef idx="1">
+            <a:schemeClr val="accent5"/>
+          </a:effectRef>
+          <a:fontRef idx="minor">
+            <a:schemeClr val="dk1"/>
+          </a:fontRef>
+        </p:style>
         <p:txBody>
-          <a:bodyPr wrap="square" rtlCol="0">
-            <a:spAutoFit/>
-          </a:bodyPr>
+          <a:bodyPr rtlCol="0" anchor="ctr"/>
           <a:lstStyle/>
           <a:p>
-            <a:r>
-              <a:rPr lang="fr-FR" dirty="0">
-                <a:hlinkClick r:id="rId8"/>
-              </a:rPr>
-              <a:t>https://huggingface.co/spaces/jedha0padavan/final-project-dashboard</a:t>
-            </a:r>
+            <a:pPr algn="ctr"/>
             <a:r>
               <a:rPr lang="fr-FR" dirty="0"/>
-              <a:t> </a:t>
+              <a:t>👉DEMO VIDEO👈</a:t>
             </a:r>
           </a:p>
         </p:txBody>
       </p:sp>
     </p:spTree>
+    <p:extLst>
+      <p:ext uri="{BB962C8B-B14F-4D97-AF65-F5344CB8AC3E}">
+        <p14:creationId xmlns:p14="http://schemas.microsoft.com/office/powerpoint/2010/main" val="336669053"/>
+      </p:ext>
+    </p:extLst>
   </p:cSld>
   <p:clrMapOvr>
     <a:masterClrMapping/>
   </p:clrMapOvr>
-  <p:timing>
-    <p:tnLst>
-      <p:par>
-        <p:cTn id="1" dur="indefinite" restart="never" nodeType="tmRoot">
-          <p:childTnLst>
-            <p:seq concurrent="1" nextAc="seek">
-              <p:cTn id="2" dur="indefinite" nodeType="mainSeq">
-                <p:childTnLst>
-                  <p:par>
-                    <p:cTn id="3" fill="hold">
-                      <p:stCondLst>
-                        <p:cond delay="indefinite"/>
-                      </p:stCondLst>
-                      <p:childTnLst>
-                        <p:par>
-                          <p:cTn id="4" fill="hold">
-                            <p:stCondLst>
-                              <p:cond delay="0"/>
-                            </p:stCondLst>
-                            <p:childTnLst>
-                              <p:par>
-                                <p:cTn id="5" presetID="10" presetClass="entr" presetSubtype="0" fill="hold" nodeType="clickEffect">
-                                  <p:stCondLst>
-                                    <p:cond delay="0"/>
-                                  </p:stCondLst>
-                                  <p:childTnLst>
-                                    <p:set>
-                                      <p:cBhvr>
-                                        <p:cTn id="6" dur="1" fill="hold">
-                                          <p:stCondLst>
-                                            <p:cond delay="0"/>
-                                          </p:stCondLst>
-                                        </p:cTn>
-                                        <p:tgtEl>
-                                          <p:spTgt spid="4"/>
-                                        </p:tgtEl>
-                                        <p:attrNameLst>
-                                          <p:attrName>style.visibility</p:attrName>
-                                        </p:attrNameLst>
-                                      </p:cBhvr>
-                                      <p:to>
-                                        <p:strVal val="visible"/>
-                                      </p:to>
-                                    </p:set>
-                                    <p:animEffect transition="in" filter="fade">
-                                      <p:cBhvr>
-                                        <p:cTn id="7" dur="500"/>
-                                        <p:tgtEl>
-                                          <p:spTgt spid="4"/>
-                                        </p:tgtEl>
-                                      </p:cBhvr>
-                                    </p:animEffect>
-                                  </p:childTnLst>
-                                </p:cTn>
-                              </p:par>
-                            </p:childTnLst>
-                          </p:cTn>
-                        </p:par>
-                      </p:childTnLst>
-                    </p:cTn>
-                  </p:par>
-                  <p:par>
-                    <p:cTn id="8" fill="hold">
-                      <p:stCondLst>
-                        <p:cond delay="indefinite"/>
-                      </p:stCondLst>
-                      <p:childTnLst>
-                        <p:par>
-                          <p:cTn id="9" fill="hold">
-                            <p:stCondLst>
-                              <p:cond delay="0"/>
-                            </p:stCondLst>
-                            <p:childTnLst>
-                              <p:par>
-                                <p:cTn id="10" presetID="10" presetClass="entr" presetSubtype="0" fill="hold" nodeType="clickEffect">
-                                  <p:stCondLst>
-                                    <p:cond delay="0"/>
-                                  </p:stCondLst>
-                                  <p:childTnLst>
-                                    <p:set>
-                                      <p:cBhvr>
-                                        <p:cTn id="11" dur="1" fill="hold">
-                                          <p:stCondLst>
-                                            <p:cond delay="0"/>
-                                          </p:stCondLst>
-                                        </p:cTn>
-                                        <p:tgtEl>
-                                          <p:spTgt spid="10"/>
-                                        </p:tgtEl>
-                                        <p:attrNameLst>
-                                          <p:attrName>style.visibility</p:attrName>
-                                        </p:attrNameLst>
-                                      </p:cBhvr>
-                                      <p:to>
-                                        <p:strVal val="visible"/>
-                                      </p:to>
-                                    </p:set>
-                                    <p:animEffect transition="in" filter="fade">
-                                      <p:cBhvr>
-                                        <p:cTn id="12" dur="500"/>
-                                        <p:tgtEl>
-                                          <p:spTgt spid="10"/>
-                                        </p:tgtEl>
-                                      </p:cBhvr>
-                                    </p:animEffect>
-                                  </p:childTnLst>
-                                </p:cTn>
-                              </p:par>
-                              <p:par>
-                                <p:cTn id="13" presetID="10" presetClass="entr" presetSubtype="0" fill="hold" nodeType="withEffect">
-                                  <p:stCondLst>
-                                    <p:cond delay="0"/>
-                                  </p:stCondLst>
-                                  <p:childTnLst>
-                                    <p:set>
-                                      <p:cBhvr>
-                                        <p:cTn id="14" dur="1" fill="hold">
-                                          <p:stCondLst>
-                                            <p:cond delay="0"/>
-                                          </p:stCondLst>
-                                        </p:cTn>
-                                        <p:tgtEl>
-                                          <p:spTgt spid="6"/>
-                                        </p:tgtEl>
-                                        <p:attrNameLst>
-                                          <p:attrName>style.visibility</p:attrName>
-                                        </p:attrNameLst>
-                                      </p:cBhvr>
-                                      <p:to>
-                                        <p:strVal val="visible"/>
-                                      </p:to>
-                                    </p:set>
-                                    <p:animEffect transition="in" filter="fade">
-                                      <p:cBhvr>
-                                        <p:cTn id="15" dur="500"/>
-                                        <p:tgtEl>
-                                          <p:spTgt spid="6"/>
-                                        </p:tgtEl>
-                                      </p:cBhvr>
-                                    </p:animEffect>
-                                  </p:childTnLst>
-                                </p:cTn>
-                              </p:par>
-                            </p:childTnLst>
-                          </p:cTn>
-                        </p:par>
-                      </p:childTnLst>
-                    </p:cTn>
-                  </p:par>
-                  <p:par>
-                    <p:cTn id="16" fill="hold">
-                      <p:stCondLst>
-                        <p:cond delay="indefinite"/>
-                      </p:stCondLst>
-                      <p:childTnLst>
-                        <p:par>
-                          <p:cTn id="17" fill="hold">
-                            <p:stCondLst>
-                              <p:cond delay="0"/>
-                            </p:stCondLst>
-                            <p:childTnLst>
-                              <p:par>
-                                <p:cTn id="18" presetID="10" presetClass="entr" presetSubtype="0" fill="hold" nodeType="clickEffect">
-                                  <p:stCondLst>
-                                    <p:cond delay="0"/>
-                                  </p:stCondLst>
-                                  <p:childTnLst>
-                                    <p:set>
-                                      <p:cBhvr>
-                                        <p:cTn id="19" dur="1" fill="hold">
-                                          <p:stCondLst>
-                                            <p:cond delay="0"/>
-                                          </p:stCondLst>
-                                        </p:cTn>
-                                        <p:tgtEl>
-                                          <p:spTgt spid="12"/>
-                                        </p:tgtEl>
-                                        <p:attrNameLst>
-                                          <p:attrName>style.visibility</p:attrName>
-                                        </p:attrNameLst>
-                                      </p:cBhvr>
-                                      <p:to>
-                                        <p:strVal val="visible"/>
-                                      </p:to>
-                                    </p:set>
-                                    <p:animEffect transition="in" filter="fade">
-                                      <p:cBhvr>
-                                        <p:cTn id="20" dur="500"/>
-                                        <p:tgtEl>
-                                          <p:spTgt spid="12"/>
-                                        </p:tgtEl>
-                                      </p:cBhvr>
-                                    </p:animEffect>
-                                  </p:childTnLst>
-                                </p:cTn>
-                              </p:par>
-                            </p:childTnLst>
-                          </p:cTn>
-                        </p:par>
-                      </p:childTnLst>
-                    </p:cTn>
-                  </p:par>
-                  <p:par>
-                    <p:cTn id="21" fill="hold">
-                      <p:stCondLst>
-                        <p:cond delay="indefinite"/>
-                      </p:stCondLst>
-                      <p:childTnLst>
-                        <p:par>
-                          <p:cTn id="22" fill="hold">
-                            <p:stCondLst>
-                              <p:cond delay="0"/>
-                            </p:stCondLst>
-                            <p:childTnLst>
-                              <p:par>
-                                <p:cTn id="23" presetID="10" presetClass="entr" presetSubtype="0" fill="hold" grpId="0" nodeType="clickEffect">
-                                  <p:stCondLst>
-                                    <p:cond delay="0"/>
-                                  </p:stCondLst>
-                                  <p:childTnLst>
-                                    <p:set>
-                                      <p:cBhvr>
-                                        <p:cTn id="24" dur="1" fill="hold">
-                                          <p:stCondLst>
-                                            <p:cond delay="0"/>
-                                          </p:stCondLst>
-                                        </p:cTn>
-                                        <p:tgtEl>
-                                          <p:spTgt spid="13"/>
-                                        </p:tgtEl>
-                                        <p:attrNameLst>
-                                          <p:attrName>style.visibility</p:attrName>
-                                        </p:attrNameLst>
-                                      </p:cBhvr>
-                                      <p:to>
-                                        <p:strVal val="visible"/>
-                                      </p:to>
-                                    </p:set>
-                                    <p:animEffect transition="in" filter="fade">
-                                      <p:cBhvr>
-                                        <p:cTn id="25" dur="500"/>
-                                        <p:tgtEl>
-                                          <p:spTgt spid="13"/>
-                                        </p:tgtEl>
-                                      </p:cBhvr>
-                                    </p:animEffect>
-                                  </p:childTnLst>
-                                </p:cTn>
-                              </p:par>
-                            </p:childTnLst>
-                          </p:cTn>
-                        </p:par>
-                      </p:childTnLst>
-                    </p:cTn>
-                  </p:par>
-                </p:childTnLst>
-              </p:cTn>
-              <p:prevCondLst>
-                <p:cond evt="onPrev" delay="0">
-                  <p:tgtEl>
-                    <p:sldTgt/>
-                  </p:tgtEl>
-                </p:cond>
-              </p:prevCondLst>
-              <p:nextCondLst>
-                <p:cond evt="onNext" delay="0">
-                  <p:tgtEl>
-                    <p:sldTgt/>
-                  </p:tgtEl>
-                </p:cond>
-              </p:nextCondLst>
-            </p:seq>
-          </p:childTnLst>
-        </p:cTn>
-      </p:par>
-    </p:tnLst>
-    <p:bldLst>
-      <p:bldP spid="13" grpId="0"/>
-    </p:bldLst>
-  </p:timing>
 </p:sld>
 </file>
 
@@ -15450,36 +16702,6 @@
       </p:sp>
       <p:pic>
         <p:nvPicPr>
-          <p:cNvPr id="4" name="Image 3">
-            <a:extLst>
-              <a:ext uri="{FF2B5EF4-FFF2-40B4-BE49-F238E27FC236}">
-                <a16:creationId xmlns:a16="http://schemas.microsoft.com/office/drawing/2014/main" id="{3B5BE6BF-9449-55D7-92E8-3CEE8E5494C2}"/>
-              </a:ext>
-            </a:extLst>
-          </p:cNvPr>
-          <p:cNvPicPr>
-            <a:picLocks noChangeAspect="1"/>
-          </p:cNvPicPr>
-          <p:nvPr/>
-        </p:nvPicPr>
-        <p:blipFill>
-          <a:blip r:embed="rId3"/>
-          <a:stretch>
-            <a:fillRect/>
-          </a:stretch>
-        </p:blipFill>
-        <p:spPr>
-          <a:xfrm>
-            <a:off x="0" y="117358"/>
-            <a:ext cx="9144000" cy="2215507"/>
-          </a:xfrm>
-          <a:prstGeom prst="rect">
-            <a:avLst/>
-          </a:prstGeom>
-        </p:spPr>
-      </p:pic>
-      <p:pic>
-        <p:nvPicPr>
           <p:cNvPr id="90" name="Google Shape;90;p18">
             <a:extLst>
               <a:ext uri="{FF2B5EF4-FFF2-40B4-BE49-F238E27FC236}">
@@ -15491,7 +16713,7 @@
           <p:nvPr/>
         </p:nvPicPr>
         <p:blipFill rotWithShape="1">
-          <a:blip r:embed="rId4">
+          <a:blip r:embed="rId3">
             <a:alphaModFix/>
           </a:blip>
           <a:srcRect/>
@@ -15589,10 +16811,10 @@
       </p:sp>
       <p:pic>
         <p:nvPicPr>
-          <p:cNvPr id="3" name="Image 2">
+          <p:cNvPr id="5" name="Image 4">
             <a:extLst>
               <a:ext uri="{FF2B5EF4-FFF2-40B4-BE49-F238E27FC236}">
-                <a16:creationId xmlns:a16="http://schemas.microsoft.com/office/drawing/2014/main" id="{F93E9EF1-37C6-B4DF-C3D8-29E77F21086D}"/>
+                <a16:creationId xmlns:a16="http://schemas.microsoft.com/office/drawing/2014/main" id="{A069A888-399C-A7D9-B5DE-4300C2960986}"/>
               </a:ext>
             </a:extLst>
           </p:cNvPr>
@@ -15602,21 +16824,75 @@
           <p:nvPr/>
         </p:nvPicPr>
         <p:blipFill>
-          <a:blip r:embed="rId5"/>
+          <a:blip r:embed="rId4"/>
           <a:stretch>
             <a:fillRect/>
           </a:stretch>
         </p:blipFill>
         <p:spPr>
           <a:xfrm>
-            <a:off x="1550267" y="2332865"/>
-            <a:ext cx="6063916" cy="2707995"/>
+            <a:off x="913962" y="403412"/>
+            <a:ext cx="7213827" cy="4491022"/>
           </a:xfrm>
           <a:prstGeom prst="rect">
             <a:avLst/>
           </a:prstGeom>
+          <a:ln>
+            <a:noFill/>
+          </a:ln>
+          <a:effectLst>
+            <a:softEdge rad="112500"/>
+          </a:effectLst>
         </p:spPr>
       </p:pic>
+      <p:sp>
+        <p:nvSpPr>
+          <p:cNvPr id="6" name="Rectangle : coins arrondis 5">
+            <a:hlinkClick r:id="rId5"/>
+            <a:extLst>
+              <a:ext uri="{FF2B5EF4-FFF2-40B4-BE49-F238E27FC236}">
+                <a16:creationId xmlns:a16="http://schemas.microsoft.com/office/drawing/2014/main" id="{E6772FF6-1493-1755-0182-C9D4A4AFBF0D}"/>
+              </a:ext>
+            </a:extLst>
+          </p:cNvPr>
+          <p:cNvSpPr/>
+          <p:nvPr/>
+        </p:nvSpPr>
+        <p:spPr>
+          <a:xfrm>
+            <a:off x="6441141" y="4059857"/>
+            <a:ext cx="2590385" cy="639382"/>
+          </a:xfrm>
+          <a:prstGeom prst="roundRect">
+            <a:avLst/>
+          </a:prstGeom>
+        </p:spPr>
+        <p:style>
+          <a:lnRef idx="1">
+            <a:schemeClr val="accent4"/>
+          </a:lnRef>
+          <a:fillRef idx="2">
+            <a:schemeClr val="accent4"/>
+          </a:fillRef>
+          <a:effectRef idx="1">
+            <a:schemeClr val="accent4"/>
+          </a:effectRef>
+          <a:fontRef idx="minor">
+            <a:schemeClr val="dk1"/>
+          </a:fontRef>
+        </p:style>
+        <p:txBody>
+          <a:bodyPr rtlCol="0" anchor="ctr"/>
+          <a:lstStyle/>
+          <a:p>
+            <a:pPr algn="ctr"/>
+            <a:r>
+              <a:rPr lang="fr-FR" dirty="0"/>
+              <a:t>👉LIEN VERS L’OUTILS👈</a:t>
+            </a:r>
+          </a:p>
+        </p:txBody>
+      </p:sp>
     </p:spTree>
     <p:extLst>
       <p:ext uri="{BB962C8B-B14F-4D97-AF65-F5344CB8AC3E}">
@@ -15627,89 +16903,6 @@
   <p:clrMapOvr>
     <a:masterClrMapping/>
   </p:clrMapOvr>
-  <p:timing>
-    <p:tnLst>
-      <p:par>
-        <p:cTn id="1" dur="indefinite" restart="never" nodeType="tmRoot">
-          <p:childTnLst>
-            <p:seq concurrent="1" nextAc="seek">
-              <p:cTn id="2" dur="indefinite" nodeType="mainSeq">
-                <p:childTnLst>
-                  <p:par>
-                    <p:cTn id="3" fill="hold">
-                      <p:stCondLst>
-                        <p:cond delay="indefinite"/>
-                      </p:stCondLst>
-                      <p:childTnLst>
-                        <p:par>
-                          <p:cTn id="4" fill="hold">
-                            <p:stCondLst>
-                              <p:cond delay="0"/>
-                            </p:stCondLst>
-                            <p:childTnLst>
-                              <p:par>
-                                <p:cTn id="5" presetID="10" presetClass="entr" presetSubtype="0" fill="hold" nodeType="clickEffect">
-                                  <p:stCondLst>
-                                    <p:cond delay="0"/>
-                                  </p:stCondLst>
-                                  <p:childTnLst>
-                                    <p:set>
-                                      <p:cBhvr>
-                                        <p:cTn id="6" dur="1" fill="hold">
-                                          <p:stCondLst>
-                                            <p:cond delay="0"/>
-                                          </p:stCondLst>
-                                        </p:cTn>
-                                        <p:tgtEl>
-                                          <p:spTgt spid="3"/>
-                                        </p:tgtEl>
-                                        <p:attrNameLst>
-                                          <p:attrName>style.visibility</p:attrName>
-                                        </p:attrNameLst>
-                                      </p:cBhvr>
-                                      <p:to>
-                                        <p:strVal val="visible"/>
-                                      </p:to>
-                                    </p:set>
-                                    <p:animEffect transition="in" filter="fade">
-                                      <p:cBhvr>
-                                        <p:cTn id="7" dur="500"/>
-                                        <p:tgtEl>
-                                          <p:spTgt spid="3"/>
-                                        </p:tgtEl>
-                                      </p:cBhvr>
-                                    </p:animEffect>
-                                  </p:childTnLst>
-                                </p:cTn>
-                              </p:par>
-                            </p:childTnLst>
-                          </p:cTn>
-                        </p:par>
-                      </p:childTnLst>
-                    </p:cTn>
-                  </p:par>
-                </p:childTnLst>
-              </p:cTn>
-              <p:prevCondLst>
-                <p:cond evt="onPrev" delay="0">
-                  <p:tgtEl>
-                    <p:sldTgt/>
-                  </p:tgtEl>
-                </p:cond>
-              </p:prevCondLst>
-              <p:nextCondLst>
-                <p:cond evt="onNext" delay="0">
-                  <p:tgtEl>
-                    <p:sldTgt/>
-                  </p:tgtEl>
-                </p:cond>
-              </p:nextCondLst>
-            </p:seq>
-          </p:childTnLst>
-        </p:cTn>
-      </p:par>
-    </p:tnLst>
-  </p:timing>
 </p:sld>
 </file>
 
@@ -17400,8 +18593,8 @@
         </p:blipFill>
         <p:spPr>
           <a:xfrm>
-            <a:off x="353113" y="1921435"/>
-            <a:ext cx="2856762" cy="2579466"/>
+            <a:off x="353113" y="1921434"/>
+            <a:ext cx="3289934" cy="2970591"/>
           </a:xfrm>
           <a:prstGeom prst="rect">
             <a:avLst/>
@@ -18150,14 +19343,14 @@
           <p:nvPr>
             <p:extLst>
               <p:ext uri="{D42A27DB-BD31-4B8C-83A1-F6EECF244321}">
-                <p14:modId xmlns:p14="http://schemas.microsoft.com/office/powerpoint/2010/main" val="719333480"/>
+                <p14:modId xmlns:p14="http://schemas.microsoft.com/office/powerpoint/2010/main" val="4071841970"/>
               </p:ext>
             </p:extLst>
           </p:nvPr>
         </p:nvGraphicFramePr>
         <p:xfrm>
-          <a:off x="545744" y="1027619"/>
-          <a:ext cx="8182619" cy="3770271"/>
+          <a:off x="116877" y="673768"/>
+          <a:ext cx="8965245" cy="4247875"/>
         </p:xfrm>
         <a:graphic>
           <a:graphicData uri="http://schemas.openxmlformats.org/drawingml/2006/diagram">
@@ -18165,61 +19358,6 @@
           </a:graphicData>
         </a:graphic>
       </p:graphicFrame>
-      <p:sp>
-        <p:nvSpPr>
-          <p:cNvPr id="5" name="Espace réservé du texte 2">
-            <a:extLst>
-              <a:ext uri="{FF2B5EF4-FFF2-40B4-BE49-F238E27FC236}">
-                <a16:creationId xmlns:a16="http://schemas.microsoft.com/office/drawing/2014/main" id="{B5FE65CE-944A-62F3-9E6F-515966C976F2}"/>
-              </a:ext>
-            </a:extLst>
-          </p:cNvPr>
-          <p:cNvSpPr>
-            <a:spLocks noGrp="1"/>
-          </p:cNvSpPr>
-          <p:nvPr>
-            <p:ph type="body" idx="1"/>
-          </p:nvPr>
-        </p:nvSpPr>
-        <p:spPr>
-          <a:xfrm>
-            <a:off x="199380" y="673174"/>
-            <a:ext cx="8607735" cy="380926"/>
-          </a:xfrm>
-        </p:spPr>
-        <p:txBody>
-          <a:bodyPr/>
-          <a:lstStyle/>
-          <a:p>
-            <a:pPr marL="0" indent="0" algn="ctr">
-              <a:lnSpc>
-                <a:spcPct val="100000"/>
-              </a:lnSpc>
-              <a:buNone/>
-            </a:pPr>
-            <a:r>
-              <a:rPr lang="fr-FR" sz="1100" b="1" cap="all" dirty="0">
-                <a:latin typeface="Inter" panose="020B0604020202020204" charset="0"/>
-                <a:ea typeface="Inter" panose="020B0604020202020204" charset="0"/>
-              </a:rPr>
-              <a:t>PRETRAITEMENT DES TEXTES</a:t>
-            </a:r>
-          </a:p>
-          <a:p>
-            <a:pPr marL="0" indent="0" algn="ctr">
-              <a:lnSpc>
-                <a:spcPct val="100000"/>
-              </a:lnSpc>
-              <a:buNone/>
-            </a:pPr>
-            <a:endParaRPr lang="fr-FR" sz="1100" b="0" i="0" dirty="0">
-              <a:effectLst/>
-              <a:latin typeface="Inter" panose="020B0604020202020204" charset="0"/>
-              <a:ea typeface="Inter" panose="020B0604020202020204" charset="0"/>
-            </a:endParaRPr>
-          </a:p>
-        </p:txBody>
-      </p:sp>
     </p:spTree>
     <p:extLst>
       <p:ext uri="{BB962C8B-B14F-4D97-AF65-F5344CB8AC3E}">
@@ -18763,7 +19901,7 @@
           <p:nvPr>
             <p:extLst>
               <p:ext uri="{D42A27DB-BD31-4B8C-83A1-F6EECF244321}">
-                <p14:modId xmlns:p14="http://schemas.microsoft.com/office/powerpoint/2010/main" val="3369671809"/>
+                <p14:modId xmlns:p14="http://schemas.microsoft.com/office/powerpoint/2010/main" val="718097912"/>
               </p:ext>
             </p:extLst>
           </p:nvPr>
@@ -18870,8 +20008,8 @@
                     <a:lstStyle/>
                     <a:p>
                       <a:r>
-                        <a:rPr lang="fr-FR" dirty="0"/>
-                        <a:t>3 minutes</a:t>
+                        <a:rPr lang="fr-FR"/>
+                        <a:t>30 secondes</a:t>
                       </a:r>
                       <a:endParaRPr lang="fr-FR" dirty="0">
                         <a:latin typeface="Inter" panose="020B0604020202020204" charset="0"/>
